--- a/improved_estimator/fig.pptx
+++ b/improved_estimator/fig.pptx
@@ -6,6 +6,8 @@
   </p:sldMasterIdLst>
   <p:sldIdLst>
     <p:sldId id="256" r:id="rId2"/>
+    <p:sldId id="257" r:id="rId3"/>
+    <p:sldId id="258" r:id="rId4"/>
   </p:sldIdLst>
   <p:sldSz cx="9144000" cy="6858000" type="screen4x3"/>
   <p:notesSz cx="6858000" cy="9144000"/>
@@ -4090,6 +4092,8723 @@
 </p:sld>
 </file>
 
+<file path=ppt/slides/slide2.xml><?xml version="1.0" encoding="utf-8"?>
+<p:sld xmlns:a="http://schemas.openxmlformats.org/drawingml/2006/main" xmlns:r="http://schemas.openxmlformats.org/officeDocument/2006/relationships" xmlns:p="http://schemas.openxmlformats.org/presentationml/2006/main">
+  <p:cSld>
+    <p:spTree>
+      <p:nvGrpSpPr>
+        <p:cNvPr id="1" name=""/>
+        <p:cNvGrpSpPr/>
+        <p:nvPr/>
+      </p:nvGrpSpPr>
+      <p:grpSpPr>
+        <a:xfrm>
+          <a:off x="0" y="0"/>
+          <a:ext cx="0" cy="0"/>
+          <a:chOff x="0" y="0"/>
+          <a:chExt cx="0" cy="0"/>
+        </a:xfrm>
+      </p:grpSpPr>
+      <p:sp>
+        <p:nvSpPr>
+          <p:cNvPr id="4" name="正方形/長方形 3">
+            <a:extLst>
+              <a:ext uri="{FF2B5EF4-FFF2-40B4-BE49-F238E27FC236}">
+                <a16:creationId xmlns:a16="http://schemas.microsoft.com/office/drawing/2014/main" id="{E22EAF30-CF31-7446-9879-D593F56C85F4}"/>
+              </a:ext>
+            </a:extLst>
+          </p:cNvPr>
+          <p:cNvSpPr/>
+          <p:nvPr/>
+        </p:nvSpPr>
+        <p:spPr>
+          <a:xfrm>
+            <a:off x="1691680" y="980728"/>
+            <a:ext cx="720080" cy="720080"/>
+          </a:xfrm>
+          <a:prstGeom prst="rect">
+            <a:avLst/>
+          </a:prstGeom>
+          <a:noFill/>
+          <a:ln>
+            <a:solidFill>
+              <a:schemeClr val="tx1"/>
+            </a:solidFill>
+          </a:ln>
+        </p:spPr>
+        <p:style>
+          <a:lnRef idx="2">
+            <a:schemeClr val="accent1">
+              <a:shade val="50000"/>
+            </a:schemeClr>
+          </a:lnRef>
+          <a:fillRef idx="1">
+            <a:schemeClr val="accent1"/>
+          </a:fillRef>
+          <a:effectRef idx="0">
+            <a:schemeClr val="accent1"/>
+          </a:effectRef>
+          <a:fontRef idx="minor">
+            <a:schemeClr val="lt1"/>
+          </a:fontRef>
+        </p:style>
+        <p:txBody>
+          <a:bodyPr rtlCol="0" anchor="ctr"/>
+          <a:lstStyle/>
+          <a:p>
+            <a:pPr algn="ctr"/>
+            <a:endParaRPr kumimoji="1" lang="ja-JP" altLang="en-US"/>
+          </a:p>
+        </p:txBody>
+      </p:sp>
+      <p:sp>
+        <p:nvSpPr>
+          <p:cNvPr id="6" name="正方形/長方形 5">
+            <a:extLst>
+              <a:ext uri="{FF2B5EF4-FFF2-40B4-BE49-F238E27FC236}">
+                <a16:creationId xmlns:a16="http://schemas.microsoft.com/office/drawing/2014/main" id="{7FBC3CA8-12DF-4341-97B5-56A239CA1B04}"/>
+              </a:ext>
+            </a:extLst>
+          </p:cNvPr>
+          <p:cNvSpPr/>
+          <p:nvPr/>
+        </p:nvSpPr>
+        <p:spPr>
+          <a:xfrm>
+            <a:off x="1691680" y="1700808"/>
+            <a:ext cx="720080" cy="720080"/>
+          </a:xfrm>
+          <a:prstGeom prst="rect">
+            <a:avLst/>
+          </a:prstGeom>
+          <a:noFill/>
+          <a:ln>
+            <a:solidFill>
+              <a:schemeClr val="tx1"/>
+            </a:solidFill>
+          </a:ln>
+        </p:spPr>
+        <p:style>
+          <a:lnRef idx="2">
+            <a:schemeClr val="accent1">
+              <a:shade val="50000"/>
+            </a:schemeClr>
+          </a:lnRef>
+          <a:fillRef idx="1">
+            <a:schemeClr val="accent1"/>
+          </a:fillRef>
+          <a:effectRef idx="0">
+            <a:schemeClr val="accent1"/>
+          </a:effectRef>
+          <a:fontRef idx="minor">
+            <a:schemeClr val="lt1"/>
+          </a:fontRef>
+        </p:style>
+        <p:txBody>
+          <a:bodyPr rtlCol="0" anchor="ctr"/>
+          <a:lstStyle/>
+          <a:p>
+            <a:pPr algn="ctr"/>
+            <a:endParaRPr kumimoji="1" lang="ja-JP" altLang="en-US"/>
+          </a:p>
+        </p:txBody>
+      </p:sp>
+      <p:sp>
+        <p:nvSpPr>
+          <p:cNvPr id="7" name="正方形/長方形 6">
+            <a:extLst>
+              <a:ext uri="{FF2B5EF4-FFF2-40B4-BE49-F238E27FC236}">
+                <a16:creationId xmlns:a16="http://schemas.microsoft.com/office/drawing/2014/main" id="{2D75F0D6-9568-624B-AFF0-899E9A27B3D6}"/>
+              </a:ext>
+            </a:extLst>
+          </p:cNvPr>
+          <p:cNvSpPr/>
+          <p:nvPr/>
+        </p:nvSpPr>
+        <p:spPr>
+          <a:xfrm>
+            <a:off x="2411760" y="980728"/>
+            <a:ext cx="720080" cy="720080"/>
+          </a:xfrm>
+          <a:prstGeom prst="rect">
+            <a:avLst/>
+          </a:prstGeom>
+          <a:noFill/>
+          <a:ln>
+            <a:solidFill>
+              <a:schemeClr val="tx1"/>
+            </a:solidFill>
+          </a:ln>
+        </p:spPr>
+        <p:style>
+          <a:lnRef idx="2">
+            <a:schemeClr val="accent1">
+              <a:shade val="50000"/>
+            </a:schemeClr>
+          </a:lnRef>
+          <a:fillRef idx="1">
+            <a:schemeClr val="accent1"/>
+          </a:fillRef>
+          <a:effectRef idx="0">
+            <a:schemeClr val="accent1"/>
+          </a:effectRef>
+          <a:fontRef idx="minor">
+            <a:schemeClr val="lt1"/>
+          </a:fontRef>
+        </p:style>
+        <p:txBody>
+          <a:bodyPr rtlCol="0" anchor="ctr"/>
+          <a:lstStyle/>
+          <a:p>
+            <a:pPr algn="ctr"/>
+            <a:endParaRPr kumimoji="1" lang="ja-JP" altLang="en-US"/>
+          </a:p>
+        </p:txBody>
+      </p:sp>
+      <p:sp>
+        <p:nvSpPr>
+          <p:cNvPr id="8" name="正方形/長方形 7">
+            <a:extLst>
+              <a:ext uri="{FF2B5EF4-FFF2-40B4-BE49-F238E27FC236}">
+                <a16:creationId xmlns:a16="http://schemas.microsoft.com/office/drawing/2014/main" id="{8E228150-B804-3549-93F7-00D816C465B3}"/>
+              </a:ext>
+            </a:extLst>
+          </p:cNvPr>
+          <p:cNvSpPr/>
+          <p:nvPr/>
+        </p:nvSpPr>
+        <p:spPr>
+          <a:xfrm>
+            <a:off x="2411760" y="1700808"/>
+            <a:ext cx="720080" cy="720080"/>
+          </a:xfrm>
+          <a:prstGeom prst="rect">
+            <a:avLst/>
+          </a:prstGeom>
+          <a:noFill/>
+          <a:ln>
+            <a:solidFill>
+              <a:schemeClr val="tx1"/>
+            </a:solidFill>
+          </a:ln>
+        </p:spPr>
+        <p:style>
+          <a:lnRef idx="2">
+            <a:schemeClr val="accent1">
+              <a:shade val="50000"/>
+            </a:schemeClr>
+          </a:lnRef>
+          <a:fillRef idx="1">
+            <a:schemeClr val="accent1"/>
+          </a:fillRef>
+          <a:effectRef idx="0">
+            <a:schemeClr val="accent1"/>
+          </a:effectRef>
+          <a:fontRef idx="minor">
+            <a:schemeClr val="lt1"/>
+          </a:fontRef>
+        </p:style>
+        <p:txBody>
+          <a:bodyPr rtlCol="0" anchor="ctr"/>
+          <a:lstStyle/>
+          <a:p>
+            <a:pPr algn="ctr"/>
+            <a:endParaRPr kumimoji="1" lang="ja-JP" altLang="en-US"/>
+          </a:p>
+        </p:txBody>
+      </p:sp>
+      <p:sp>
+        <p:nvSpPr>
+          <p:cNvPr id="12" name="円/楕円 11">
+            <a:extLst>
+              <a:ext uri="{FF2B5EF4-FFF2-40B4-BE49-F238E27FC236}">
+                <a16:creationId xmlns:a16="http://schemas.microsoft.com/office/drawing/2014/main" id="{35E942D8-27FB-7548-B738-48ED629E84CE}"/>
+              </a:ext>
+            </a:extLst>
+          </p:cNvPr>
+          <p:cNvSpPr/>
+          <p:nvPr/>
+        </p:nvSpPr>
+        <p:spPr>
+          <a:xfrm>
+            <a:off x="2987824" y="836712"/>
+            <a:ext cx="288032" cy="288032"/>
+          </a:xfrm>
+          <a:prstGeom prst="ellipse">
+            <a:avLst/>
+          </a:prstGeom>
+          <a:solidFill>
+            <a:schemeClr val="accent5">
+              <a:lumMod val="20000"/>
+              <a:lumOff val="80000"/>
+            </a:schemeClr>
+          </a:solidFill>
+          <a:ln>
+            <a:solidFill>
+              <a:schemeClr val="tx1"/>
+            </a:solidFill>
+            <a:headEnd type="triangle" w="med" len="med"/>
+            <a:tailEnd type="none" w="med" len="med"/>
+          </a:ln>
+        </p:spPr>
+        <p:style>
+          <a:lnRef idx="2">
+            <a:schemeClr val="accent1">
+              <a:shade val="50000"/>
+            </a:schemeClr>
+          </a:lnRef>
+          <a:fillRef idx="1">
+            <a:schemeClr val="accent1"/>
+          </a:fillRef>
+          <a:effectRef idx="0">
+            <a:schemeClr val="accent1"/>
+          </a:effectRef>
+          <a:fontRef idx="minor">
+            <a:schemeClr val="lt1"/>
+          </a:fontRef>
+        </p:style>
+        <p:txBody>
+          <a:bodyPr rtlCol="0" anchor="ctr"/>
+          <a:lstStyle/>
+          <a:p>
+            <a:pPr algn="ctr"/>
+            <a:endParaRPr kumimoji="1" lang="ja-JP" altLang="en-US"/>
+          </a:p>
+        </p:txBody>
+      </p:sp>
+      <p:sp>
+        <p:nvSpPr>
+          <p:cNvPr id="24" name="円/楕円 23">
+            <a:extLst>
+              <a:ext uri="{FF2B5EF4-FFF2-40B4-BE49-F238E27FC236}">
+                <a16:creationId xmlns:a16="http://schemas.microsoft.com/office/drawing/2014/main" id="{ACED7324-662E-7645-BCA2-3853C0153932}"/>
+              </a:ext>
+            </a:extLst>
+          </p:cNvPr>
+          <p:cNvSpPr/>
+          <p:nvPr/>
+        </p:nvSpPr>
+        <p:spPr>
+          <a:xfrm>
+            <a:off x="2267744" y="836712"/>
+            <a:ext cx="288032" cy="288032"/>
+          </a:xfrm>
+          <a:prstGeom prst="ellipse">
+            <a:avLst/>
+          </a:prstGeom>
+          <a:solidFill>
+            <a:schemeClr val="accent2">
+              <a:lumMod val="20000"/>
+              <a:lumOff val="80000"/>
+            </a:schemeClr>
+          </a:solidFill>
+          <a:ln>
+            <a:solidFill>
+              <a:schemeClr val="tx1"/>
+            </a:solidFill>
+          </a:ln>
+        </p:spPr>
+        <p:style>
+          <a:lnRef idx="2">
+            <a:schemeClr val="accent1">
+              <a:shade val="50000"/>
+            </a:schemeClr>
+          </a:lnRef>
+          <a:fillRef idx="1">
+            <a:schemeClr val="accent1"/>
+          </a:fillRef>
+          <a:effectRef idx="0">
+            <a:schemeClr val="accent1"/>
+          </a:effectRef>
+          <a:fontRef idx="minor">
+            <a:schemeClr val="lt1"/>
+          </a:fontRef>
+        </p:style>
+        <p:txBody>
+          <a:bodyPr rtlCol="0" anchor="ctr"/>
+          <a:lstStyle/>
+          <a:p>
+            <a:pPr algn="ctr"/>
+            <a:endParaRPr kumimoji="1" lang="ja-JP" altLang="en-US"/>
+          </a:p>
+        </p:txBody>
+      </p:sp>
+      <p:sp>
+        <p:nvSpPr>
+          <p:cNvPr id="27" name="円/楕円 26">
+            <a:extLst>
+              <a:ext uri="{FF2B5EF4-FFF2-40B4-BE49-F238E27FC236}">
+                <a16:creationId xmlns:a16="http://schemas.microsoft.com/office/drawing/2014/main" id="{2AA8724E-5451-C14D-B157-72B4F49FE6C1}"/>
+              </a:ext>
+            </a:extLst>
+          </p:cNvPr>
+          <p:cNvSpPr/>
+          <p:nvPr/>
+        </p:nvSpPr>
+        <p:spPr>
+          <a:xfrm>
+            <a:off x="1547664" y="836712"/>
+            <a:ext cx="288032" cy="288032"/>
+          </a:xfrm>
+          <a:prstGeom prst="ellipse">
+            <a:avLst/>
+          </a:prstGeom>
+          <a:solidFill>
+            <a:schemeClr val="accent2">
+              <a:lumMod val="20000"/>
+              <a:lumOff val="80000"/>
+            </a:schemeClr>
+          </a:solidFill>
+          <a:ln>
+            <a:solidFill>
+              <a:schemeClr val="tx1"/>
+            </a:solidFill>
+          </a:ln>
+        </p:spPr>
+        <p:style>
+          <a:lnRef idx="2">
+            <a:schemeClr val="accent1">
+              <a:shade val="50000"/>
+            </a:schemeClr>
+          </a:lnRef>
+          <a:fillRef idx="1">
+            <a:schemeClr val="accent1"/>
+          </a:fillRef>
+          <a:effectRef idx="0">
+            <a:schemeClr val="accent1"/>
+          </a:effectRef>
+          <a:fontRef idx="minor">
+            <a:schemeClr val="lt1"/>
+          </a:fontRef>
+        </p:style>
+        <p:txBody>
+          <a:bodyPr rtlCol="0" anchor="ctr"/>
+          <a:lstStyle/>
+          <a:p>
+            <a:pPr algn="ctr"/>
+            <a:endParaRPr kumimoji="1" lang="ja-JP" altLang="en-US"/>
+          </a:p>
+        </p:txBody>
+      </p:sp>
+      <p:sp>
+        <p:nvSpPr>
+          <p:cNvPr id="30" name="円/楕円 29">
+            <a:extLst>
+              <a:ext uri="{FF2B5EF4-FFF2-40B4-BE49-F238E27FC236}">
+                <a16:creationId xmlns:a16="http://schemas.microsoft.com/office/drawing/2014/main" id="{8C57FC03-E638-7046-8A47-DCBC2EDA74BA}"/>
+              </a:ext>
+            </a:extLst>
+          </p:cNvPr>
+          <p:cNvSpPr/>
+          <p:nvPr/>
+        </p:nvSpPr>
+        <p:spPr>
+          <a:xfrm>
+            <a:off x="2987824" y="1556792"/>
+            <a:ext cx="288032" cy="288032"/>
+          </a:xfrm>
+          <a:prstGeom prst="ellipse">
+            <a:avLst/>
+          </a:prstGeom>
+          <a:solidFill>
+            <a:schemeClr val="accent5">
+              <a:lumMod val="20000"/>
+              <a:lumOff val="80000"/>
+            </a:schemeClr>
+          </a:solidFill>
+          <a:ln>
+            <a:solidFill>
+              <a:schemeClr val="tx1"/>
+            </a:solidFill>
+            <a:headEnd type="triangle" w="med" len="med"/>
+            <a:tailEnd type="none" w="med" len="med"/>
+          </a:ln>
+        </p:spPr>
+        <p:style>
+          <a:lnRef idx="2">
+            <a:schemeClr val="accent1">
+              <a:shade val="50000"/>
+            </a:schemeClr>
+          </a:lnRef>
+          <a:fillRef idx="1">
+            <a:schemeClr val="accent1"/>
+          </a:fillRef>
+          <a:effectRef idx="0">
+            <a:schemeClr val="accent1"/>
+          </a:effectRef>
+          <a:fontRef idx="minor">
+            <a:schemeClr val="lt1"/>
+          </a:fontRef>
+        </p:style>
+        <p:txBody>
+          <a:bodyPr rtlCol="0" anchor="ctr"/>
+          <a:lstStyle/>
+          <a:p>
+            <a:pPr algn="ctr"/>
+            <a:endParaRPr kumimoji="1" lang="ja-JP" altLang="en-US"/>
+          </a:p>
+        </p:txBody>
+      </p:sp>
+      <p:sp>
+        <p:nvSpPr>
+          <p:cNvPr id="33" name="円/楕円 32">
+            <a:extLst>
+              <a:ext uri="{FF2B5EF4-FFF2-40B4-BE49-F238E27FC236}">
+                <a16:creationId xmlns:a16="http://schemas.microsoft.com/office/drawing/2014/main" id="{2AE435E8-BE2B-5840-A572-E17124266EDC}"/>
+              </a:ext>
+            </a:extLst>
+          </p:cNvPr>
+          <p:cNvSpPr/>
+          <p:nvPr/>
+        </p:nvSpPr>
+        <p:spPr>
+          <a:xfrm>
+            <a:off x="2267744" y="1556792"/>
+            <a:ext cx="288032" cy="288032"/>
+          </a:xfrm>
+          <a:prstGeom prst="ellipse">
+            <a:avLst/>
+          </a:prstGeom>
+          <a:solidFill>
+            <a:schemeClr val="accent2">
+              <a:lumMod val="20000"/>
+              <a:lumOff val="80000"/>
+            </a:schemeClr>
+          </a:solidFill>
+          <a:ln>
+            <a:solidFill>
+              <a:schemeClr val="tx1"/>
+            </a:solidFill>
+          </a:ln>
+        </p:spPr>
+        <p:style>
+          <a:lnRef idx="2">
+            <a:schemeClr val="accent1">
+              <a:shade val="50000"/>
+            </a:schemeClr>
+          </a:lnRef>
+          <a:fillRef idx="1">
+            <a:schemeClr val="accent1"/>
+          </a:fillRef>
+          <a:effectRef idx="0">
+            <a:schemeClr val="accent1"/>
+          </a:effectRef>
+          <a:fontRef idx="minor">
+            <a:schemeClr val="lt1"/>
+          </a:fontRef>
+        </p:style>
+        <p:txBody>
+          <a:bodyPr rtlCol="0" anchor="ctr"/>
+          <a:lstStyle/>
+          <a:p>
+            <a:pPr algn="ctr"/>
+            <a:endParaRPr kumimoji="1" lang="ja-JP" altLang="en-US"/>
+          </a:p>
+        </p:txBody>
+      </p:sp>
+      <p:sp>
+        <p:nvSpPr>
+          <p:cNvPr id="36" name="円/楕円 35">
+            <a:extLst>
+              <a:ext uri="{FF2B5EF4-FFF2-40B4-BE49-F238E27FC236}">
+                <a16:creationId xmlns:a16="http://schemas.microsoft.com/office/drawing/2014/main" id="{28CC8471-FC30-6446-AE68-F6E54E651D64}"/>
+              </a:ext>
+            </a:extLst>
+          </p:cNvPr>
+          <p:cNvSpPr/>
+          <p:nvPr/>
+        </p:nvSpPr>
+        <p:spPr>
+          <a:xfrm>
+            <a:off x="1547664" y="1556792"/>
+            <a:ext cx="288032" cy="288032"/>
+          </a:xfrm>
+          <a:prstGeom prst="ellipse">
+            <a:avLst/>
+          </a:prstGeom>
+          <a:solidFill>
+            <a:schemeClr val="accent2">
+              <a:lumMod val="20000"/>
+              <a:lumOff val="80000"/>
+            </a:schemeClr>
+          </a:solidFill>
+          <a:ln>
+            <a:solidFill>
+              <a:schemeClr val="tx1"/>
+            </a:solidFill>
+          </a:ln>
+        </p:spPr>
+        <p:style>
+          <a:lnRef idx="2">
+            <a:schemeClr val="accent1">
+              <a:shade val="50000"/>
+            </a:schemeClr>
+          </a:lnRef>
+          <a:fillRef idx="1">
+            <a:schemeClr val="accent1"/>
+          </a:fillRef>
+          <a:effectRef idx="0">
+            <a:schemeClr val="accent1"/>
+          </a:effectRef>
+          <a:fontRef idx="minor">
+            <a:schemeClr val="lt1"/>
+          </a:fontRef>
+        </p:style>
+        <p:txBody>
+          <a:bodyPr rtlCol="0" anchor="ctr"/>
+          <a:lstStyle/>
+          <a:p>
+            <a:pPr algn="ctr"/>
+            <a:endParaRPr kumimoji="1" lang="ja-JP" altLang="en-US"/>
+          </a:p>
+        </p:txBody>
+      </p:sp>
+      <p:sp>
+        <p:nvSpPr>
+          <p:cNvPr id="39" name="円/楕円 38">
+            <a:extLst>
+              <a:ext uri="{FF2B5EF4-FFF2-40B4-BE49-F238E27FC236}">
+                <a16:creationId xmlns:a16="http://schemas.microsoft.com/office/drawing/2014/main" id="{7687C510-72C6-3F46-AD33-1B4844D8A408}"/>
+              </a:ext>
+            </a:extLst>
+          </p:cNvPr>
+          <p:cNvSpPr/>
+          <p:nvPr/>
+        </p:nvSpPr>
+        <p:spPr>
+          <a:xfrm>
+            <a:off x="2987824" y="2276872"/>
+            <a:ext cx="288032" cy="288032"/>
+          </a:xfrm>
+          <a:prstGeom prst="ellipse">
+            <a:avLst/>
+          </a:prstGeom>
+          <a:solidFill>
+            <a:schemeClr val="accent5">
+              <a:lumMod val="20000"/>
+              <a:lumOff val="80000"/>
+            </a:schemeClr>
+          </a:solidFill>
+          <a:ln>
+            <a:solidFill>
+              <a:schemeClr val="tx1"/>
+            </a:solidFill>
+            <a:headEnd type="triangle" w="med" len="med"/>
+            <a:tailEnd type="none" w="med" len="med"/>
+          </a:ln>
+        </p:spPr>
+        <p:style>
+          <a:lnRef idx="2">
+            <a:schemeClr val="accent1">
+              <a:shade val="50000"/>
+            </a:schemeClr>
+          </a:lnRef>
+          <a:fillRef idx="1">
+            <a:schemeClr val="accent1"/>
+          </a:fillRef>
+          <a:effectRef idx="0">
+            <a:schemeClr val="accent1"/>
+          </a:effectRef>
+          <a:fontRef idx="minor">
+            <a:schemeClr val="lt1"/>
+          </a:fontRef>
+        </p:style>
+        <p:txBody>
+          <a:bodyPr rtlCol="0" anchor="ctr"/>
+          <a:lstStyle/>
+          <a:p>
+            <a:pPr algn="ctr"/>
+            <a:endParaRPr kumimoji="1" lang="ja-JP" altLang="en-US"/>
+          </a:p>
+        </p:txBody>
+      </p:sp>
+      <p:sp>
+        <p:nvSpPr>
+          <p:cNvPr id="42" name="円/楕円 41">
+            <a:extLst>
+              <a:ext uri="{FF2B5EF4-FFF2-40B4-BE49-F238E27FC236}">
+                <a16:creationId xmlns:a16="http://schemas.microsoft.com/office/drawing/2014/main" id="{B4F3F18B-F709-A349-AE03-570F2A8877DA}"/>
+              </a:ext>
+            </a:extLst>
+          </p:cNvPr>
+          <p:cNvSpPr/>
+          <p:nvPr/>
+        </p:nvSpPr>
+        <p:spPr>
+          <a:xfrm>
+            <a:off x="2267744" y="2276872"/>
+            <a:ext cx="288032" cy="288032"/>
+          </a:xfrm>
+          <a:prstGeom prst="ellipse">
+            <a:avLst/>
+          </a:prstGeom>
+          <a:solidFill>
+            <a:schemeClr val="accent5">
+              <a:lumMod val="20000"/>
+              <a:lumOff val="80000"/>
+            </a:schemeClr>
+          </a:solidFill>
+          <a:ln>
+            <a:solidFill>
+              <a:schemeClr val="tx1"/>
+            </a:solidFill>
+            <a:headEnd type="triangle" w="med" len="med"/>
+            <a:tailEnd type="none" w="med" len="med"/>
+          </a:ln>
+        </p:spPr>
+        <p:style>
+          <a:lnRef idx="2">
+            <a:schemeClr val="accent1">
+              <a:shade val="50000"/>
+            </a:schemeClr>
+          </a:lnRef>
+          <a:fillRef idx="1">
+            <a:schemeClr val="accent1"/>
+          </a:fillRef>
+          <a:effectRef idx="0">
+            <a:schemeClr val="accent1"/>
+          </a:effectRef>
+          <a:fontRef idx="minor">
+            <a:schemeClr val="lt1"/>
+          </a:fontRef>
+        </p:style>
+        <p:txBody>
+          <a:bodyPr rtlCol="0" anchor="ctr"/>
+          <a:lstStyle/>
+          <a:p>
+            <a:pPr algn="ctr"/>
+            <a:endParaRPr kumimoji="1" lang="ja-JP" altLang="en-US"/>
+          </a:p>
+        </p:txBody>
+      </p:sp>
+      <p:sp>
+        <p:nvSpPr>
+          <p:cNvPr id="45" name="円/楕円 44">
+            <a:extLst>
+              <a:ext uri="{FF2B5EF4-FFF2-40B4-BE49-F238E27FC236}">
+                <a16:creationId xmlns:a16="http://schemas.microsoft.com/office/drawing/2014/main" id="{CC2812EB-0D0F-CC43-9366-0088DAD597E2}"/>
+              </a:ext>
+            </a:extLst>
+          </p:cNvPr>
+          <p:cNvSpPr/>
+          <p:nvPr/>
+        </p:nvSpPr>
+        <p:spPr>
+          <a:xfrm>
+            <a:off x="1547664" y="2276872"/>
+            <a:ext cx="288032" cy="288032"/>
+          </a:xfrm>
+          <a:prstGeom prst="ellipse">
+            <a:avLst/>
+          </a:prstGeom>
+          <a:solidFill>
+            <a:schemeClr val="accent2">
+              <a:lumMod val="20000"/>
+              <a:lumOff val="80000"/>
+            </a:schemeClr>
+          </a:solidFill>
+          <a:ln>
+            <a:solidFill>
+              <a:schemeClr val="tx1"/>
+            </a:solidFill>
+          </a:ln>
+        </p:spPr>
+        <p:style>
+          <a:lnRef idx="2">
+            <a:schemeClr val="accent1">
+              <a:shade val="50000"/>
+            </a:schemeClr>
+          </a:lnRef>
+          <a:fillRef idx="1">
+            <a:schemeClr val="accent1"/>
+          </a:fillRef>
+          <a:effectRef idx="0">
+            <a:schemeClr val="accent1"/>
+          </a:effectRef>
+          <a:fontRef idx="minor">
+            <a:schemeClr val="lt1"/>
+          </a:fontRef>
+        </p:style>
+        <p:txBody>
+          <a:bodyPr rtlCol="0" anchor="ctr"/>
+          <a:lstStyle/>
+          <a:p>
+            <a:pPr algn="ctr"/>
+            <a:endParaRPr kumimoji="1" lang="ja-JP" altLang="en-US"/>
+          </a:p>
+        </p:txBody>
+      </p:sp>
+      <p:sp>
+        <p:nvSpPr>
+          <p:cNvPr id="47" name="正方形/長方形 46">
+            <a:extLst>
+              <a:ext uri="{FF2B5EF4-FFF2-40B4-BE49-F238E27FC236}">
+                <a16:creationId xmlns:a16="http://schemas.microsoft.com/office/drawing/2014/main" id="{7CAD2322-329E-7C40-A68E-2CBA91BA385A}"/>
+              </a:ext>
+            </a:extLst>
+          </p:cNvPr>
+          <p:cNvSpPr/>
+          <p:nvPr/>
+        </p:nvSpPr>
+        <p:spPr>
+          <a:xfrm>
+            <a:off x="4932040" y="980728"/>
+            <a:ext cx="720080" cy="720080"/>
+          </a:xfrm>
+          <a:prstGeom prst="rect">
+            <a:avLst/>
+          </a:prstGeom>
+          <a:noFill/>
+          <a:ln>
+            <a:solidFill>
+              <a:schemeClr val="tx1"/>
+            </a:solidFill>
+          </a:ln>
+        </p:spPr>
+        <p:style>
+          <a:lnRef idx="2">
+            <a:schemeClr val="accent1">
+              <a:shade val="50000"/>
+            </a:schemeClr>
+          </a:lnRef>
+          <a:fillRef idx="1">
+            <a:schemeClr val="accent1"/>
+          </a:fillRef>
+          <a:effectRef idx="0">
+            <a:schemeClr val="accent1"/>
+          </a:effectRef>
+          <a:fontRef idx="minor">
+            <a:schemeClr val="lt1"/>
+          </a:fontRef>
+        </p:style>
+        <p:txBody>
+          <a:bodyPr rtlCol="0" anchor="ctr"/>
+          <a:lstStyle/>
+          <a:p>
+            <a:pPr algn="ctr"/>
+            <a:endParaRPr kumimoji="1" lang="ja-JP" altLang="en-US"/>
+          </a:p>
+        </p:txBody>
+      </p:sp>
+      <p:sp>
+        <p:nvSpPr>
+          <p:cNvPr id="48" name="正方形/長方形 47">
+            <a:extLst>
+              <a:ext uri="{FF2B5EF4-FFF2-40B4-BE49-F238E27FC236}">
+                <a16:creationId xmlns:a16="http://schemas.microsoft.com/office/drawing/2014/main" id="{079DB990-57E9-6045-BA81-3F4AE9422281}"/>
+              </a:ext>
+            </a:extLst>
+          </p:cNvPr>
+          <p:cNvSpPr/>
+          <p:nvPr/>
+        </p:nvSpPr>
+        <p:spPr>
+          <a:xfrm>
+            <a:off x="4932040" y="1700808"/>
+            <a:ext cx="720080" cy="720080"/>
+          </a:xfrm>
+          <a:prstGeom prst="rect">
+            <a:avLst/>
+          </a:prstGeom>
+          <a:noFill/>
+          <a:ln>
+            <a:solidFill>
+              <a:schemeClr val="tx1"/>
+            </a:solidFill>
+          </a:ln>
+        </p:spPr>
+        <p:style>
+          <a:lnRef idx="2">
+            <a:schemeClr val="accent1">
+              <a:shade val="50000"/>
+            </a:schemeClr>
+          </a:lnRef>
+          <a:fillRef idx="1">
+            <a:schemeClr val="accent1"/>
+          </a:fillRef>
+          <a:effectRef idx="0">
+            <a:schemeClr val="accent1"/>
+          </a:effectRef>
+          <a:fontRef idx="minor">
+            <a:schemeClr val="lt1"/>
+          </a:fontRef>
+        </p:style>
+        <p:txBody>
+          <a:bodyPr rtlCol="0" anchor="ctr"/>
+          <a:lstStyle/>
+          <a:p>
+            <a:pPr algn="ctr"/>
+            <a:endParaRPr kumimoji="1" lang="ja-JP" altLang="en-US"/>
+          </a:p>
+        </p:txBody>
+      </p:sp>
+      <p:sp>
+        <p:nvSpPr>
+          <p:cNvPr id="49" name="正方形/長方形 48">
+            <a:extLst>
+              <a:ext uri="{FF2B5EF4-FFF2-40B4-BE49-F238E27FC236}">
+                <a16:creationId xmlns:a16="http://schemas.microsoft.com/office/drawing/2014/main" id="{1E292C12-5AB5-4946-AC0A-0291BCCF403E}"/>
+              </a:ext>
+            </a:extLst>
+          </p:cNvPr>
+          <p:cNvSpPr/>
+          <p:nvPr/>
+        </p:nvSpPr>
+        <p:spPr>
+          <a:xfrm>
+            <a:off x="5652120" y="980728"/>
+            <a:ext cx="720080" cy="720080"/>
+          </a:xfrm>
+          <a:prstGeom prst="rect">
+            <a:avLst/>
+          </a:prstGeom>
+          <a:noFill/>
+          <a:ln>
+            <a:solidFill>
+              <a:schemeClr val="tx1"/>
+            </a:solidFill>
+          </a:ln>
+        </p:spPr>
+        <p:style>
+          <a:lnRef idx="2">
+            <a:schemeClr val="accent1">
+              <a:shade val="50000"/>
+            </a:schemeClr>
+          </a:lnRef>
+          <a:fillRef idx="1">
+            <a:schemeClr val="accent1"/>
+          </a:fillRef>
+          <a:effectRef idx="0">
+            <a:schemeClr val="accent1"/>
+          </a:effectRef>
+          <a:fontRef idx="minor">
+            <a:schemeClr val="lt1"/>
+          </a:fontRef>
+        </p:style>
+        <p:txBody>
+          <a:bodyPr rtlCol="0" anchor="ctr"/>
+          <a:lstStyle/>
+          <a:p>
+            <a:pPr algn="ctr"/>
+            <a:endParaRPr kumimoji="1" lang="ja-JP" altLang="en-US"/>
+          </a:p>
+        </p:txBody>
+      </p:sp>
+      <p:sp>
+        <p:nvSpPr>
+          <p:cNvPr id="50" name="正方形/長方形 49">
+            <a:extLst>
+              <a:ext uri="{FF2B5EF4-FFF2-40B4-BE49-F238E27FC236}">
+                <a16:creationId xmlns:a16="http://schemas.microsoft.com/office/drawing/2014/main" id="{401FE349-5BBD-794E-8202-3C4017C7E8BE}"/>
+              </a:ext>
+            </a:extLst>
+          </p:cNvPr>
+          <p:cNvSpPr/>
+          <p:nvPr/>
+        </p:nvSpPr>
+        <p:spPr>
+          <a:xfrm>
+            <a:off x="5652120" y="1700808"/>
+            <a:ext cx="720080" cy="720080"/>
+          </a:xfrm>
+          <a:prstGeom prst="rect">
+            <a:avLst/>
+          </a:prstGeom>
+          <a:noFill/>
+          <a:ln>
+            <a:solidFill>
+              <a:schemeClr val="tx1"/>
+            </a:solidFill>
+          </a:ln>
+        </p:spPr>
+        <p:style>
+          <a:lnRef idx="2">
+            <a:schemeClr val="accent1">
+              <a:shade val="50000"/>
+            </a:schemeClr>
+          </a:lnRef>
+          <a:fillRef idx="1">
+            <a:schemeClr val="accent1"/>
+          </a:fillRef>
+          <a:effectRef idx="0">
+            <a:schemeClr val="accent1"/>
+          </a:effectRef>
+          <a:fontRef idx="minor">
+            <a:schemeClr val="lt1"/>
+          </a:fontRef>
+        </p:style>
+        <p:txBody>
+          <a:bodyPr rtlCol="0" anchor="ctr"/>
+          <a:lstStyle/>
+          <a:p>
+            <a:pPr algn="ctr"/>
+            <a:endParaRPr kumimoji="1" lang="ja-JP" altLang="en-US"/>
+          </a:p>
+        </p:txBody>
+      </p:sp>
+      <p:grpSp>
+        <p:nvGrpSpPr>
+          <p:cNvPr id="51" name="グループ化 50">
+            <a:extLst>
+              <a:ext uri="{FF2B5EF4-FFF2-40B4-BE49-F238E27FC236}">
+                <a16:creationId xmlns:a16="http://schemas.microsoft.com/office/drawing/2014/main" id="{DD4FF8FC-9F33-404E-A1CB-3B4616554942}"/>
+              </a:ext>
+            </a:extLst>
+          </p:cNvPr>
+          <p:cNvGrpSpPr/>
+          <p:nvPr/>
+        </p:nvGrpSpPr>
+        <p:grpSpPr>
+          <a:xfrm>
+            <a:off x="6228184" y="836712"/>
+            <a:ext cx="288032" cy="288032"/>
+            <a:chOff x="2987824" y="836712"/>
+            <a:chExt cx="288032" cy="288032"/>
+          </a:xfrm>
+          <a:solidFill>
+            <a:schemeClr val="accent5">
+              <a:lumMod val="20000"/>
+              <a:lumOff val="80000"/>
+            </a:schemeClr>
+          </a:solidFill>
+        </p:grpSpPr>
+        <p:sp>
+          <p:nvSpPr>
+            <p:cNvPr id="52" name="円/楕円 51">
+              <a:extLst>
+                <a:ext uri="{FF2B5EF4-FFF2-40B4-BE49-F238E27FC236}">
+                  <a16:creationId xmlns:a16="http://schemas.microsoft.com/office/drawing/2014/main" id="{198E7FB3-2B62-6044-9366-C5A143AAB39E}"/>
+                </a:ext>
+              </a:extLst>
+            </p:cNvPr>
+            <p:cNvSpPr/>
+            <p:nvPr/>
+          </p:nvSpPr>
+          <p:spPr>
+            <a:xfrm>
+              <a:off x="2987824" y="836712"/>
+              <a:ext cx="288032" cy="288032"/>
+            </a:xfrm>
+            <a:prstGeom prst="ellipse">
+              <a:avLst/>
+            </a:prstGeom>
+            <a:grpFill/>
+            <a:ln>
+              <a:solidFill>
+                <a:schemeClr val="tx1"/>
+              </a:solidFill>
+              <a:headEnd type="triangle" w="med" len="med"/>
+              <a:tailEnd type="none" w="med" len="med"/>
+            </a:ln>
+          </p:spPr>
+          <p:style>
+            <a:lnRef idx="2">
+              <a:schemeClr val="accent1">
+                <a:shade val="50000"/>
+              </a:schemeClr>
+            </a:lnRef>
+            <a:fillRef idx="1">
+              <a:schemeClr val="accent1"/>
+            </a:fillRef>
+            <a:effectRef idx="0">
+              <a:schemeClr val="accent1"/>
+            </a:effectRef>
+            <a:fontRef idx="minor">
+              <a:schemeClr val="lt1"/>
+            </a:fontRef>
+          </p:style>
+          <p:txBody>
+            <a:bodyPr rtlCol="0" anchor="ctr"/>
+            <a:lstStyle/>
+            <a:p>
+              <a:pPr algn="ctr"/>
+              <a:endParaRPr kumimoji="1" lang="ja-JP" altLang="en-US"/>
+            </a:p>
+          </p:txBody>
+        </p:sp>
+        <p:cxnSp>
+          <p:nvCxnSpPr>
+            <p:cNvPr id="53" name="直線矢印コネクタ 52">
+              <a:extLst>
+                <a:ext uri="{FF2B5EF4-FFF2-40B4-BE49-F238E27FC236}">
+                  <a16:creationId xmlns:a16="http://schemas.microsoft.com/office/drawing/2014/main" id="{E2198DFF-F013-0A44-8E49-BABCB0D78C5B}"/>
+                </a:ext>
+              </a:extLst>
+            </p:cNvPr>
+            <p:cNvCxnSpPr>
+              <a:cxnSpLocks/>
+            </p:cNvCxnSpPr>
+            <p:nvPr/>
+          </p:nvCxnSpPr>
+          <p:spPr>
+            <a:xfrm flipV="1">
+              <a:off x="3131840" y="868797"/>
+              <a:ext cx="0" cy="216024"/>
+            </a:xfrm>
+            <a:prstGeom prst="straightConnector1">
+              <a:avLst/>
+            </a:prstGeom>
+            <a:grpFill/>
+            <a:ln w="12700">
+              <a:solidFill>
+                <a:schemeClr val="tx1"/>
+              </a:solidFill>
+              <a:headEnd type="triangle" w="med" len="med"/>
+              <a:tailEnd type="none" w="med" len="med"/>
+            </a:ln>
+          </p:spPr>
+          <p:style>
+            <a:lnRef idx="1">
+              <a:schemeClr val="accent1"/>
+            </a:lnRef>
+            <a:fillRef idx="0">
+              <a:schemeClr val="accent1"/>
+            </a:fillRef>
+            <a:effectRef idx="0">
+              <a:schemeClr val="accent1"/>
+            </a:effectRef>
+            <a:fontRef idx="minor">
+              <a:schemeClr val="tx1"/>
+            </a:fontRef>
+          </p:style>
+        </p:cxnSp>
+      </p:grpSp>
+      <p:grpSp>
+        <p:nvGrpSpPr>
+          <p:cNvPr id="54" name="グループ化 53">
+            <a:extLst>
+              <a:ext uri="{FF2B5EF4-FFF2-40B4-BE49-F238E27FC236}">
+                <a16:creationId xmlns:a16="http://schemas.microsoft.com/office/drawing/2014/main" id="{50CCF421-54F3-454A-B506-97549E9F3F17}"/>
+              </a:ext>
+            </a:extLst>
+          </p:cNvPr>
+          <p:cNvGrpSpPr/>
+          <p:nvPr/>
+        </p:nvGrpSpPr>
+        <p:grpSpPr>
+          <a:xfrm>
+            <a:off x="5508104" y="836712"/>
+            <a:ext cx="288032" cy="288032"/>
+            <a:chOff x="2987824" y="836712"/>
+            <a:chExt cx="288032" cy="288032"/>
+          </a:xfrm>
+          <a:solidFill>
+            <a:schemeClr val="accent2">
+              <a:lumMod val="20000"/>
+              <a:lumOff val="80000"/>
+            </a:schemeClr>
+          </a:solidFill>
+        </p:grpSpPr>
+        <p:sp>
+          <p:nvSpPr>
+            <p:cNvPr id="55" name="円/楕円 54">
+              <a:extLst>
+                <a:ext uri="{FF2B5EF4-FFF2-40B4-BE49-F238E27FC236}">
+                  <a16:creationId xmlns:a16="http://schemas.microsoft.com/office/drawing/2014/main" id="{49AFFCA6-5972-9F47-9CF6-AEFBAEB84CFD}"/>
+                </a:ext>
+              </a:extLst>
+            </p:cNvPr>
+            <p:cNvSpPr/>
+            <p:nvPr/>
+          </p:nvSpPr>
+          <p:spPr>
+            <a:xfrm>
+              <a:off x="2987824" y="836712"/>
+              <a:ext cx="288032" cy="288032"/>
+            </a:xfrm>
+            <a:prstGeom prst="ellipse">
+              <a:avLst/>
+            </a:prstGeom>
+            <a:grpFill/>
+            <a:ln>
+              <a:solidFill>
+                <a:schemeClr val="tx1"/>
+              </a:solidFill>
+            </a:ln>
+          </p:spPr>
+          <p:style>
+            <a:lnRef idx="2">
+              <a:schemeClr val="accent1">
+                <a:shade val="50000"/>
+              </a:schemeClr>
+            </a:lnRef>
+            <a:fillRef idx="1">
+              <a:schemeClr val="accent1"/>
+            </a:fillRef>
+            <a:effectRef idx="0">
+              <a:schemeClr val="accent1"/>
+            </a:effectRef>
+            <a:fontRef idx="minor">
+              <a:schemeClr val="lt1"/>
+            </a:fontRef>
+          </p:style>
+          <p:txBody>
+            <a:bodyPr rtlCol="0" anchor="ctr"/>
+            <a:lstStyle/>
+            <a:p>
+              <a:pPr algn="ctr"/>
+              <a:endParaRPr kumimoji="1" lang="ja-JP" altLang="en-US"/>
+            </a:p>
+          </p:txBody>
+        </p:sp>
+        <p:cxnSp>
+          <p:nvCxnSpPr>
+            <p:cNvPr id="56" name="直線矢印コネクタ 55">
+              <a:extLst>
+                <a:ext uri="{FF2B5EF4-FFF2-40B4-BE49-F238E27FC236}">
+                  <a16:creationId xmlns:a16="http://schemas.microsoft.com/office/drawing/2014/main" id="{9473AF14-A90B-FD42-9366-5F473E9A940B}"/>
+                </a:ext>
+              </a:extLst>
+            </p:cNvPr>
+            <p:cNvCxnSpPr>
+              <a:cxnSpLocks/>
+            </p:cNvCxnSpPr>
+            <p:nvPr/>
+          </p:nvCxnSpPr>
+          <p:spPr>
+            <a:xfrm flipV="1">
+              <a:off x="3131840" y="868797"/>
+              <a:ext cx="0" cy="216024"/>
+            </a:xfrm>
+            <a:prstGeom prst="straightConnector1">
+              <a:avLst/>
+            </a:prstGeom>
+            <a:grpFill/>
+            <a:ln w="12700">
+              <a:solidFill>
+                <a:schemeClr val="tx1"/>
+              </a:solidFill>
+              <a:tailEnd type="triangle"/>
+            </a:ln>
+          </p:spPr>
+          <p:style>
+            <a:lnRef idx="1">
+              <a:schemeClr val="accent1"/>
+            </a:lnRef>
+            <a:fillRef idx="0">
+              <a:schemeClr val="accent1"/>
+            </a:fillRef>
+            <a:effectRef idx="0">
+              <a:schemeClr val="accent1"/>
+            </a:effectRef>
+            <a:fontRef idx="minor">
+              <a:schemeClr val="tx1"/>
+            </a:fontRef>
+          </p:style>
+        </p:cxnSp>
+      </p:grpSp>
+      <p:grpSp>
+        <p:nvGrpSpPr>
+          <p:cNvPr id="57" name="グループ化 56">
+            <a:extLst>
+              <a:ext uri="{FF2B5EF4-FFF2-40B4-BE49-F238E27FC236}">
+                <a16:creationId xmlns:a16="http://schemas.microsoft.com/office/drawing/2014/main" id="{FF353EB7-97E0-584E-B159-EBF44A8D05F8}"/>
+              </a:ext>
+            </a:extLst>
+          </p:cNvPr>
+          <p:cNvGrpSpPr/>
+          <p:nvPr/>
+        </p:nvGrpSpPr>
+        <p:grpSpPr>
+          <a:xfrm>
+            <a:off x="4788024" y="836712"/>
+            <a:ext cx="288032" cy="288032"/>
+            <a:chOff x="2987824" y="836712"/>
+            <a:chExt cx="288032" cy="288032"/>
+          </a:xfrm>
+          <a:solidFill>
+            <a:schemeClr val="accent2">
+              <a:lumMod val="20000"/>
+              <a:lumOff val="80000"/>
+            </a:schemeClr>
+          </a:solidFill>
+        </p:grpSpPr>
+        <p:sp>
+          <p:nvSpPr>
+            <p:cNvPr id="58" name="円/楕円 57">
+              <a:extLst>
+                <a:ext uri="{FF2B5EF4-FFF2-40B4-BE49-F238E27FC236}">
+                  <a16:creationId xmlns:a16="http://schemas.microsoft.com/office/drawing/2014/main" id="{E8A6F9AE-8865-9D4F-AC0E-3B93F7795890}"/>
+                </a:ext>
+              </a:extLst>
+            </p:cNvPr>
+            <p:cNvSpPr/>
+            <p:nvPr/>
+          </p:nvSpPr>
+          <p:spPr>
+            <a:xfrm>
+              <a:off x="2987824" y="836712"/>
+              <a:ext cx="288032" cy="288032"/>
+            </a:xfrm>
+            <a:prstGeom prst="ellipse">
+              <a:avLst/>
+            </a:prstGeom>
+            <a:grpFill/>
+            <a:ln>
+              <a:solidFill>
+                <a:schemeClr val="tx1"/>
+              </a:solidFill>
+            </a:ln>
+          </p:spPr>
+          <p:style>
+            <a:lnRef idx="2">
+              <a:schemeClr val="accent1">
+                <a:shade val="50000"/>
+              </a:schemeClr>
+            </a:lnRef>
+            <a:fillRef idx="1">
+              <a:schemeClr val="accent1"/>
+            </a:fillRef>
+            <a:effectRef idx="0">
+              <a:schemeClr val="accent1"/>
+            </a:effectRef>
+            <a:fontRef idx="minor">
+              <a:schemeClr val="lt1"/>
+            </a:fontRef>
+          </p:style>
+          <p:txBody>
+            <a:bodyPr rtlCol="0" anchor="ctr"/>
+            <a:lstStyle/>
+            <a:p>
+              <a:pPr algn="ctr"/>
+              <a:endParaRPr kumimoji="1" lang="ja-JP" altLang="en-US"/>
+            </a:p>
+          </p:txBody>
+        </p:sp>
+        <p:cxnSp>
+          <p:nvCxnSpPr>
+            <p:cNvPr id="59" name="直線矢印コネクタ 58">
+              <a:extLst>
+                <a:ext uri="{FF2B5EF4-FFF2-40B4-BE49-F238E27FC236}">
+                  <a16:creationId xmlns:a16="http://schemas.microsoft.com/office/drawing/2014/main" id="{E298D708-F48C-374B-83AC-34CA6882E34E}"/>
+                </a:ext>
+              </a:extLst>
+            </p:cNvPr>
+            <p:cNvCxnSpPr>
+              <a:cxnSpLocks/>
+            </p:cNvCxnSpPr>
+            <p:nvPr/>
+          </p:nvCxnSpPr>
+          <p:spPr>
+            <a:xfrm flipV="1">
+              <a:off x="3131840" y="868797"/>
+              <a:ext cx="0" cy="216024"/>
+            </a:xfrm>
+            <a:prstGeom prst="straightConnector1">
+              <a:avLst/>
+            </a:prstGeom>
+            <a:grpFill/>
+            <a:ln w="12700">
+              <a:solidFill>
+                <a:schemeClr val="tx1"/>
+              </a:solidFill>
+              <a:tailEnd type="triangle"/>
+            </a:ln>
+          </p:spPr>
+          <p:style>
+            <a:lnRef idx="1">
+              <a:schemeClr val="accent1"/>
+            </a:lnRef>
+            <a:fillRef idx="0">
+              <a:schemeClr val="accent1"/>
+            </a:fillRef>
+            <a:effectRef idx="0">
+              <a:schemeClr val="accent1"/>
+            </a:effectRef>
+            <a:fontRef idx="minor">
+              <a:schemeClr val="tx1"/>
+            </a:fontRef>
+          </p:style>
+        </p:cxnSp>
+      </p:grpSp>
+      <p:grpSp>
+        <p:nvGrpSpPr>
+          <p:cNvPr id="60" name="グループ化 59">
+            <a:extLst>
+              <a:ext uri="{FF2B5EF4-FFF2-40B4-BE49-F238E27FC236}">
+                <a16:creationId xmlns:a16="http://schemas.microsoft.com/office/drawing/2014/main" id="{DB2581C7-E28D-D040-AF96-6A73952B6368}"/>
+              </a:ext>
+            </a:extLst>
+          </p:cNvPr>
+          <p:cNvGrpSpPr/>
+          <p:nvPr/>
+        </p:nvGrpSpPr>
+        <p:grpSpPr>
+          <a:xfrm>
+            <a:off x="6228184" y="1556792"/>
+            <a:ext cx="288032" cy="288032"/>
+            <a:chOff x="2987824" y="836712"/>
+            <a:chExt cx="288032" cy="288032"/>
+          </a:xfrm>
+          <a:solidFill>
+            <a:schemeClr val="accent5">
+              <a:lumMod val="20000"/>
+              <a:lumOff val="80000"/>
+            </a:schemeClr>
+          </a:solidFill>
+        </p:grpSpPr>
+        <p:sp>
+          <p:nvSpPr>
+            <p:cNvPr id="61" name="円/楕円 60">
+              <a:extLst>
+                <a:ext uri="{FF2B5EF4-FFF2-40B4-BE49-F238E27FC236}">
+                  <a16:creationId xmlns:a16="http://schemas.microsoft.com/office/drawing/2014/main" id="{E4C76B4E-0D2F-FC44-B4BF-3B52F5FC44A2}"/>
+                </a:ext>
+              </a:extLst>
+            </p:cNvPr>
+            <p:cNvSpPr/>
+            <p:nvPr/>
+          </p:nvSpPr>
+          <p:spPr>
+            <a:xfrm>
+              <a:off x="2987824" y="836712"/>
+              <a:ext cx="288032" cy="288032"/>
+            </a:xfrm>
+            <a:prstGeom prst="ellipse">
+              <a:avLst/>
+            </a:prstGeom>
+            <a:grpFill/>
+            <a:ln>
+              <a:solidFill>
+                <a:schemeClr val="tx1"/>
+              </a:solidFill>
+              <a:headEnd type="triangle" w="med" len="med"/>
+              <a:tailEnd type="none" w="med" len="med"/>
+            </a:ln>
+          </p:spPr>
+          <p:style>
+            <a:lnRef idx="2">
+              <a:schemeClr val="accent1">
+                <a:shade val="50000"/>
+              </a:schemeClr>
+            </a:lnRef>
+            <a:fillRef idx="1">
+              <a:schemeClr val="accent1"/>
+            </a:fillRef>
+            <a:effectRef idx="0">
+              <a:schemeClr val="accent1"/>
+            </a:effectRef>
+            <a:fontRef idx="minor">
+              <a:schemeClr val="lt1"/>
+            </a:fontRef>
+          </p:style>
+          <p:txBody>
+            <a:bodyPr rtlCol="0" anchor="ctr"/>
+            <a:lstStyle/>
+            <a:p>
+              <a:pPr algn="ctr"/>
+              <a:endParaRPr kumimoji="1" lang="ja-JP" altLang="en-US"/>
+            </a:p>
+          </p:txBody>
+        </p:sp>
+        <p:cxnSp>
+          <p:nvCxnSpPr>
+            <p:cNvPr id="62" name="直線矢印コネクタ 61">
+              <a:extLst>
+                <a:ext uri="{FF2B5EF4-FFF2-40B4-BE49-F238E27FC236}">
+                  <a16:creationId xmlns:a16="http://schemas.microsoft.com/office/drawing/2014/main" id="{63C944B0-407E-D84A-B161-E903C97BAAAF}"/>
+                </a:ext>
+              </a:extLst>
+            </p:cNvPr>
+            <p:cNvCxnSpPr>
+              <a:cxnSpLocks/>
+            </p:cNvCxnSpPr>
+            <p:nvPr/>
+          </p:nvCxnSpPr>
+          <p:spPr>
+            <a:xfrm flipV="1">
+              <a:off x="3131840" y="868797"/>
+              <a:ext cx="0" cy="216024"/>
+            </a:xfrm>
+            <a:prstGeom prst="straightConnector1">
+              <a:avLst/>
+            </a:prstGeom>
+            <a:grpFill/>
+            <a:ln w="12700">
+              <a:solidFill>
+                <a:schemeClr val="tx1"/>
+              </a:solidFill>
+              <a:headEnd type="triangle" w="med" len="med"/>
+              <a:tailEnd type="none" w="med" len="med"/>
+            </a:ln>
+          </p:spPr>
+          <p:style>
+            <a:lnRef idx="1">
+              <a:schemeClr val="accent1"/>
+            </a:lnRef>
+            <a:fillRef idx="0">
+              <a:schemeClr val="accent1"/>
+            </a:fillRef>
+            <a:effectRef idx="0">
+              <a:schemeClr val="accent1"/>
+            </a:effectRef>
+            <a:fontRef idx="minor">
+              <a:schemeClr val="tx1"/>
+            </a:fontRef>
+          </p:style>
+        </p:cxnSp>
+      </p:grpSp>
+      <p:grpSp>
+        <p:nvGrpSpPr>
+          <p:cNvPr id="63" name="グループ化 62">
+            <a:extLst>
+              <a:ext uri="{FF2B5EF4-FFF2-40B4-BE49-F238E27FC236}">
+                <a16:creationId xmlns:a16="http://schemas.microsoft.com/office/drawing/2014/main" id="{4BDC861F-EF64-8A4D-88D2-F5D7590F57E8}"/>
+              </a:ext>
+            </a:extLst>
+          </p:cNvPr>
+          <p:cNvGrpSpPr/>
+          <p:nvPr/>
+        </p:nvGrpSpPr>
+        <p:grpSpPr>
+          <a:xfrm>
+            <a:off x="5508104" y="1556792"/>
+            <a:ext cx="288032" cy="288032"/>
+            <a:chOff x="2987824" y="836712"/>
+            <a:chExt cx="288032" cy="288032"/>
+          </a:xfrm>
+          <a:solidFill>
+            <a:schemeClr val="accent2">
+              <a:lumMod val="20000"/>
+              <a:lumOff val="80000"/>
+            </a:schemeClr>
+          </a:solidFill>
+        </p:grpSpPr>
+        <p:sp>
+          <p:nvSpPr>
+            <p:cNvPr id="64" name="円/楕円 63">
+              <a:extLst>
+                <a:ext uri="{FF2B5EF4-FFF2-40B4-BE49-F238E27FC236}">
+                  <a16:creationId xmlns:a16="http://schemas.microsoft.com/office/drawing/2014/main" id="{AC00281C-5676-3543-8436-CAD72D288822}"/>
+                </a:ext>
+              </a:extLst>
+            </p:cNvPr>
+            <p:cNvSpPr/>
+            <p:nvPr/>
+          </p:nvSpPr>
+          <p:spPr>
+            <a:xfrm>
+              <a:off x="2987824" y="836712"/>
+              <a:ext cx="288032" cy="288032"/>
+            </a:xfrm>
+            <a:prstGeom prst="ellipse">
+              <a:avLst/>
+            </a:prstGeom>
+            <a:grpFill/>
+            <a:ln>
+              <a:solidFill>
+                <a:schemeClr val="tx1"/>
+              </a:solidFill>
+            </a:ln>
+          </p:spPr>
+          <p:style>
+            <a:lnRef idx="2">
+              <a:schemeClr val="accent1">
+                <a:shade val="50000"/>
+              </a:schemeClr>
+            </a:lnRef>
+            <a:fillRef idx="1">
+              <a:schemeClr val="accent1"/>
+            </a:fillRef>
+            <a:effectRef idx="0">
+              <a:schemeClr val="accent1"/>
+            </a:effectRef>
+            <a:fontRef idx="minor">
+              <a:schemeClr val="lt1"/>
+            </a:fontRef>
+          </p:style>
+          <p:txBody>
+            <a:bodyPr rtlCol="0" anchor="ctr"/>
+            <a:lstStyle/>
+            <a:p>
+              <a:pPr algn="ctr"/>
+              <a:endParaRPr kumimoji="1" lang="ja-JP" altLang="en-US"/>
+            </a:p>
+          </p:txBody>
+        </p:sp>
+        <p:cxnSp>
+          <p:nvCxnSpPr>
+            <p:cNvPr id="65" name="直線矢印コネクタ 64">
+              <a:extLst>
+                <a:ext uri="{FF2B5EF4-FFF2-40B4-BE49-F238E27FC236}">
+                  <a16:creationId xmlns:a16="http://schemas.microsoft.com/office/drawing/2014/main" id="{30FB0D1C-8157-F84A-8B7E-E802C0260BA4}"/>
+                </a:ext>
+              </a:extLst>
+            </p:cNvPr>
+            <p:cNvCxnSpPr>
+              <a:cxnSpLocks/>
+            </p:cNvCxnSpPr>
+            <p:nvPr/>
+          </p:nvCxnSpPr>
+          <p:spPr>
+            <a:xfrm flipV="1">
+              <a:off x="3131840" y="868797"/>
+              <a:ext cx="0" cy="216024"/>
+            </a:xfrm>
+            <a:prstGeom prst="straightConnector1">
+              <a:avLst/>
+            </a:prstGeom>
+            <a:grpFill/>
+            <a:ln w="12700">
+              <a:solidFill>
+                <a:schemeClr val="tx1"/>
+              </a:solidFill>
+              <a:tailEnd type="triangle"/>
+            </a:ln>
+          </p:spPr>
+          <p:style>
+            <a:lnRef idx="1">
+              <a:schemeClr val="accent1"/>
+            </a:lnRef>
+            <a:fillRef idx="0">
+              <a:schemeClr val="accent1"/>
+            </a:fillRef>
+            <a:effectRef idx="0">
+              <a:schemeClr val="accent1"/>
+            </a:effectRef>
+            <a:fontRef idx="minor">
+              <a:schemeClr val="tx1"/>
+            </a:fontRef>
+          </p:style>
+        </p:cxnSp>
+      </p:grpSp>
+      <p:grpSp>
+        <p:nvGrpSpPr>
+          <p:cNvPr id="66" name="グループ化 65">
+            <a:extLst>
+              <a:ext uri="{FF2B5EF4-FFF2-40B4-BE49-F238E27FC236}">
+                <a16:creationId xmlns:a16="http://schemas.microsoft.com/office/drawing/2014/main" id="{FD9C6993-5C0E-6541-9C4E-CABB2977BA40}"/>
+              </a:ext>
+            </a:extLst>
+          </p:cNvPr>
+          <p:cNvGrpSpPr/>
+          <p:nvPr/>
+        </p:nvGrpSpPr>
+        <p:grpSpPr>
+          <a:xfrm>
+            <a:off x="4788024" y="1556792"/>
+            <a:ext cx="288032" cy="288032"/>
+            <a:chOff x="2987824" y="836712"/>
+            <a:chExt cx="288032" cy="288032"/>
+          </a:xfrm>
+          <a:solidFill>
+            <a:schemeClr val="accent2">
+              <a:lumMod val="20000"/>
+              <a:lumOff val="80000"/>
+            </a:schemeClr>
+          </a:solidFill>
+        </p:grpSpPr>
+        <p:sp>
+          <p:nvSpPr>
+            <p:cNvPr id="67" name="円/楕円 66">
+              <a:extLst>
+                <a:ext uri="{FF2B5EF4-FFF2-40B4-BE49-F238E27FC236}">
+                  <a16:creationId xmlns:a16="http://schemas.microsoft.com/office/drawing/2014/main" id="{C180D54A-10E7-644B-8749-00E14C80F951}"/>
+                </a:ext>
+              </a:extLst>
+            </p:cNvPr>
+            <p:cNvSpPr/>
+            <p:nvPr/>
+          </p:nvSpPr>
+          <p:spPr>
+            <a:xfrm>
+              <a:off x="2987824" y="836712"/>
+              <a:ext cx="288032" cy="288032"/>
+            </a:xfrm>
+            <a:prstGeom prst="ellipse">
+              <a:avLst/>
+            </a:prstGeom>
+            <a:grpFill/>
+            <a:ln>
+              <a:solidFill>
+                <a:schemeClr val="tx1"/>
+              </a:solidFill>
+            </a:ln>
+          </p:spPr>
+          <p:style>
+            <a:lnRef idx="2">
+              <a:schemeClr val="accent1">
+                <a:shade val="50000"/>
+              </a:schemeClr>
+            </a:lnRef>
+            <a:fillRef idx="1">
+              <a:schemeClr val="accent1"/>
+            </a:fillRef>
+            <a:effectRef idx="0">
+              <a:schemeClr val="accent1"/>
+            </a:effectRef>
+            <a:fontRef idx="minor">
+              <a:schemeClr val="lt1"/>
+            </a:fontRef>
+          </p:style>
+          <p:txBody>
+            <a:bodyPr rtlCol="0" anchor="ctr"/>
+            <a:lstStyle/>
+            <a:p>
+              <a:pPr algn="ctr"/>
+              <a:endParaRPr kumimoji="1" lang="ja-JP" altLang="en-US"/>
+            </a:p>
+          </p:txBody>
+        </p:sp>
+        <p:cxnSp>
+          <p:nvCxnSpPr>
+            <p:cNvPr id="68" name="直線矢印コネクタ 67">
+              <a:extLst>
+                <a:ext uri="{FF2B5EF4-FFF2-40B4-BE49-F238E27FC236}">
+                  <a16:creationId xmlns:a16="http://schemas.microsoft.com/office/drawing/2014/main" id="{A6E34DA7-84A4-564D-95C9-6F0FBF83A536}"/>
+                </a:ext>
+              </a:extLst>
+            </p:cNvPr>
+            <p:cNvCxnSpPr>
+              <a:cxnSpLocks/>
+            </p:cNvCxnSpPr>
+            <p:nvPr/>
+          </p:nvCxnSpPr>
+          <p:spPr>
+            <a:xfrm flipV="1">
+              <a:off x="3131840" y="868797"/>
+              <a:ext cx="0" cy="216024"/>
+            </a:xfrm>
+            <a:prstGeom prst="straightConnector1">
+              <a:avLst/>
+            </a:prstGeom>
+            <a:grpFill/>
+            <a:ln w="12700">
+              <a:solidFill>
+                <a:schemeClr val="tx1"/>
+              </a:solidFill>
+              <a:tailEnd type="triangle"/>
+            </a:ln>
+          </p:spPr>
+          <p:style>
+            <a:lnRef idx="1">
+              <a:schemeClr val="accent1"/>
+            </a:lnRef>
+            <a:fillRef idx="0">
+              <a:schemeClr val="accent1"/>
+            </a:fillRef>
+            <a:effectRef idx="0">
+              <a:schemeClr val="accent1"/>
+            </a:effectRef>
+            <a:fontRef idx="minor">
+              <a:schemeClr val="tx1"/>
+            </a:fontRef>
+          </p:style>
+        </p:cxnSp>
+      </p:grpSp>
+      <p:grpSp>
+        <p:nvGrpSpPr>
+          <p:cNvPr id="69" name="グループ化 68">
+            <a:extLst>
+              <a:ext uri="{FF2B5EF4-FFF2-40B4-BE49-F238E27FC236}">
+                <a16:creationId xmlns:a16="http://schemas.microsoft.com/office/drawing/2014/main" id="{68615551-2DB1-1E49-ABA0-BA25B432C935}"/>
+              </a:ext>
+            </a:extLst>
+          </p:cNvPr>
+          <p:cNvGrpSpPr/>
+          <p:nvPr/>
+        </p:nvGrpSpPr>
+        <p:grpSpPr>
+          <a:xfrm>
+            <a:off x="6228184" y="2276872"/>
+            <a:ext cx="288032" cy="288032"/>
+            <a:chOff x="2987824" y="836712"/>
+            <a:chExt cx="288032" cy="288032"/>
+          </a:xfrm>
+          <a:solidFill>
+            <a:schemeClr val="accent5">
+              <a:lumMod val="20000"/>
+              <a:lumOff val="80000"/>
+            </a:schemeClr>
+          </a:solidFill>
+        </p:grpSpPr>
+        <p:sp>
+          <p:nvSpPr>
+            <p:cNvPr id="70" name="円/楕円 69">
+              <a:extLst>
+                <a:ext uri="{FF2B5EF4-FFF2-40B4-BE49-F238E27FC236}">
+                  <a16:creationId xmlns:a16="http://schemas.microsoft.com/office/drawing/2014/main" id="{732E8A21-D614-6247-B7DD-266466D049B2}"/>
+                </a:ext>
+              </a:extLst>
+            </p:cNvPr>
+            <p:cNvSpPr/>
+            <p:nvPr/>
+          </p:nvSpPr>
+          <p:spPr>
+            <a:xfrm>
+              <a:off x="2987824" y="836712"/>
+              <a:ext cx="288032" cy="288032"/>
+            </a:xfrm>
+            <a:prstGeom prst="ellipse">
+              <a:avLst/>
+            </a:prstGeom>
+            <a:grpFill/>
+            <a:ln>
+              <a:solidFill>
+                <a:schemeClr val="tx1"/>
+              </a:solidFill>
+              <a:headEnd type="triangle" w="med" len="med"/>
+              <a:tailEnd type="none" w="med" len="med"/>
+            </a:ln>
+          </p:spPr>
+          <p:style>
+            <a:lnRef idx="2">
+              <a:schemeClr val="accent1">
+                <a:shade val="50000"/>
+              </a:schemeClr>
+            </a:lnRef>
+            <a:fillRef idx="1">
+              <a:schemeClr val="accent1"/>
+            </a:fillRef>
+            <a:effectRef idx="0">
+              <a:schemeClr val="accent1"/>
+            </a:effectRef>
+            <a:fontRef idx="minor">
+              <a:schemeClr val="lt1"/>
+            </a:fontRef>
+          </p:style>
+          <p:txBody>
+            <a:bodyPr rtlCol="0" anchor="ctr"/>
+            <a:lstStyle/>
+            <a:p>
+              <a:pPr algn="ctr"/>
+              <a:endParaRPr kumimoji="1" lang="ja-JP" altLang="en-US"/>
+            </a:p>
+          </p:txBody>
+        </p:sp>
+        <p:cxnSp>
+          <p:nvCxnSpPr>
+            <p:cNvPr id="71" name="直線矢印コネクタ 70">
+              <a:extLst>
+                <a:ext uri="{FF2B5EF4-FFF2-40B4-BE49-F238E27FC236}">
+                  <a16:creationId xmlns:a16="http://schemas.microsoft.com/office/drawing/2014/main" id="{D1B97667-84DE-F748-9C33-48EC593C3F6F}"/>
+                </a:ext>
+              </a:extLst>
+            </p:cNvPr>
+            <p:cNvCxnSpPr>
+              <a:cxnSpLocks/>
+            </p:cNvCxnSpPr>
+            <p:nvPr/>
+          </p:nvCxnSpPr>
+          <p:spPr>
+            <a:xfrm flipV="1">
+              <a:off x="3131840" y="868797"/>
+              <a:ext cx="0" cy="216024"/>
+            </a:xfrm>
+            <a:prstGeom prst="straightConnector1">
+              <a:avLst/>
+            </a:prstGeom>
+            <a:grpFill/>
+            <a:ln w="12700">
+              <a:solidFill>
+                <a:schemeClr val="tx1"/>
+              </a:solidFill>
+              <a:headEnd type="triangle" w="med" len="med"/>
+              <a:tailEnd type="none" w="med" len="med"/>
+            </a:ln>
+          </p:spPr>
+          <p:style>
+            <a:lnRef idx="1">
+              <a:schemeClr val="accent1"/>
+            </a:lnRef>
+            <a:fillRef idx="0">
+              <a:schemeClr val="accent1"/>
+            </a:fillRef>
+            <a:effectRef idx="0">
+              <a:schemeClr val="accent1"/>
+            </a:effectRef>
+            <a:fontRef idx="minor">
+              <a:schemeClr val="tx1"/>
+            </a:fontRef>
+          </p:style>
+        </p:cxnSp>
+      </p:grpSp>
+      <p:grpSp>
+        <p:nvGrpSpPr>
+          <p:cNvPr id="72" name="グループ化 71">
+            <a:extLst>
+              <a:ext uri="{FF2B5EF4-FFF2-40B4-BE49-F238E27FC236}">
+                <a16:creationId xmlns:a16="http://schemas.microsoft.com/office/drawing/2014/main" id="{EF7CC15C-58D0-F14B-9021-C7DCDA078759}"/>
+              </a:ext>
+            </a:extLst>
+          </p:cNvPr>
+          <p:cNvGrpSpPr/>
+          <p:nvPr/>
+        </p:nvGrpSpPr>
+        <p:grpSpPr>
+          <a:xfrm>
+            <a:off x="5508104" y="2276872"/>
+            <a:ext cx="288032" cy="288032"/>
+            <a:chOff x="2987824" y="836712"/>
+            <a:chExt cx="288032" cy="288032"/>
+          </a:xfrm>
+          <a:solidFill>
+            <a:schemeClr val="accent5">
+              <a:lumMod val="20000"/>
+              <a:lumOff val="80000"/>
+            </a:schemeClr>
+          </a:solidFill>
+        </p:grpSpPr>
+        <p:sp>
+          <p:nvSpPr>
+            <p:cNvPr id="73" name="円/楕円 72">
+              <a:extLst>
+                <a:ext uri="{FF2B5EF4-FFF2-40B4-BE49-F238E27FC236}">
+                  <a16:creationId xmlns:a16="http://schemas.microsoft.com/office/drawing/2014/main" id="{945D7C92-ED17-A147-808E-888EFB2010F1}"/>
+                </a:ext>
+              </a:extLst>
+            </p:cNvPr>
+            <p:cNvSpPr/>
+            <p:nvPr/>
+          </p:nvSpPr>
+          <p:spPr>
+            <a:xfrm>
+              <a:off x="2987824" y="836712"/>
+              <a:ext cx="288032" cy="288032"/>
+            </a:xfrm>
+            <a:prstGeom prst="ellipse">
+              <a:avLst/>
+            </a:prstGeom>
+            <a:grpFill/>
+            <a:ln>
+              <a:solidFill>
+                <a:schemeClr val="tx1"/>
+              </a:solidFill>
+              <a:headEnd type="triangle" w="med" len="med"/>
+              <a:tailEnd type="none" w="med" len="med"/>
+            </a:ln>
+          </p:spPr>
+          <p:style>
+            <a:lnRef idx="2">
+              <a:schemeClr val="accent1">
+                <a:shade val="50000"/>
+              </a:schemeClr>
+            </a:lnRef>
+            <a:fillRef idx="1">
+              <a:schemeClr val="accent1"/>
+            </a:fillRef>
+            <a:effectRef idx="0">
+              <a:schemeClr val="accent1"/>
+            </a:effectRef>
+            <a:fontRef idx="minor">
+              <a:schemeClr val="lt1"/>
+            </a:fontRef>
+          </p:style>
+          <p:txBody>
+            <a:bodyPr rtlCol="0" anchor="ctr"/>
+            <a:lstStyle/>
+            <a:p>
+              <a:pPr algn="ctr"/>
+              <a:endParaRPr kumimoji="1" lang="ja-JP" altLang="en-US"/>
+            </a:p>
+          </p:txBody>
+        </p:sp>
+        <p:cxnSp>
+          <p:nvCxnSpPr>
+            <p:cNvPr id="74" name="直線矢印コネクタ 73">
+              <a:extLst>
+                <a:ext uri="{FF2B5EF4-FFF2-40B4-BE49-F238E27FC236}">
+                  <a16:creationId xmlns:a16="http://schemas.microsoft.com/office/drawing/2014/main" id="{052FFFEF-F641-EB42-8284-9FDFD8A7F4FE}"/>
+                </a:ext>
+              </a:extLst>
+            </p:cNvPr>
+            <p:cNvCxnSpPr>
+              <a:cxnSpLocks/>
+            </p:cNvCxnSpPr>
+            <p:nvPr/>
+          </p:nvCxnSpPr>
+          <p:spPr>
+            <a:xfrm flipV="1">
+              <a:off x="3131840" y="868797"/>
+              <a:ext cx="0" cy="216024"/>
+            </a:xfrm>
+            <a:prstGeom prst="straightConnector1">
+              <a:avLst/>
+            </a:prstGeom>
+            <a:grpFill/>
+            <a:ln w="12700">
+              <a:solidFill>
+                <a:schemeClr val="tx1"/>
+              </a:solidFill>
+              <a:headEnd type="triangle" w="med" len="med"/>
+              <a:tailEnd type="none" w="med" len="med"/>
+            </a:ln>
+          </p:spPr>
+          <p:style>
+            <a:lnRef idx="1">
+              <a:schemeClr val="accent1"/>
+            </a:lnRef>
+            <a:fillRef idx="0">
+              <a:schemeClr val="accent1"/>
+            </a:fillRef>
+            <a:effectRef idx="0">
+              <a:schemeClr val="accent1"/>
+            </a:effectRef>
+            <a:fontRef idx="minor">
+              <a:schemeClr val="tx1"/>
+            </a:fontRef>
+          </p:style>
+        </p:cxnSp>
+      </p:grpSp>
+      <p:grpSp>
+        <p:nvGrpSpPr>
+          <p:cNvPr id="75" name="グループ化 74">
+            <a:extLst>
+              <a:ext uri="{FF2B5EF4-FFF2-40B4-BE49-F238E27FC236}">
+                <a16:creationId xmlns:a16="http://schemas.microsoft.com/office/drawing/2014/main" id="{F316FE38-71E6-1D43-9CEA-C6A02D486BC1}"/>
+              </a:ext>
+            </a:extLst>
+          </p:cNvPr>
+          <p:cNvGrpSpPr/>
+          <p:nvPr/>
+        </p:nvGrpSpPr>
+        <p:grpSpPr>
+          <a:xfrm>
+            <a:off x="4788024" y="2276872"/>
+            <a:ext cx="288032" cy="288032"/>
+            <a:chOff x="2987824" y="836712"/>
+            <a:chExt cx="288032" cy="288032"/>
+          </a:xfrm>
+          <a:solidFill>
+            <a:schemeClr val="accent2">
+              <a:lumMod val="20000"/>
+              <a:lumOff val="80000"/>
+            </a:schemeClr>
+          </a:solidFill>
+        </p:grpSpPr>
+        <p:sp>
+          <p:nvSpPr>
+            <p:cNvPr id="76" name="円/楕円 75">
+              <a:extLst>
+                <a:ext uri="{FF2B5EF4-FFF2-40B4-BE49-F238E27FC236}">
+                  <a16:creationId xmlns:a16="http://schemas.microsoft.com/office/drawing/2014/main" id="{CBBC4634-58C1-6642-BA0C-1126B9737022}"/>
+                </a:ext>
+              </a:extLst>
+            </p:cNvPr>
+            <p:cNvSpPr/>
+            <p:nvPr/>
+          </p:nvSpPr>
+          <p:spPr>
+            <a:xfrm>
+              <a:off x="2987824" y="836712"/>
+              <a:ext cx="288032" cy="288032"/>
+            </a:xfrm>
+            <a:prstGeom prst="ellipse">
+              <a:avLst/>
+            </a:prstGeom>
+            <a:grpFill/>
+            <a:ln>
+              <a:solidFill>
+                <a:schemeClr val="tx1"/>
+              </a:solidFill>
+            </a:ln>
+          </p:spPr>
+          <p:style>
+            <a:lnRef idx="2">
+              <a:schemeClr val="accent1">
+                <a:shade val="50000"/>
+              </a:schemeClr>
+            </a:lnRef>
+            <a:fillRef idx="1">
+              <a:schemeClr val="accent1"/>
+            </a:fillRef>
+            <a:effectRef idx="0">
+              <a:schemeClr val="accent1"/>
+            </a:effectRef>
+            <a:fontRef idx="minor">
+              <a:schemeClr val="lt1"/>
+            </a:fontRef>
+          </p:style>
+          <p:txBody>
+            <a:bodyPr rtlCol="0" anchor="ctr"/>
+            <a:lstStyle/>
+            <a:p>
+              <a:pPr algn="ctr"/>
+              <a:endParaRPr kumimoji="1" lang="ja-JP" altLang="en-US"/>
+            </a:p>
+          </p:txBody>
+        </p:sp>
+        <p:cxnSp>
+          <p:nvCxnSpPr>
+            <p:cNvPr id="77" name="直線矢印コネクタ 76">
+              <a:extLst>
+                <a:ext uri="{FF2B5EF4-FFF2-40B4-BE49-F238E27FC236}">
+                  <a16:creationId xmlns:a16="http://schemas.microsoft.com/office/drawing/2014/main" id="{1EAA8D84-CE09-A84C-B0E8-1A28F0A50D36}"/>
+                </a:ext>
+              </a:extLst>
+            </p:cNvPr>
+            <p:cNvCxnSpPr>
+              <a:cxnSpLocks/>
+            </p:cNvCxnSpPr>
+            <p:nvPr/>
+          </p:nvCxnSpPr>
+          <p:spPr>
+            <a:xfrm flipV="1">
+              <a:off x="3131840" y="868797"/>
+              <a:ext cx="0" cy="216024"/>
+            </a:xfrm>
+            <a:prstGeom prst="straightConnector1">
+              <a:avLst/>
+            </a:prstGeom>
+            <a:grpFill/>
+            <a:ln w="12700">
+              <a:solidFill>
+                <a:schemeClr val="tx1"/>
+              </a:solidFill>
+              <a:tailEnd type="triangle"/>
+            </a:ln>
+          </p:spPr>
+          <p:style>
+            <a:lnRef idx="1">
+              <a:schemeClr val="accent1"/>
+            </a:lnRef>
+            <a:fillRef idx="0">
+              <a:schemeClr val="accent1"/>
+            </a:fillRef>
+            <a:effectRef idx="0">
+              <a:schemeClr val="accent1"/>
+            </a:effectRef>
+            <a:fontRef idx="minor">
+              <a:schemeClr val="tx1"/>
+            </a:fontRef>
+          </p:style>
+        </p:cxnSp>
+      </p:grpSp>
+      <p:sp>
+        <p:nvSpPr>
+          <p:cNvPr id="78" name="右矢印 77">
+            <a:extLst>
+              <a:ext uri="{FF2B5EF4-FFF2-40B4-BE49-F238E27FC236}">
+                <a16:creationId xmlns:a16="http://schemas.microsoft.com/office/drawing/2014/main" id="{3B4EDDC9-327D-6C4E-8139-F0C41DAEC5E4}"/>
+              </a:ext>
+            </a:extLst>
+          </p:cNvPr>
+          <p:cNvSpPr/>
+          <p:nvPr/>
+        </p:nvSpPr>
+        <p:spPr>
+          <a:xfrm>
+            <a:off x="539552" y="1484784"/>
+            <a:ext cx="432048" cy="363474"/>
+          </a:xfrm>
+          <a:prstGeom prst="rightArrow">
+            <a:avLst/>
+          </a:prstGeom>
+          <a:solidFill>
+            <a:srgbClr val="FF0000"/>
+          </a:solidFill>
+          <a:ln>
+            <a:solidFill>
+              <a:schemeClr val="tx1"/>
+            </a:solidFill>
+          </a:ln>
+        </p:spPr>
+        <p:style>
+          <a:lnRef idx="2">
+            <a:schemeClr val="accent1">
+              <a:shade val="50000"/>
+            </a:schemeClr>
+          </a:lnRef>
+          <a:fillRef idx="1">
+            <a:schemeClr val="accent1"/>
+          </a:fillRef>
+          <a:effectRef idx="0">
+            <a:schemeClr val="accent1"/>
+          </a:effectRef>
+          <a:fontRef idx="minor">
+            <a:schemeClr val="lt1"/>
+          </a:fontRef>
+        </p:style>
+        <p:txBody>
+          <a:bodyPr rtlCol="0" anchor="ctr"/>
+          <a:lstStyle/>
+          <a:p>
+            <a:pPr algn="ctr"/>
+            <a:endParaRPr kumimoji="1" lang="ja-JP" altLang="en-US"/>
+          </a:p>
+        </p:txBody>
+      </p:sp>
+      <p:sp>
+        <p:nvSpPr>
+          <p:cNvPr id="79" name="右矢印 78">
+            <a:extLst>
+              <a:ext uri="{FF2B5EF4-FFF2-40B4-BE49-F238E27FC236}">
+                <a16:creationId xmlns:a16="http://schemas.microsoft.com/office/drawing/2014/main" id="{1A1DF6B6-3CE6-5B4C-9477-74C4D26454F1}"/>
+              </a:ext>
+            </a:extLst>
+          </p:cNvPr>
+          <p:cNvSpPr/>
+          <p:nvPr/>
+        </p:nvSpPr>
+        <p:spPr>
+          <a:xfrm>
+            <a:off x="3707904" y="1484784"/>
+            <a:ext cx="432048" cy="363474"/>
+          </a:xfrm>
+          <a:prstGeom prst="rightArrow">
+            <a:avLst/>
+          </a:prstGeom>
+          <a:solidFill>
+            <a:srgbClr val="FF0000"/>
+          </a:solidFill>
+          <a:ln>
+            <a:solidFill>
+              <a:schemeClr val="tx1"/>
+            </a:solidFill>
+          </a:ln>
+        </p:spPr>
+        <p:style>
+          <a:lnRef idx="2">
+            <a:schemeClr val="accent1">
+              <a:shade val="50000"/>
+            </a:schemeClr>
+          </a:lnRef>
+          <a:fillRef idx="1">
+            <a:schemeClr val="accent1"/>
+          </a:fillRef>
+          <a:effectRef idx="0">
+            <a:schemeClr val="accent1"/>
+          </a:effectRef>
+          <a:fontRef idx="minor">
+            <a:schemeClr val="lt1"/>
+          </a:fontRef>
+        </p:style>
+        <p:txBody>
+          <a:bodyPr rtlCol="0" anchor="ctr"/>
+          <a:lstStyle/>
+          <a:p>
+            <a:pPr algn="ctr"/>
+            <a:endParaRPr kumimoji="1" lang="ja-JP" altLang="en-US"/>
+          </a:p>
+        </p:txBody>
+      </p:sp>
+      <p:sp>
+        <p:nvSpPr>
+          <p:cNvPr id="80" name="右矢印 79">
+            <a:extLst>
+              <a:ext uri="{FF2B5EF4-FFF2-40B4-BE49-F238E27FC236}">
+                <a16:creationId xmlns:a16="http://schemas.microsoft.com/office/drawing/2014/main" id="{CB5CA9FA-4A41-0044-9090-6D9325840DAF}"/>
+              </a:ext>
+            </a:extLst>
+          </p:cNvPr>
+          <p:cNvSpPr/>
+          <p:nvPr/>
+        </p:nvSpPr>
+        <p:spPr>
+          <a:xfrm>
+            <a:off x="6804248" y="1484784"/>
+            <a:ext cx="432048" cy="363474"/>
+          </a:xfrm>
+          <a:prstGeom prst="rightArrow">
+            <a:avLst/>
+          </a:prstGeom>
+          <a:solidFill>
+            <a:srgbClr val="FF0000"/>
+          </a:solidFill>
+          <a:ln>
+            <a:solidFill>
+              <a:schemeClr val="tx1"/>
+            </a:solidFill>
+          </a:ln>
+        </p:spPr>
+        <p:style>
+          <a:lnRef idx="2">
+            <a:schemeClr val="accent1">
+              <a:shade val="50000"/>
+            </a:schemeClr>
+          </a:lnRef>
+          <a:fillRef idx="1">
+            <a:schemeClr val="accent1"/>
+          </a:fillRef>
+          <a:effectRef idx="0">
+            <a:schemeClr val="accent1"/>
+          </a:effectRef>
+          <a:fontRef idx="minor">
+            <a:schemeClr val="lt1"/>
+          </a:fontRef>
+        </p:style>
+        <p:txBody>
+          <a:bodyPr rtlCol="0" anchor="ctr"/>
+          <a:lstStyle/>
+          <a:p>
+            <a:pPr algn="ctr"/>
+            <a:endParaRPr kumimoji="1" lang="ja-JP" altLang="en-US"/>
+          </a:p>
+        </p:txBody>
+      </p:sp>
+      <p:sp>
+        <p:nvSpPr>
+          <p:cNvPr id="81" name="テキスト ボックス 80">
+            <a:extLst>
+              <a:ext uri="{FF2B5EF4-FFF2-40B4-BE49-F238E27FC236}">
+                <a16:creationId xmlns:a16="http://schemas.microsoft.com/office/drawing/2014/main" id="{0F34DAA8-3406-DC4B-976B-D9EBC291F5BF}"/>
+              </a:ext>
+            </a:extLst>
+          </p:cNvPr>
+          <p:cNvSpPr txBox="1"/>
+          <p:nvPr/>
+        </p:nvSpPr>
+        <p:spPr>
+          <a:xfrm>
+            <a:off x="107504" y="1124744"/>
+            <a:ext cx="1107996" cy="276999"/>
+          </a:xfrm>
+          <a:prstGeom prst="rect">
+            <a:avLst/>
+          </a:prstGeom>
+          <a:noFill/>
+        </p:spPr>
+        <p:txBody>
+          <a:bodyPr wrap="none" rtlCol="0">
+            <a:spAutoFit/>
+          </a:bodyPr>
+          <a:lstStyle/>
+          <a:p>
+            <a:r>
+              <a:rPr kumimoji="1" lang="ja-JP" altLang="en-US" sz="1200"/>
+              <a:t>グラフの更新</a:t>
+            </a:r>
+          </a:p>
+        </p:txBody>
+      </p:sp>
+      <p:sp>
+        <p:nvSpPr>
+          <p:cNvPr id="82" name="テキスト ボックス 81">
+            <a:extLst>
+              <a:ext uri="{FF2B5EF4-FFF2-40B4-BE49-F238E27FC236}">
+                <a16:creationId xmlns:a16="http://schemas.microsoft.com/office/drawing/2014/main" id="{E8E213C3-72F0-2644-800D-CEB9BA4DF9EE}"/>
+              </a:ext>
+            </a:extLst>
+          </p:cNvPr>
+          <p:cNvSpPr txBox="1"/>
+          <p:nvPr/>
+        </p:nvSpPr>
+        <p:spPr>
+          <a:xfrm>
+            <a:off x="3347864" y="1124744"/>
+            <a:ext cx="1107996" cy="276999"/>
+          </a:xfrm>
+          <a:prstGeom prst="rect">
+            <a:avLst/>
+          </a:prstGeom>
+          <a:noFill/>
+        </p:spPr>
+        <p:txBody>
+          <a:bodyPr wrap="none" rtlCol="0">
+            <a:spAutoFit/>
+          </a:bodyPr>
+          <a:lstStyle/>
+          <a:p>
+            <a:r>
+              <a:rPr kumimoji="1" lang="ja-JP" altLang="en-US" sz="1200"/>
+              <a:t>スピンの更新</a:t>
+            </a:r>
+          </a:p>
+        </p:txBody>
+      </p:sp>
+      <p:sp>
+        <p:nvSpPr>
+          <p:cNvPr id="83" name="テキスト ボックス 82">
+            <a:extLst>
+              <a:ext uri="{FF2B5EF4-FFF2-40B4-BE49-F238E27FC236}">
+                <a16:creationId xmlns:a16="http://schemas.microsoft.com/office/drawing/2014/main" id="{70C86B81-0957-6F4B-878B-988EFBB94F2A}"/>
+              </a:ext>
+            </a:extLst>
+          </p:cNvPr>
+          <p:cNvSpPr txBox="1"/>
+          <p:nvPr/>
+        </p:nvSpPr>
+        <p:spPr>
+          <a:xfrm>
+            <a:off x="6516216" y="1052736"/>
+            <a:ext cx="1107996" cy="276999"/>
+          </a:xfrm>
+          <a:prstGeom prst="rect">
+            <a:avLst/>
+          </a:prstGeom>
+          <a:noFill/>
+        </p:spPr>
+        <p:txBody>
+          <a:bodyPr wrap="none" rtlCol="0">
+            <a:spAutoFit/>
+          </a:bodyPr>
+          <a:lstStyle/>
+          <a:p>
+            <a:r>
+              <a:rPr kumimoji="1" lang="ja-JP" altLang="en-US" sz="1200"/>
+              <a:t>グラフの更新</a:t>
+            </a:r>
+          </a:p>
+        </p:txBody>
+      </p:sp>
+    </p:spTree>
+    <p:extLst>
+      <p:ext uri="{BB962C8B-B14F-4D97-AF65-F5344CB8AC3E}">
+        <p14:creationId xmlns:p14="http://schemas.microsoft.com/office/powerpoint/2010/main" val="186925131"/>
+      </p:ext>
+    </p:extLst>
+  </p:cSld>
+  <p:clrMapOvr>
+    <a:masterClrMapping/>
+  </p:clrMapOvr>
+</p:sld>
+</file>
+
+<file path=ppt/slides/slide3.xml><?xml version="1.0" encoding="utf-8"?>
+<p:sld xmlns:a="http://schemas.openxmlformats.org/drawingml/2006/main" xmlns:r="http://schemas.openxmlformats.org/officeDocument/2006/relationships" xmlns:p="http://schemas.openxmlformats.org/presentationml/2006/main">
+  <p:cSld>
+    <p:spTree>
+      <p:nvGrpSpPr>
+        <p:cNvPr id="1" name=""/>
+        <p:cNvGrpSpPr/>
+        <p:nvPr/>
+      </p:nvGrpSpPr>
+      <p:grpSpPr>
+        <a:xfrm>
+          <a:off x="0" y="0"/>
+          <a:ext cx="0" cy="0"/>
+          <a:chOff x="0" y="0"/>
+          <a:chExt cx="0" cy="0"/>
+        </a:xfrm>
+      </p:grpSpPr>
+      <p:sp>
+        <p:nvSpPr>
+          <p:cNvPr id="2" name="正方形/長方形 1">
+            <a:extLst>
+              <a:ext uri="{FF2B5EF4-FFF2-40B4-BE49-F238E27FC236}">
+                <a16:creationId xmlns:a16="http://schemas.microsoft.com/office/drawing/2014/main" id="{97ADC5BF-C001-5F44-85E9-2D524F9D600F}"/>
+              </a:ext>
+            </a:extLst>
+          </p:cNvPr>
+          <p:cNvSpPr/>
+          <p:nvPr/>
+        </p:nvSpPr>
+        <p:spPr>
+          <a:xfrm>
+            <a:off x="539552" y="2060848"/>
+            <a:ext cx="720080" cy="720080"/>
+          </a:xfrm>
+          <a:prstGeom prst="rect">
+            <a:avLst/>
+          </a:prstGeom>
+          <a:noFill/>
+          <a:ln>
+            <a:solidFill>
+              <a:schemeClr val="tx1"/>
+            </a:solidFill>
+          </a:ln>
+        </p:spPr>
+        <p:style>
+          <a:lnRef idx="2">
+            <a:schemeClr val="accent1">
+              <a:shade val="50000"/>
+            </a:schemeClr>
+          </a:lnRef>
+          <a:fillRef idx="1">
+            <a:schemeClr val="accent1"/>
+          </a:fillRef>
+          <a:effectRef idx="0">
+            <a:schemeClr val="accent1"/>
+          </a:effectRef>
+          <a:fontRef idx="minor">
+            <a:schemeClr val="lt1"/>
+          </a:fontRef>
+        </p:style>
+        <p:txBody>
+          <a:bodyPr rtlCol="0" anchor="ctr"/>
+          <a:lstStyle/>
+          <a:p>
+            <a:pPr algn="ctr"/>
+            <a:endParaRPr kumimoji="1" lang="ja-JP" altLang="en-US"/>
+          </a:p>
+        </p:txBody>
+      </p:sp>
+      <p:sp>
+        <p:nvSpPr>
+          <p:cNvPr id="3" name="正方形/長方形 2">
+            <a:extLst>
+              <a:ext uri="{FF2B5EF4-FFF2-40B4-BE49-F238E27FC236}">
+                <a16:creationId xmlns:a16="http://schemas.microsoft.com/office/drawing/2014/main" id="{E3761D33-9659-F641-A35A-EC94DADF4344}"/>
+              </a:ext>
+            </a:extLst>
+          </p:cNvPr>
+          <p:cNvSpPr/>
+          <p:nvPr/>
+        </p:nvSpPr>
+        <p:spPr>
+          <a:xfrm>
+            <a:off x="539552" y="2780928"/>
+            <a:ext cx="720080" cy="720080"/>
+          </a:xfrm>
+          <a:prstGeom prst="rect">
+            <a:avLst/>
+          </a:prstGeom>
+          <a:noFill/>
+          <a:ln>
+            <a:solidFill>
+              <a:schemeClr val="tx1"/>
+            </a:solidFill>
+          </a:ln>
+        </p:spPr>
+        <p:style>
+          <a:lnRef idx="2">
+            <a:schemeClr val="accent1">
+              <a:shade val="50000"/>
+            </a:schemeClr>
+          </a:lnRef>
+          <a:fillRef idx="1">
+            <a:schemeClr val="accent1"/>
+          </a:fillRef>
+          <a:effectRef idx="0">
+            <a:schemeClr val="accent1"/>
+          </a:effectRef>
+          <a:fontRef idx="minor">
+            <a:schemeClr val="lt1"/>
+          </a:fontRef>
+        </p:style>
+        <p:txBody>
+          <a:bodyPr rtlCol="0" anchor="ctr"/>
+          <a:lstStyle/>
+          <a:p>
+            <a:pPr algn="ctr"/>
+            <a:endParaRPr kumimoji="1" lang="ja-JP" altLang="en-US"/>
+          </a:p>
+        </p:txBody>
+      </p:sp>
+      <p:sp>
+        <p:nvSpPr>
+          <p:cNvPr id="4" name="正方形/長方形 3">
+            <a:extLst>
+              <a:ext uri="{FF2B5EF4-FFF2-40B4-BE49-F238E27FC236}">
+                <a16:creationId xmlns:a16="http://schemas.microsoft.com/office/drawing/2014/main" id="{335F5AF2-AE90-A046-99C3-C4917BA7B2BB}"/>
+              </a:ext>
+            </a:extLst>
+          </p:cNvPr>
+          <p:cNvSpPr/>
+          <p:nvPr/>
+        </p:nvSpPr>
+        <p:spPr>
+          <a:xfrm>
+            <a:off x="1259632" y="2060848"/>
+            <a:ext cx="720080" cy="720080"/>
+          </a:xfrm>
+          <a:prstGeom prst="rect">
+            <a:avLst/>
+          </a:prstGeom>
+          <a:noFill/>
+          <a:ln>
+            <a:solidFill>
+              <a:schemeClr val="tx1"/>
+            </a:solidFill>
+          </a:ln>
+        </p:spPr>
+        <p:style>
+          <a:lnRef idx="2">
+            <a:schemeClr val="accent1">
+              <a:shade val="50000"/>
+            </a:schemeClr>
+          </a:lnRef>
+          <a:fillRef idx="1">
+            <a:schemeClr val="accent1"/>
+          </a:fillRef>
+          <a:effectRef idx="0">
+            <a:schemeClr val="accent1"/>
+          </a:effectRef>
+          <a:fontRef idx="minor">
+            <a:schemeClr val="lt1"/>
+          </a:fontRef>
+        </p:style>
+        <p:txBody>
+          <a:bodyPr rtlCol="0" anchor="ctr"/>
+          <a:lstStyle/>
+          <a:p>
+            <a:pPr algn="ctr"/>
+            <a:endParaRPr kumimoji="1" lang="ja-JP" altLang="en-US"/>
+          </a:p>
+        </p:txBody>
+      </p:sp>
+      <p:sp>
+        <p:nvSpPr>
+          <p:cNvPr id="5" name="正方形/長方形 4">
+            <a:extLst>
+              <a:ext uri="{FF2B5EF4-FFF2-40B4-BE49-F238E27FC236}">
+                <a16:creationId xmlns:a16="http://schemas.microsoft.com/office/drawing/2014/main" id="{CCDA96BD-FD07-2748-B253-FC7EE0A634F7}"/>
+              </a:ext>
+            </a:extLst>
+          </p:cNvPr>
+          <p:cNvSpPr/>
+          <p:nvPr/>
+        </p:nvSpPr>
+        <p:spPr>
+          <a:xfrm>
+            <a:off x="1259632" y="2780928"/>
+            <a:ext cx="720080" cy="720080"/>
+          </a:xfrm>
+          <a:prstGeom prst="rect">
+            <a:avLst/>
+          </a:prstGeom>
+          <a:noFill/>
+          <a:ln>
+            <a:solidFill>
+              <a:schemeClr val="tx1"/>
+            </a:solidFill>
+          </a:ln>
+        </p:spPr>
+        <p:style>
+          <a:lnRef idx="2">
+            <a:schemeClr val="accent1">
+              <a:shade val="50000"/>
+            </a:schemeClr>
+          </a:lnRef>
+          <a:fillRef idx="1">
+            <a:schemeClr val="accent1"/>
+          </a:fillRef>
+          <a:effectRef idx="0">
+            <a:schemeClr val="accent1"/>
+          </a:effectRef>
+          <a:fontRef idx="minor">
+            <a:schemeClr val="lt1"/>
+          </a:fontRef>
+        </p:style>
+        <p:txBody>
+          <a:bodyPr rtlCol="0" anchor="ctr"/>
+          <a:lstStyle/>
+          <a:p>
+            <a:pPr algn="ctr"/>
+            <a:endParaRPr kumimoji="1" lang="ja-JP" altLang="en-US"/>
+          </a:p>
+        </p:txBody>
+      </p:sp>
+      <p:sp>
+        <p:nvSpPr>
+          <p:cNvPr id="6" name="円/楕円 5">
+            <a:extLst>
+              <a:ext uri="{FF2B5EF4-FFF2-40B4-BE49-F238E27FC236}">
+                <a16:creationId xmlns:a16="http://schemas.microsoft.com/office/drawing/2014/main" id="{74497432-9F6B-B347-822D-2B7A0174AFC1}"/>
+              </a:ext>
+            </a:extLst>
+          </p:cNvPr>
+          <p:cNvSpPr/>
+          <p:nvPr/>
+        </p:nvSpPr>
+        <p:spPr>
+          <a:xfrm>
+            <a:off x="1835696" y="1916832"/>
+            <a:ext cx="288032" cy="288032"/>
+          </a:xfrm>
+          <a:prstGeom prst="ellipse">
+            <a:avLst/>
+          </a:prstGeom>
+          <a:solidFill>
+            <a:schemeClr val="accent5">
+              <a:lumMod val="20000"/>
+              <a:lumOff val="80000"/>
+            </a:schemeClr>
+          </a:solidFill>
+          <a:ln>
+            <a:solidFill>
+              <a:schemeClr val="tx1"/>
+            </a:solidFill>
+            <a:headEnd type="triangle" w="med" len="med"/>
+            <a:tailEnd type="none" w="med" len="med"/>
+          </a:ln>
+        </p:spPr>
+        <p:style>
+          <a:lnRef idx="2">
+            <a:schemeClr val="accent1">
+              <a:shade val="50000"/>
+            </a:schemeClr>
+          </a:lnRef>
+          <a:fillRef idx="1">
+            <a:schemeClr val="accent1"/>
+          </a:fillRef>
+          <a:effectRef idx="0">
+            <a:schemeClr val="accent1"/>
+          </a:effectRef>
+          <a:fontRef idx="minor">
+            <a:schemeClr val="lt1"/>
+          </a:fontRef>
+        </p:style>
+        <p:txBody>
+          <a:bodyPr rtlCol="0" anchor="ctr"/>
+          <a:lstStyle/>
+          <a:p>
+            <a:pPr algn="ctr"/>
+            <a:endParaRPr kumimoji="1" lang="ja-JP" altLang="en-US"/>
+          </a:p>
+        </p:txBody>
+      </p:sp>
+      <p:sp>
+        <p:nvSpPr>
+          <p:cNvPr id="7" name="円/楕円 6">
+            <a:extLst>
+              <a:ext uri="{FF2B5EF4-FFF2-40B4-BE49-F238E27FC236}">
+                <a16:creationId xmlns:a16="http://schemas.microsoft.com/office/drawing/2014/main" id="{B12BDC26-E63E-7040-9BCE-C677570D2F7F}"/>
+              </a:ext>
+            </a:extLst>
+          </p:cNvPr>
+          <p:cNvSpPr/>
+          <p:nvPr/>
+        </p:nvSpPr>
+        <p:spPr>
+          <a:xfrm>
+            <a:off x="1115616" y="1916832"/>
+            <a:ext cx="288032" cy="288032"/>
+          </a:xfrm>
+          <a:prstGeom prst="ellipse">
+            <a:avLst/>
+          </a:prstGeom>
+          <a:solidFill>
+            <a:schemeClr val="accent2">
+              <a:lumMod val="20000"/>
+              <a:lumOff val="80000"/>
+            </a:schemeClr>
+          </a:solidFill>
+          <a:ln>
+            <a:solidFill>
+              <a:schemeClr val="tx1"/>
+            </a:solidFill>
+          </a:ln>
+        </p:spPr>
+        <p:style>
+          <a:lnRef idx="2">
+            <a:schemeClr val="accent1">
+              <a:shade val="50000"/>
+            </a:schemeClr>
+          </a:lnRef>
+          <a:fillRef idx="1">
+            <a:schemeClr val="accent1"/>
+          </a:fillRef>
+          <a:effectRef idx="0">
+            <a:schemeClr val="accent1"/>
+          </a:effectRef>
+          <a:fontRef idx="minor">
+            <a:schemeClr val="lt1"/>
+          </a:fontRef>
+        </p:style>
+        <p:txBody>
+          <a:bodyPr rtlCol="0" anchor="ctr"/>
+          <a:lstStyle/>
+          <a:p>
+            <a:pPr algn="ctr"/>
+            <a:endParaRPr kumimoji="1" lang="ja-JP" altLang="en-US"/>
+          </a:p>
+        </p:txBody>
+      </p:sp>
+      <p:sp>
+        <p:nvSpPr>
+          <p:cNvPr id="8" name="円/楕円 7">
+            <a:extLst>
+              <a:ext uri="{FF2B5EF4-FFF2-40B4-BE49-F238E27FC236}">
+                <a16:creationId xmlns:a16="http://schemas.microsoft.com/office/drawing/2014/main" id="{C7431A12-D07F-DD49-9A1E-7C9991BD9648}"/>
+              </a:ext>
+            </a:extLst>
+          </p:cNvPr>
+          <p:cNvSpPr/>
+          <p:nvPr/>
+        </p:nvSpPr>
+        <p:spPr>
+          <a:xfrm>
+            <a:off x="395536" y="1916832"/>
+            <a:ext cx="288032" cy="288032"/>
+          </a:xfrm>
+          <a:prstGeom prst="ellipse">
+            <a:avLst/>
+          </a:prstGeom>
+          <a:solidFill>
+            <a:schemeClr val="accent2">
+              <a:lumMod val="20000"/>
+              <a:lumOff val="80000"/>
+            </a:schemeClr>
+          </a:solidFill>
+          <a:ln>
+            <a:solidFill>
+              <a:schemeClr val="tx1"/>
+            </a:solidFill>
+          </a:ln>
+        </p:spPr>
+        <p:style>
+          <a:lnRef idx="2">
+            <a:schemeClr val="accent1">
+              <a:shade val="50000"/>
+            </a:schemeClr>
+          </a:lnRef>
+          <a:fillRef idx="1">
+            <a:schemeClr val="accent1"/>
+          </a:fillRef>
+          <a:effectRef idx="0">
+            <a:schemeClr val="accent1"/>
+          </a:effectRef>
+          <a:fontRef idx="minor">
+            <a:schemeClr val="lt1"/>
+          </a:fontRef>
+        </p:style>
+        <p:txBody>
+          <a:bodyPr rtlCol="0" anchor="ctr"/>
+          <a:lstStyle/>
+          <a:p>
+            <a:pPr algn="ctr"/>
+            <a:endParaRPr kumimoji="1" lang="ja-JP" altLang="en-US"/>
+          </a:p>
+        </p:txBody>
+      </p:sp>
+      <p:sp>
+        <p:nvSpPr>
+          <p:cNvPr id="9" name="円/楕円 8">
+            <a:extLst>
+              <a:ext uri="{FF2B5EF4-FFF2-40B4-BE49-F238E27FC236}">
+                <a16:creationId xmlns:a16="http://schemas.microsoft.com/office/drawing/2014/main" id="{ADC965D0-2A89-4D49-A72F-8FF3DC17E4E1}"/>
+              </a:ext>
+            </a:extLst>
+          </p:cNvPr>
+          <p:cNvSpPr/>
+          <p:nvPr/>
+        </p:nvSpPr>
+        <p:spPr>
+          <a:xfrm>
+            <a:off x="1835696" y="2636912"/>
+            <a:ext cx="288032" cy="288032"/>
+          </a:xfrm>
+          <a:prstGeom prst="ellipse">
+            <a:avLst/>
+          </a:prstGeom>
+          <a:solidFill>
+            <a:schemeClr val="accent5">
+              <a:lumMod val="20000"/>
+              <a:lumOff val="80000"/>
+            </a:schemeClr>
+          </a:solidFill>
+          <a:ln>
+            <a:solidFill>
+              <a:schemeClr val="tx1"/>
+            </a:solidFill>
+            <a:headEnd type="triangle" w="med" len="med"/>
+            <a:tailEnd type="none" w="med" len="med"/>
+          </a:ln>
+        </p:spPr>
+        <p:style>
+          <a:lnRef idx="2">
+            <a:schemeClr val="accent1">
+              <a:shade val="50000"/>
+            </a:schemeClr>
+          </a:lnRef>
+          <a:fillRef idx="1">
+            <a:schemeClr val="accent1"/>
+          </a:fillRef>
+          <a:effectRef idx="0">
+            <a:schemeClr val="accent1"/>
+          </a:effectRef>
+          <a:fontRef idx="minor">
+            <a:schemeClr val="lt1"/>
+          </a:fontRef>
+        </p:style>
+        <p:txBody>
+          <a:bodyPr rtlCol="0" anchor="ctr"/>
+          <a:lstStyle/>
+          <a:p>
+            <a:pPr algn="ctr"/>
+            <a:endParaRPr kumimoji="1" lang="ja-JP" altLang="en-US"/>
+          </a:p>
+        </p:txBody>
+      </p:sp>
+      <p:sp>
+        <p:nvSpPr>
+          <p:cNvPr id="10" name="円/楕円 9">
+            <a:extLst>
+              <a:ext uri="{FF2B5EF4-FFF2-40B4-BE49-F238E27FC236}">
+                <a16:creationId xmlns:a16="http://schemas.microsoft.com/office/drawing/2014/main" id="{B563D68F-64C0-CA4C-B8A9-105E1981F5F7}"/>
+              </a:ext>
+            </a:extLst>
+          </p:cNvPr>
+          <p:cNvSpPr/>
+          <p:nvPr/>
+        </p:nvSpPr>
+        <p:spPr>
+          <a:xfrm>
+            <a:off x="1115616" y="2636912"/>
+            <a:ext cx="288032" cy="288032"/>
+          </a:xfrm>
+          <a:prstGeom prst="ellipse">
+            <a:avLst/>
+          </a:prstGeom>
+          <a:solidFill>
+            <a:schemeClr val="accent2">
+              <a:lumMod val="20000"/>
+              <a:lumOff val="80000"/>
+            </a:schemeClr>
+          </a:solidFill>
+          <a:ln>
+            <a:solidFill>
+              <a:schemeClr val="tx1"/>
+            </a:solidFill>
+          </a:ln>
+        </p:spPr>
+        <p:style>
+          <a:lnRef idx="2">
+            <a:schemeClr val="accent1">
+              <a:shade val="50000"/>
+            </a:schemeClr>
+          </a:lnRef>
+          <a:fillRef idx="1">
+            <a:schemeClr val="accent1"/>
+          </a:fillRef>
+          <a:effectRef idx="0">
+            <a:schemeClr val="accent1"/>
+          </a:effectRef>
+          <a:fontRef idx="minor">
+            <a:schemeClr val="lt1"/>
+          </a:fontRef>
+        </p:style>
+        <p:txBody>
+          <a:bodyPr rtlCol="0" anchor="ctr"/>
+          <a:lstStyle/>
+          <a:p>
+            <a:pPr algn="ctr"/>
+            <a:endParaRPr kumimoji="1" lang="ja-JP" altLang="en-US"/>
+          </a:p>
+        </p:txBody>
+      </p:sp>
+      <p:sp>
+        <p:nvSpPr>
+          <p:cNvPr id="11" name="円/楕円 10">
+            <a:extLst>
+              <a:ext uri="{FF2B5EF4-FFF2-40B4-BE49-F238E27FC236}">
+                <a16:creationId xmlns:a16="http://schemas.microsoft.com/office/drawing/2014/main" id="{B259D039-A445-F743-AC15-09B513DAFABB}"/>
+              </a:ext>
+            </a:extLst>
+          </p:cNvPr>
+          <p:cNvSpPr/>
+          <p:nvPr/>
+        </p:nvSpPr>
+        <p:spPr>
+          <a:xfrm>
+            <a:off x="395536" y="2636912"/>
+            <a:ext cx="288032" cy="288032"/>
+          </a:xfrm>
+          <a:prstGeom prst="ellipse">
+            <a:avLst/>
+          </a:prstGeom>
+          <a:solidFill>
+            <a:schemeClr val="accent2">
+              <a:lumMod val="20000"/>
+              <a:lumOff val="80000"/>
+            </a:schemeClr>
+          </a:solidFill>
+          <a:ln>
+            <a:solidFill>
+              <a:schemeClr val="tx1"/>
+            </a:solidFill>
+          </a:ln>
+        </p:spPr>
+        <p:style>
+          <a:lnRef idx="2">
+            <a:schemeClr val="accent1">
+              <a:shade val="50000"/>
+            </a:schemeClr>
+          </a:lnRef>
+          <a:fillRef idx="1">
+            <a:schemeClr val="accent1"/>
+          </a:fillRef>
+          <a:effectRef idx="0">
+            <a:schemeClr val="accent1"/>
+          </a:effectRef>
+          <a:fontRef idx="minor">
+            <a:schemeClr val="lt1"/>
+          </a:fontRef>
+        </p:style>
+        <p:txBody>
+          <a:bodyPr rtlCol="0" anchor="ctr"/>
+          <a:lstStyle/>
+          <a:p>
+            <a:pPr algn="ctr"/>
+            <a:endParaRPr kumimoji="1" lang="ja-JP" altLang="en-US"/>
+          </a:p>
+        </p:txBody>
+      </p:sp>
+      <p:sp>
+        <p:nvSpPr>
+          <p:cNvPr id="12" name="円/楕円 11">
+            <a:extLst>
+              <a:ext uri="{FF2B5EF4-FFF2-40B4-BE49-F238E27FC236}">
+                <a16:creationId xmlns:a16="http://schemas.microsoft.com/office/drawing/2014/main" id="{BBD4ED06-C132-C542-B2C9-D8481A169E4B}"/>
+              </a:ext>
+            </a:extLst>
+          </p:cNvPr>
+          <p:cNvSpPr/>
+          <p:nvPr/>
+        </p:nvSpPr>
+        <p:spPr>
+          <a:xfrm>
+            <a:off x="1835696" y="3356992"/>
+            <a:ext cx="288032" cy="288032"/>
+          </a:xfrm>
+          <a:prstGeom prst="ellipse">
+            <a:avLst/>
+          </a:prstGeom>
+          <a:solidFill>
+            <a:schemeClr val="accent5">
+              <a:lumMod val="20000"/>
+              <a:lumOff val="80000"/>
+            </a:schemeClr>
+          </a:solidFill>
+          <a:ln>
+            <a:solidFill>
+              <a:schemeClr val="tx1"/>
+            </a:solidFill>
+            <a:headEnd type="triangle" w="med" len="med"/>
+            <a:tailEnd type="none" w="med" len="med"/>
+          </a:ln>
+        </p:spPr>
+        <p:style>
+          <a:lnRef idx="2">
+            <a:schemeClr val="accent1">
+              <a:shade val="50000"/>
+            </a:schemeClr>
+          </a:lnRef>
+          <a:fillRef idx="1">
+            <a:schemeClr val="accent1"/>
+          </a:fillRef>
+          <a:effectRef idx="0">
+            <a:schemeClr val="accent1"/>
+          </a:effectRef>
+          <a:fontRef idx="minor">
+            <a:schemeClr val="lt1"/>
+          </a:fontRef>
+        </p:style>
+        <p:txBody>
+          <a:bodyPr rtlCol="0" anchor="ctr"/>
+          <a:lstStyle/>
+          <a:p>
+            <a:pPr algn="ctr"/>
+            <a:endParaRPr kumimoji="1" lang="ja-JP" altLang="en-US"/>
+          </a:p>
+        </p:txBody>
+      </p:sp>
+      <p:sp>
+        <p:nvSpPr>
+          <p:cNvPr id="13" name="円/楕円 12">
+            <a:extLst>
+              <a:ext uri="{FF2B5EF4-FFF2-40B4-BE49-F238E27FC236}">
+                <a16:creationId xmlns:a16="http://schemas.microsoft.com/office/drawing/2014/main" id="{1003C219-E83E-EC4C-BE5F-D98C09E8F35A}"/>
+              </a:ext>
+            </a:extLst>
+          </p:cNvPr>
+          <p:cNvSpPr/>
+          <p:nvPr/>
+        </p:nvSpPr>
+        <p:spPr>
+          <a:xfrm>
+            <a:off x="1115616" y="3356992"/>
+            <a:ext cx="288032" cy="288032"/>
+          </a:xfrm>
+          <a:prstGeom prst="ellipse">
+            <a:avLst/>
+          </a:prstGeom>
+          <a:solidFill>
+            <a:schemeClr val="accent5">
+              <a:lumMod val="20000"/>
+              <a:lumOff val="80000"/>
+            </a:schemeClr>
+          </a:solidFill>
+          <a:ln>
+            <a:solidFill>
+              <a:schemeClr val="tx1"/>
+            </a:solidFill>
+            <a:headEnd type="triangle" w="med" len="med"/>
+            <a:tailEnd type="none" w="med" len="med"/>
+          </a:ln>
+        </p:spPr>
+        <p:style>
+          <a:lnRef idx="2">
+            <a:schemeClr val="accent1">
+              <a:shade val="50000"/>
+            </a:schemeClr>
+          </a:lnRef>
+          <a:fillRef idx="1">
+            <a:schemeClr val="accent1"/>
+          </a:fillRef>
+          <a:effectRef idx="0">
+            <a:schemeClr val="accent1"/>
+          </a:effectRef>
+          <a:fontRef idx="minor">
+            <a:schemeClr val="lt1"/>
+          </a:fontRef>
+        </p:style>
+        <p:txBody>
+          <a:bodyPr rtlCol="0" anchor="ctr"/>
+          <a:lstStyle/>
+          <a:p>
+            <a:pPr algn="ctr"/>
+            <a:endParaRPr kumimoji="1" lang="ja-JP" altLang="en-US"/>
+          </a:p>
+        </p:txBody>
+      </p:sp>
+      <p:sp>
+        <p:nvSpPr>
+          <p:cNvPr id="14" name="円/楕円 13">
+            <a:extLst>
+              <a:ext uri="{FF2B5EF4-FFF2-40B4-BE49-F238E27FC236}">
+                <a16:creationId xmlns:a16="http://schemas.microsoft.com/office/drawing/2014/main" id="{7D815AE6-11EC-CC4E-8676-09563619E863}"/>
+              </a:ext>
+            </a:extLst>
+          </p:cNvPr>
+          <p:cNvSpPr/>
+          <p:nvPr/>
+        </p:nvSpPr>
+        <p:spPr>
+          <a:xfrm>
+            <a:off x="395536" y="3356992"/>
+            <a:ext cx="288032" cy="288032"/>
+          </a:xfrm>
+          <a:prstGeom prst="ellipse">
+            <a:avLst/>
+          </a:prstGeom>
+          <a:solidFill>
+            <a:schemeClr val="accent2">
+              <a:lumMod val="20000"/>
+              <a:lumOff val="80000"/>
+            </a:schemeClr>
+          </a:solidFill>
+          <a:ln>
+            <a:solidFill>
+              <a:schemeClr val="tx1"/>
+            </a:solidFill>
+          </a:ln>
+        </p:spPr>
+        <p:style>
+          <a:lnRef idx="2">
+            <a:schemeClr val="accent1">
+              <a:shade val="50000"/>
+            </a:schemeClr>
+          </a:lnRef>
+          <a:fillRef idx="1">
+            <a:schemeClr val="accent1"/>
+          </a:fillRef>
+          <a:effectRef idx="0">
+            <a:schemeClr val="accent1"/>
+          </a:effectRef>
+          <a:fontRef idx="minor">
+            <a:schemeClr val="lt1"/>
+          </a:fontRef>
+        </p:style>
+        <p:txBody>
+          <a:bodyPr rtlCol="0" anchor="ctr"/>
+          <a:lstStyle/>
+          <a:p>
+            <a:pPr algn="ctr"/>
+            <a:endParaRPr kumimoji="1" lang="ja-JP" altLang="en-US"/>
+          </a:p>
+        </p:txBody>
+      </p:sp>
+      <p:grpSp>
+        <p:nvGrpSpPr>
+          <p:cNvPr id="141" name="グループ化 140">
+            <a:extLst>
+              <a:ext uri="{FF2B5EF4-FFF2-40B4-BE49-F238E27FC236}">
+                <a16:creationId xmlns:a16="http://schemas.microsoft.com/office/drawing/2014/main" id="{6A1B7431-53FC-E742-B818-1208A5F1149D}"/>
+              </a:ext>
+            </a:extLst>
+          </p:cNvPr>
+          <p:cNvGrpSpPr/>
+          <p:nvPr/>
+        </p:nvGrpSpPr>
+        <p:grpSpPr>
+          <a:xfrm>
+            <a:off x="5436096" y="1196752"/>
+            <a:ext cx="1296144" cy="1296144"/>
+            <a:chOff x="3347864" y="4365104"/>
+            <a:chExt cx="1728192" cy="1728192"/>
+          </a:xfrm>
+        </p:grpSpPr>
+        <p:sp>
+          <p:nvSpPr>
+            <p:cNvPr id="15" name="正方形/長方形 14">
+              <a:extLst>
+                <a:ext uri="{FF2B5EF4-FFF2-40B4-BE49-F238E27FC236}">
+                  <a16:creationId xmlns:a16="http://schemas.microsoft.com/office/drawing/2014/main" id="{8BC634E6-B0DF-AD48-943A-B0816A9AEE81}"/>
+                </a:ext>
+              </a:extLst>
+            </p:cNvPr>
+            <p:cNvSpPr/>
+            <p:nvPr/>
+          </p:nvSpPr>
+          <p:spPr>
+            <a:xfrm>
+              <a:off x="3491880" y="4509120"/>
+              <a:ext cx="720080" cy="720080"/>
+            </a:xfrm>
+            <a:prstGeom prst="rect">
+              <a:avLst/>
+            </a:prstGeom>
+            <a:noFill/>
+            <a:ln>
+              <a:solidFill>
+                <a:schemeClr val="tx1"/>
+              </a:solidFill>
+            </a:ln>
+          </p:spPr>
+          <p:style>
+            <a:lnRef idx="2">
+              <a:schemeClr val="accent1">
+                <a:shade val="50000"/>
+              </a:schemeClr>
+            </a:lnRef>
+            <a:fillRef idx="1">
+              <a:schemeClr val="accent1"/>
+            </a:fillRef>
+            <a:effectRef idx="0">
+              <a:schemeClr val="accent1"/>
+            </a:effectRef>
+            <a:fontRef idx="minor">
+              <a:schemeClr val="lt1"/>
+            </a:fontRef>
+          </p:style>
+          <p:txBody>
+            <a:bodyPr rtlCol="0" anchor="ctr"/>
+            <a:lstStyle/>
+            <a:p>
+              <a:pPr algn="ctr"/>
+              <a:endParaRPr kumimoji="1" lang="ja-JP" altLang="en-US"/>
+            </a:p>
+          </p:txBody>
+        </p:sp>
+        <p:sp>
+          <p:nvSpPr>
+            <p:cNvPr id="16" name="正方形/長方形 15">
+              <a:extLst>
+                <a:ext uri="{FF2B5EF4-FFF2-40B4-BE49-F238E27FC236}">
+                  <a16:creationId xmlns:a16="http://schemas.microsoft.com/office/drawing/2014/main" id="{05CC6D19-3FB8-DF4D-BEC6-26344364C8E1}"/>
+                </a:ext>
+              </a:extLst>
+            </p:cNvPr>
+            <p:cNvSpPr/>
+            <p:nvPr/>
+          </p:nvSpPr>
+          <p:spPr>
+            <a:xfrm>
+              <a:off x="3491880" y="5229200"/>
+              <a:ext cx="720080" cy="720080"/>
+            </a:xfrm>
+            <a:prstGeom prst="rect">
+              <a:avLst/>
+            </a:prstGeom>
+            <a:noFill/>
+            <a:ln>
+              <a:solidFill>
+                <a:schemeClr val="tx1"/>
+              </a:solidFill>
+            </a:ln>
+          </p:spPr>
+          <p:style>
+            <a:lnRef idx="2">
+              <a:schemeClr val="accent1">
+                <a:shade val="50000"/>
+              </a:schemeClr>
+            </a:lnRef>
+            <a:fillRef idx="1">
+              <a:schemeClr val="accent1"/>
+            </a:fillRef>
+            <a:effectRef idx="0">
+              <a:schemeClr val="accent1"/>
+            </a:effectRef>
+            <a:fontRef idx="minor">
+              <a:schemeClr val="lt1"/>
+            </a:fontRef>
+          </p:style>
+          <p:txBody>
+            <a:bodyPr rtlCol="0" anchor="ctr"/>
+            <a:lstStyle/>
+            <a:p>
+              <a:pPr algn="ctr"/>
+              <a:endParaRPr kumimoji="1" lang="ja-JP" altLang="en-US"/>
+            </a:p>
+          </p:txBody>
+        </p:sp>
+        <p:sp>
+          <p:nvSpPr>
+            <p:cNvPr id="17" name="正方形/長方形 16">
+              <a:extLst>
+                <a:ext uri="{FF2B5EF4-FFF2-40B4-BE49-F238E27FC236}">
+                  <a16:creationId xmlns:a16="http://schemas.microsoft.com/office/drawing/2014/main" id="{5083BAEB-F07C-134D-9222-B06B4B0957B8}"/>
+                </a:ext>
+              </a:extLst>
+            </p:cNvPr>
+            <p:cNvSpPr/>
+            <p:nvPr/>
+          </p:nvSpPr>
+          <p:spPr>
+            <a:xfrm>
+              <a:off x="4211960" y="4509120"/>
+              <a:ext cx="720080" cy="720080"/>
+            </a:xfrm>
+            <a:prstGeom prst="rect">
+              <a:avLst/>
+            </a:prstGeom>
+            <a:noFill/>
+            <a:ln>
+              <a:solidFill>
+                <a:schemeClr val="tx1"/>
+              </a:solidFill>
+            </a:ln>
+          </p:spPr>
+          <p:style>
+            <a:lnRef idx="2">
+              <a:schemeClr val="accent1">
+                <a:shade val="50000"/>
+              </a:schemeClr>
+            </a:lnRef>
+            <a:fillRef idx="1">
+              <a:schemeClr val="accent1"/>
+            </a:fillRef>
+            <a:effectRef idx="0">
+              <a:schemeClr val="accent1"/>
+            </a:effectRef>
+            <a:fontRef idx="minor">
+              <a:schemeClr val="lt1"/>
+            </a:fontRef>
+          </p:style>
+          <p:txBody>
+            <a:bodyPr rtlCol="0" anchor="ctr"/>
+            <a:lstStyle/>
+            <a:p>
+              <a:pPr algn="ctr"/>
+              <a:endParaRPr kumimoji="1" lang="ja-JP" altLang="en-US"/>
+            </a:p>
+          </p:txBody>
+        </p:sp>
+        <p:sp>
+          <p:nvSpPr>
+            <p:cNvPr id="18" name="正方形/長方形 17">
+              <a:extLst>
+                <a:ext uri="{FF2B5EF4-FFF2-40B4-BE49-F238E27FC236}">
+                  <a16:creationId xmlns:a16="http://schemas.microsoft.com/office/drawing/2014/main" id="{33280FBA-8019-634D-BFDA-275943906C9E}"/>
+                </a:ext>
+              </a:extLst>
+            </p:cNvPr>
+            <p:cNvSpPr/>
+            <p:nvPr/>
+          </p:nvSpPr>
+          <p:spPr>
+            <a:xfrm>
+              <a:off x="4211960" y="5229200"/>
+              <a:ext cx="720080" cy="720080"/>
+            </a:xfrm>
+            <a:prstGeom prst="rect">
+              <a:avLst/>
+            </a:prstGeom>
+            <a:noFill/>
+            <a:ln>
+              <a:solidFill>
+                <a:schemeClr val="tx1"/>
+              </a:solidFill>
+            </a:ln>
+          </p:spPr>
+          <p:style>
+            <a:lnRef idx="2">
+              <a:schemeClr val="accent1">
+                <a:shade val="50000"/>
+              </a:schemeClr>
+            </a:lnRef>
+            <a:fillRef idx="1">
+              <a:schemeClr val="accent1"/>
+            </a:fillRef>
+            <a:effectRef idx="0">
+              <a:schemeClr val="accent1"/>
+            </a:effectRef>
+            <a:fontRef idx="minor">
+              <a:schemeClr val="lt1"/>
+            </a:fontRef>
+          </p:style>
+          <p:txBody>
+            <a:bodyPr rtlCol="0" anchor="ctr"/>
+            <a:lstStyle/>
+            <a:p>
+              <a:pPr algn="ctr"/>
+              <a:endParaRPr kumimoji="1" lang="ja-JP" altLang="en-US"/>
+            </a:p>
+          </p:txBody>
+        </p:sp>
+        <p:grpSp>
+          <p:nvGrpSpPr>
+            <p:cNvPr id="19" name="グループ化 18">
+              <a:extLst>
+                <a:ext uri="{FF2B5EF4-FFF2-40B4-BE49-F238E27FC236}">
+                  <a16:creationId xmlns:a16="http://schemas.microsoft.com/office/drawing/2014/main" id="{A0334AC8-BEE2-5646-8FFA-A0BA24636CAE}"/>
+                </a:ext>
+              </a:extLst>
+            </p:cNvPr>
+            <p:cNvGrpSpPr/>
+            <p:nvPr/>
+          </p:nvGrpSpPr>
+          <p:grpSpPr>
+            <a:xfrm>
+              <a:off x="4788024" y="4365104"/>
+              <a:ext cx="288032" cy="288032"/>
+              <a:chOff x="2987824" y="836712"/>
+              <a:chExt cx="288032" cy="288032"/>
+            </a:xfrm>
+            <a:solidFill>
+              <a:schemeClr val="accent5">
+                <a:lumMod val="20000"/>
+                <a:lumOff val="80000"/>
+              </a:schemeClr>
+            </a:solidFill>
+          </p:grpSpPr>
+          <p:sp>
+            <p:nvSpPr>
+              <p:cNvPr id="20" name="円/楕円 19">
+                <a:extLst>
+                  <a:ext uri="{FF2B5EF4-FFF2-40B4-BE49-F238E27FC236}">
+                    <a16:creationId xmlns:a16="http://schemas.microsoft.com/office/drawing/2014/main" id="{3C828FE2-E1A8-BB4C-A4C0-83FC1287C163}"/>
+                  </a:ext>
+                </a:extLst>
+              </p:cNvPr>
+              <p:cNvSpPr/>
+              <p:nvPr/>
+            </p:nvSpPr>
+            <p:spPr>
+              <a:xfrm>
+                <a:off x="2987824" y="836712"/>
+                <a:ext cx="288032" cy="288032"/>
+              </a:xfrm>
+              <a:prstGeom prst="ellipse">
+                <a:avLst/>
+              </a:prstGeom>
+              <a:grpFill/>
+              <a:ln>
+                <a:solidFill>
+                  <a:schemeClr val="tx1"/>
+                </a:solidFill>
+                <a:headEnd type="triangle" w="med" len="med"/>
+                <a:tailEnd type="none" w="med" len="med"/>
+              </a:ln>
+            </p:spPr>
+            <p:style>
+              <a:lnRef idx="2">
+                <a:schemeClr val="accent1">
+                  <a:shade val="50000"/>
+                </a:schemeClr>
+              </a:lnRef>
+              <a:fillRef idx="1">
+                <a:schemeClr val="accent1"/>
+              </a:fillRef>
+              <a:effectRef idx="0">
+                <a:schemeClr val="accent1"/>
+              </a:effectRef>
+              <a:fontRef idx="minor">
+                <a:schemeClr val="lt1"/>
+              </a:fontRef>
+            </p:style>
+            <p:txBody>
+              <a:bodyPr rtlCol="0" anchor="ctr"/>
+              <a:lstStyle/>
+              <a:p>
+                <a:pPr algn="ctr"/>
+                <a:endParaRPr kumimoji="1" lang="ja-JP" altLang="en-US"/>
+              </a:p>
+            </p:txBody>
+          </p:sp>
+          <p:cxnSp>
+            <p:nvCxnSpPr>
+              <p:cNvPr id="21" name="直線矢印コネクタ 20">
+                <a:extLst>
+                  <a:ext uri="{FF2B5EF4-FFF2-40B4-BE49-F238E27FC236}">
+                    <a16:creationId xmlns:a16="http://schemas.microsoft.com/office/drawing/2014/main" id="{1A46243C-1EAF-AD4C-92BE-64A1DB579323}"/>
+                  </a:ext>
+                </a:extLst>
+              </p:cNvPr>
+              <p:cNvCxnSpPr>
+                <a:cxnSpLocks/>
+              </p:cNvCxnSpPr>
+              <p:nvPr/>
+            </p:nvCxnSpPr>
+            <p:spPr>
+              <a:xfrm flipV="1">
+                <a:off x="3131840" y="868797"/>
+                <a:ext cx="0" cy="216024"/>
+              </a:xfrm>
+              <a:prstGeom prst="straightConnector1">
+                <a:avLst/>
+              </a:prstGeom>
+              <a:grpFill/>
+              <a:ln w="12700">
+                <a:solidFill>
+                  <a:schemeClr val="tx1"/>
+                </a:solidFill>
+                <a:headEnd type="triangle" w="med" len="med"/>
+                <a:tailEnd type="none" w="med" len="med"/>
+              </a:ln>
+            </p:spPr>
+            <p:style>
+              <a:lnRef idx="1">
+                <a:schemeClr val="accent1"/>
+              </a:lnRef>
+              <a:fillRef idx="0">
+                <a:schemeClr val="accent1"/>
+              </a:fillRef>
+              <a:effectRef idx="0">
+                <a:schemeClr val="accent1"/>
+              </a:effectRef>
+              <a:fontRef idx="minor">
+                <a:schemeClr val="tx1"/>
+              </a:fontRef>
+            </p:style>
+          </p:cxnSp>
+        </p:grpSp>
+        <p:grpSp>
+          <p:nvGrpSpPr>
+            <p:cNvPr id="22" name="グループ化 21">
+              <a:extLst>
+                <a:ext uri="{FF2B5EF4-FFF2-40B4-BE49-F238E27FC236}">
+                  <a16:creationId xmlns:a16="http://schemas.microsoft.com/office/drawing/2014/main" id="{10F560C2-EF35-2E45-8E79-7EB691A2D0ED}"/>
+                </a:ext>
+              </a:extLst>
+            </p:cNvPr>
+            <p:cNvGrpSpPr/>
+            <p:nvPr/>
+          </p:nvGrpSpPr>
+          <p:grpSpPr>
+            <a:xfrm>
+              <a:off x="4067944" y="4365104"/>
+              <a:ext cx="288032" cy="288032"/>
+              <a:chOff x="2987824" y="836712"/>
+              <a:chExt cx="288032" cy="288032"/>
+            </a:xfrm>
+            <a:solidFill>
+              <a:schemeClr val="accent2">
+                <a:lumMod val="20000"/>
+                <a:lumOff val="80000"/>
+              </a:schemeClr>
+            </a:solidFill>
+          </p:grpSpPr>
+          <p:sp>
+            <p:nvSpPr>
+              <p:cNvPr id="23" name="円/楕円 22">
+                <a:extLst>
+                  <a:ext uri="{FF2B5EF4-FFF2-40B4-BE49-F238E27FC236}">
+                    <a16:creationId xmlns:a16="http://schemas.microsoft.com/office/drawing/2014/main" id="{B5972246-AF95-9047-92F2-8887DE409E93}"/>
+                  </a:ext>
+                </a:extLst>
+              </p:cNvPr>
+              <p:cNvSpPr/>
+              <p:nvPr/>
+            </p:nvSpPr>
+            <p:spPr>
+              <a:xfrm>
+                <a:off x="2987824" y="836712"/>
+                <a:ext cx="288032" cy="288032"/>
+              </a:xfrm>
+              <a:prstGeom prst="ellipse">
+                <a:avLst/>
+              </a:prstGeom>
+              <a:grpFill/>
+              <a:ln>
+                <a:solidFill>
+                  <a:schemeClr val="tx1"/>
+                </a:solidFill>
+              </a:ln>
+            </p:spPr>
+            <p:style>
+              <a:lnRef idx="2">
+                <a:schemeClr val="accent1">
+                  <a:shade val="50000"/>
+                </a:schemeClr>
+              </a:lnRef>
+              <a:fillRef idx="1">
+                <a:schemeClr val="accent1"/>
+              </a:fillRef>
+              <a:effectRef idx="0">
+                <a:schemeClr val="accent1"/>
+              </a:effectRef>
+              <a:fontRef idx="minor">
+                <a:schemeClr val="lt1"/>
+              </a:fontRef>
+            </p:style>
+            <p:txBody>
+              <a:bodyPr rtlCol="0" anchor="ctr"/>
+              <a:lstStyle/>
+              <a:p>
+                <a:pPr algn="ctr"/>
+                <a:endParaRPr kumimoji="1" lang="ja-JP" altLang="en-US"/>
+              </a:p>
+            </p:txBody>
+          </p:sp>
+          <p:cxnSp>
+            <p:nvCxnSpPr>
+              <p:cNvPr id="24" name="直線矢印コネクタ 23">
+                <a:extLst>
+                  <a:ext uri="{FF2B5EF4-FFF2-40B4-BE49-F238E27FC236}">
+                    <a16:creationId xmlns:a16="http://schemas.microsoft.com/office/drawing/2014/main" id="{72496C8C-4165-6647-8BE8-3CF22D5E85AA}"/>
+                  </a:ext>
+                </a:extLst>
+              </p:cNvPr>
+              <p:cNvCxnSpPr>
+                <a:cxnSpLocks/>
+              </p:cNvCxnSpPr>
+              <p:nvPr/>
+            </p:nvCxnSpPr>
+            <p:spPr>
+              <a:xfrm flipV="1">
+                <a:off x="3131840" y="868797"/>
+                <a:ext cx="0" cy="216024"/>
+              </a:xfrm>
+              <a:prstGeom prst="straightConnector1">
+                <a:avLst/>
+              </a:prstGeom>
+              <a:grpFill/>
+              <a:ln w="12700">
+                <a:solidFill>
+                  <a:schemeClr val="tx1"/>
+                </a:solidFill>
+                <a:tailEnd type="triangle"/>
+              </a:ln>
+            </p:spPr>
+            <p:style>
+              <a:lnRef idx="1">
+                <a:schemeClr val="accent1"/>
+              </a:lnRef>
+              <a:fillRef idx="0">
+                <a:schemeClr val="accent1"/>
+              </a:fillRef>
+              <a:effectRef idx="0">
+                <a:schemeClr val="accent1"/>
+              </a:effectRef>
+              <a:fontRef idx="minor">
+                <a:schemeClr val="tx1"/>
+              </a:fontRef>
+            </p:style>
+          </p:cxnSp>
+        </p:grpSp>
+        <p:grpSp>
+          <p:nvGrpSpPr>
+            <p:cNvPr id="25" name="グループ化 24">
+              <a:extLst>
+                <a:ext uri="{FF2B5EF4-FFF2-40B4-BE49-F238E27FC236}">
+                  <a16:creationId xmlns:a16="http://schemas.microsoft.com/office/drawing/2014/main" id="{034742EC-B060-5E4C-B543-195DA26B7901}"/>
+                </a:ext>
+              </a:extLst>
+            </p:cNvPr>
+            <p:cNvGrpSpPr/>
+            <p:nvPr/>
+          </p:nvGrpSpPr>
+          <p:grpSpPr>
+            <a:xfrm>
+              <a:off x="3347864" y="4365104"/>
+              <a:ext cx="288032" cy="288032"/>
+              <a:chOff x="2987824" y="836712"/>
+              <a:chExt cx="288032" cy="288032"/>
+            </a:xfrm>
+            <a:solidFill>
+              <a:schemeClr val="accent2">
+                <a:lumMod val="20000"/>
+                <a:lumOff val="80000"/>
+              </a:schemeClr>
+            </a:solidFill>
+          </p:grpSpPr>
+          <p:sp>
+            <p:nvSpPr>
+              <p:cNvPr id="26" name="円/楕円 25">
+                <a:extLst>
+                  <a:ext uri="{FF2B5EF4-FFF2-40B4-BE49-F238E27FC236}">
+                    <a16:creationId xmlns:a16="http://schemas.microsoft.com/office/drawing/2014/main" id="{9D091CD4-2151-8545-8642-3B5CEE95A0D8}"/>
+                  </a:ext>
+                </a:extLst>
+              </p:cNvPr>
+              <p:cNvSpPr/>
+              <p:nvPr/>
+            </p:nvSpPr>
+            <p:spPr>
+              <a:xfrm>
+                <a:off x="2987824" y="836712"/>
+                <a:ext cx="288032" cy="288032"/>
+              </a:xfrm>
+              <a:prstGeom prst="ellipse">
+                <a:avLst/>
+              </a:prstGeom>
+              <a:grpFill/>
+              <a:ln>
+                <a:solidFill>
+                  <a:schemeClr val="tx1"/>
+                </a:solidFill>
+              </a:ln>
+            </p:spPr>
+            <p:style>
+              <a:lnRef idx="2">
+                <a:schemeClr val="accent1">
+                  <a:shade val="50000"/>
+                </a:schemeClr>
+              </a:lnRef>
+              <a:fillRef idx="1">
+                <a:schemeClr val="accent1"/>
+              </a:fillRef>
+              <a:effectRef idx="0">
+                <a:schemeClr val="accent1"/>
+              </a:effectRef>
+              <a:fontRef idx="minor">
+                <a:schemeClr val="lt1"/>
+              </a:fontRef>
+            </p:style>
+            <p:txBody>
+              <a:bodyPr rtlCol="0" anchor="ctr"/>
+              <a:lstStyle/>
+              <a:p>
+                <a:pPr algn="ctr"/>
+                <a:endParaRPr kumimoji="1" lang="ja-JP" altLang="en-US"/>
+              </a:p>
+            </p:txBody>
+          </p:sp>
+          <p:cxnSp>
+            <p:nvCxnSpPr>
+              <p:cNvPr id="27" name="直線矢印コネクタ 26">
+                <a:extLst>
+                  <a:ext uri="{FF2B5EF4-FFF2-40B4-BE49-F238E27FC236}">
+                    <a16:creationId xmlns:a16="http://schemas.microsoft.com/office/drawing/2014/main" id="{086B59A6-7640-9547-9B72-B8666A00B5CF}"/>
+                  </a:ext>
+                </a:extLst>
+              </p:cNvPr>
+              <p:cNvCxnSpPr>
+                <a:cxnSpLocks/>
+              </p:cNvCxnSpPr>
+              <p:nvPr/>
+            </p:nvCxnSpPr>
+            <p:spPr>
+              <a:xfrm flipV="1">
+                <a:off x="3131840" y="868797"/>
+                <a:ext cx="0" cy="216024"/>
+              </a:xfrm>
+              <a:prstGeom prst="straightConnector1">
+                <a:avLst/>
+              </a:prstGeom>
+              <a:grpFill/>
+              <a:ln w="12700">
+                <a:solidFill>
+                  <a:schemeClr val="tx1"/>
+                </a:solidFill>
+                <a:tailEnd type="triangle"/>
+              </a:ln>
+            </p:spPr>
+            <p:style>
+              <a:lnRef idx="1">
+                <a:schemeClr val="accent1"/>
+              </a:lnRef>
+              <a:fillRef idx="0">
+                <a:schemeClr val="accent1"/>
+              </a:fillRef>
+              <a:effectRef idx="0">
+                <a:schemeClr val="accent1"/>
+              </a:effectRef>
+              <a:fontRef idx="minor">
+                <a:schemeClr val="tx1"/>
+              </a:fontRef>
+            </p:style>
+          </p:cxnSp>
+        </p:grpSp>
+        <p:grpSp>
+          <p:nvGrpSpPr>
+            <p:cNvPr id="28" name="グループ化 27">
+              <a:extLst>
+                <a:ext uri="{FF2B5EF4-FFF2-40B4-BE49-F238E27FC236}">
+                  <a16:creationId xmlns:a16="http://schemas.microsoft.com/office/drawing/2014/main" id="{1BAEB849-1AAA-234A-8E4A-C3CCEC54B79C}"/>
+                </a:ext>
+              </a:extLst>
+            </p:cNvPr>
+            <p:cNvGrpSpPr/>
+            <p:nvPr/>
+          </p:nvGrpSpPr>
+          <p:grpSpPr>
+            <a:xfrm>
+              <a:off x="4788024" y="5085184"/>
+              <a:ext cx="288032" cy="288032"/>
+              <a:chOff x="2987824" y="836712"/>
+              <a:chExt cx="288032" cy="288032"/>
+            </a:xfrm>
+            <a:solidFill>
+              <a:schemeClr val="accent5">
+                <a:lumMod val="20000"/>
+                <a:lumOff val="80000"/>
+              </a:schemeClr>
+            </a:solidFill>
+          </p:grpSpPr>
+          <p:sp>
+            <p:nvSpPr>
+              <p:cNvPr id="29" name="円/楕円 28">
+                <a:extLst>
+                  <a:ext uri="{FF2B5EF4-FFF2-40B4-BE49-F238E27FC236}">
+                    <a16:creationId xmlns:a16="http://schemas.microsoft.com/office/drawing/2014/main" id="{BA1A5EA0-D7C0-464B-8725-DE316F21E28D}"/>
+                  </a:ext>
+                </a:extLst>
+              </p:cNvPr>
+              <p:cNvSpPr/>
+              <p:nvPr/>
+            </p:nvSpPr>
+            <p:spPr>
+              <a:xfrm>
+                <a:off x="2987824" y="836712"/>
+                <a:ext cx="288032" cy="288032"/>
+              </a:xfrm>
+              <a:prstGeom prst="ellipse">
+                <a:avLst/>
+              </a:prstGeom>
+              <a:grpFill/>
+              <a:ln>
+                <a:solidFill>
+                  <a:schemeClr val="tx1"/>
+                </a:solidFill>
+                <a:headEnd type="triangle" w="med" len="med"/>
+                <a:tailEnd type="none" w="med" len="med"/>
+              </a:ln>
+            </p:spPr>
+            <p:style>
+              <a:lnRef idx="2">
+                <a:schemeClr val="accent1">
+                  <a:shade val="50000"/>
+                </a:schemeClr>
+              </a:lnRef>
+              <a:fillRef idx="1">
+                <a:schemeClr val="accent1"/>
+              </a:fillRef>
+              <a:effectRef idx="0">
+                <a:schemeClr val="accent1"/>
+              </a:effectRef>
+              <a:fontRef idx="minor">
+                <a:schemeClr val="lt1"/>
+              </a:fontRef>
+            </p:style>
+            <p:txBody>
+              <a:bodyPr rtlCol="0" anchor="ctr"/>
+              <a:lstStyle/>
+              <a:p>
+                <a:pPr algn="ctr"/>
+                <a:endParaRPr kumimoji="1" lang="ja-JP" altLang="en-US"/>
+              </a:p>
+            </p:txBody>
+          </p:sp>
+          <p:cxnSp>
+            <p:nvCxnSpPr>
+              <p:cNvPr id="30" name="直線矢印コネクタ 29">
+                <a:extLst>
+                  <a:ext uri="{FF2B5EF4-FFF2-40B4-BE49-F238E27FC236}">
+                    <a16:creationId xmlns:a16="http://schemas.microsoft.com/office/drawing/2014/main" id="{E53EE94D-353C-F749-B860-CCE7FDD44A20}"/>
+                  </a:ext>
+                </a:extLst>
+              </p:cNvPr>
+              <p:cNvCxnSpPr>
+                <a:cxnSpLocks/>
+              </p:cNvCxnSpPr>
+              <p:nvPr/>
+            </p:nvCxnSpPr>
+            <p:spPr>
+              <a:xfrm flipV="1">
+                <a:off x="3131840" y="868797"/>
+                <a:ext cx="0" cy="216024"/>
+              </a:xfrm>
+              <a:prstGeom prst="straightConnector1">
+                <a:avLst/>
+              </a:prstGeom>
+              <a:grpFill/>
+              <a:ln w="12700">
+                <a:solidFill>
+                  <a:schemeClr val="tx1"/>
+                </a:solidFill>
+                <a:headEnd type="triangle" w="med" len="med"/>
+                <a:tailEnd type="none" w="med" len="med"/>
+              </a:ln>
+            </p:spPr>
+            <p:style>
+              <a:lnRef idx="1">
+                <a:schemeClr val="accent1"/>
+              </a:lnRef>
+              <a:fillRef idx="0">
+                <a:schemeClr val="accent1"/>
+              </a:fillRef>
+              <a:effectRef idx="0">
+                <a:schemeClr val="accent1"/>
+              </a:effectRef>
+              <a:fontRef idx="minor">
+                <a:schemeClr val="tx1"/>
+              </a:fontRef>
+            </p:style>
+          </p:cxnSp>
+        </p:grpSp>
+        <p:grpSp>
+          <p:nvGrpSpPr>
+            <p:cNvPr id="31" name="グループ化 30">
+              <a:extLst>
+                <a:ext uri="{FF2B5EF4-FFF2-40B4-BE49-F238E27FC236}">
+                  <a16:creationId xmlns:a16="http://schemas.microsoft.com/office/drawing/2014/main" id="{12FBD774-50E7-4F45-8183-36EAAE5B2C3A}"/>
+                </a:ext>
+              </a:extLst>
+            </p:cNvPr>
+            <p:cNvGrpSpPr/>
+            <p:nvPr/>
+          </p:nvGrpSpPr>
+          <p:grpSpPr>
+            <a:xfrm>
+              <a:off x="4067944" y="5085184"/>
+              <a:ext cx="288032" cy="288032"/>
+              <a:chOff x="2987824" y="836712"/>
+              <a:chExt cx="288032" cy="288032"/>
+            </a:xfrm>
+            <a:solidFill>
+              <a:schemeClr val="accent2">
+                <a:lumMod val="20000"/>
+                <a:lumOff val="80000"/>
+              </a:schemeClr>
+            </a:solidFill>
+          </p:grpSpPr>
+          <p:sp>
+            <p:nvSpPr>
+              <p:cNvPr id="32" name="円/楕円 31">
+                <a:extLst>
+                  <a:ext uri="{FF2B5EF4-FFF2-40B4-BE49-F238E27FC236}">
+                    <a16:creationId xmlns:a16="http://schemas.microsoft.com/office/drawing/2014/main" id="{855C3778-DDD6-6445-A910-4DEFA9E69CDD}"/>
+                  </a:ext>
+                </a:extLst>
+              </p:cNvPr>
+              <p:cNvSpPr/>
+              <p:nvPr/>
+            </p:nvSpPr>
+            <p:spPr>
+              <a:xfrm>
+                <a:off x="2987824" y="836712"/>
+                <a:ext cx="288032" cy="288032"/>
+              </a:xfrm>
+              <a:prstGeom prst="ellipse">
+                <a:avLst/>
+              </a:prstGeom>
+              <a:grpFill/>
+              <a:ln>
+                <a:solidFill>
+                  <a:schemeClr val="tx1"/>
+                </a:solidFill>
+              </a:ln>
+            </p:spPr>
+            <p:style>
+              <a:lnRef idx="2">
+                <a:schemeClr val="accent1">
+                  <a:shade val="50000"/>
+                </a:schemeClr>
+              </a:lnRef>
+              <a:fillRef idx="1">
+                <a:schemeClr val="accent1"/>
+              </a:fillRef>
+              <a:effectRef idx="0">
+                <a:schemeClr val="accent1"/>
+              </a:effectRef>
+              <a:fontRef idx="minor">
+                <a:schemeClr val="lt1"/>
+              </a:fontRef>
+            </p:style>
+            <p:txBody>
+              <a:bodyPr rtlCol="0" anchor="ctr"/>
+              <a:lstStyle/>
+              <a:p>
+                <a:pPr algn="ctr"/>
+                <a:endParaRPr kumimoji="1" lang="ja-JP" altLang="en-US"/>
+              </a:p>
+            </p:txBody>
+          </p:sp>
+          <p:cxnSp>
+            <p:nvCxnSpPr>
+              <p:cNvPr id="33" name="直線矢印コネクタ 32">
+                <a:extLst>
+                  <a:ext uri="{FF2B5EF4-FFF2-40B4-BE49-F238E27FC236}">
+                    <a16:creationId xmlns:a16="http://schemas.microsoft.com/office/drawing/2014/main" id="{2B7809A3-1E02-5D48-B8E8-E9A46A5BA3D4}"/>
+                  </a:ext>
+                </a:extLst>
+              </p:cNvPr>
+              <p:cNvCxnSpPr>
+                <a:cxnSpLocks/>
+              </p:cNvCxnSpPr>
+              <p:nvPr/>
+            </p:nvCxnSpPr>
+            <p:spPr>
+              <a:xfrm flipV="1">
+                <a:off x="3131840" y="868797"/>
+                <a:ext cx="0" cy="216024"/>
+              </a:xfrm>
+              <a:prstGeom prst="straightConnector1">
+                <a:avLst/>
+              </a:prstGeom>
+              <a:grpFill/>
+              <a:ln w="12700">
+                <a:solidFill>
+                  <a:schemeClr val="tx1"/>
+                </a:solidFill>
+                <a:tailEnd type="triangle"/>
+              </a:ln>
+            </p:spPr>
+            <p:style>
+              <a:lnRef idx="1">
+                <a:schemeClr val="accent1"/>
+              </a:lnRef>
+              <a:fillRef idx="0">
+                <a:schemeClr val="accent1"/>
+              </a:fillRef>
+              <a:effectRef idx="0">
+                <a:schemeClr val="accent1"/>
+              </a:effectRef>
+              <a:fontRef idx="minor">
+                <a:schemeClr val="tx1"/>
+              </a:fontRef>
+            </p:style>
+          </p:cxnSp>
+        </p:grpSp>
+        <p:grpSp>
+          <p:nvGrpSpPr>
+            <p:cNvPr id="34" name="グループ化 33">
+              <a:extLst>
+                <a:ext uri="{FF2B5EF4-FFF2-40B4-BE49-F238E27FC236}">
+                  <a16:creationId xmlns:a16="http://schemas.microsoft.com/office/drawing/2014/main" id="{2ACD2246-7291-3846-A73A-7531765BCC5F}"/>
+                </a:ext>
+              </a:extLst>
+            </p:cNvPr>
+            <p:cNvGrpSpPr/>
+            <p:nvPr/>
+          </p:nvGrpSpPr>
+          <p:grpSpPr>
+            <a:xfrm>
+              <a:off x="3347864" y="5085184"/>
+              <a:ext cx="288032" cy="288032"/>
+              <a:chOff x="2987824" y="836712"/>
+              <a:chExt cx="288032" cy="288032"/>
+            </a:xfrm>
+            <a:solidFill>
+              <a:schemeClr val="accent2">
+                <a:lumMod val="20000"/>
+                <a:lumOff val="80000"/>
+              </a:schemeClr>
+            </a:solidFill>
+          </p:grpSpPr>
+          <p:sp>
+            <p:nvSpPr>
+              <p:cNvPr id="35" name="円/楕円 34">
+                <a:extLst>
+                  <a:ext uri="{FF2B5EF4-FFF2-40B4-BE49-F238E27FC236}">
+                    <a16:creationId xmlns:a16="http://schemas.microsoft.com/office/drawing/2014/main" id="{D9252FF7-3F58-7249-B38E-59F272930F9E}"/>
+                  </a:ext>
+                </a:extLst>
+              </p:cNvPr>
+              <p:cNvSpPr/>
+              <p:nvPr/>
+            </p:nvSpPr>
+            <p:spPr>
+              <a:xfrm>
+                <a:off x="2987824" y="836712"/>
+                <a:ext cx="288032" cy="288032"/>
+              </a:xfrm>
+              <a:prstGeom prst="ellipse">
+                <a:avLst/>
+              </a:prstGeom>
+              <a:grpFill/>
+              <a:ln>
+                <a:solidFill>
+                  <a:schemeClr val="tx1"/>
+                </a:solidFill>
+              </a:ln>
+            </p:spPr>
+            <p:style>
+              <a:lnRef idx="2">
+                <a:schemeClr val="accent1">
+                  <a:shade val="50000"/>
+                </a:schemeClr>
+              </a:lnRef>
+              <a:fillRef idx="1">
+                <a:schemeClr val="accent1"/>
+              </a:fillRef>
+              <a:effectRef idx="0">
+                <a:schemeClr val="accent1"/>
+              </a:effectRef>
+              <a:fontRef idx="minor">
+                <a:schemeClr val="lt1"/>
+              </a:fontRef>
+            </p:style>
+            <p:txBody>
+              <a:bodyPr rtlCol="0" anchor="ctr"/>
+              <a:lstStyle/>
+              <a:p>
+                <a:pPr algn="ctr"/>
+                <a:endParaRPr kumimoji="1" lang="ja-JP" altLang="en-US"/>
+              </a:p>
+            </p:txBody>
+          </p:sp>
+          <p:cxnSp>
+            <p:nvCxnSpPr>
+              <p:cNvPr id="36" name="直線矢印コネクタ 35">
+                <a:extLst>
+                  <a:ext uri="{FF2B5EF4-FFF2-40B4-BE49-F238E27FC236}">
+                    <a16:creationId xmlns:a16="http://schemas.microsoft.com/office/drawing/2014/main" id="{866A73D9-5BF3-BA4F-93D0-31CB9ABBB6F6}"/>
+                  </a:ext>
+                </a:extLst>
+              </p:cNvPr>
+              <p:cNvCxnSpPr>
+                <a:cxnSpLocks/>
+              </p:cNvCxnSpPr>
+              <p:nvPr/>
+            </p:nvCxnSpPr>
+            <p:spPr>
+              <a:xfrm flipV="1">
+                <a:off x="3131840" y="868797"/>
+                <a:ext cx="0" cy="216024"/>
+              </a:xfrm>
+              <a:prstGeom prst="straightConnector1">
+                <a:avLst/>
+              </a:prstGeom>
+              <a:grpFill/>
+              <a:ln w="12700">
+                <a:solidFill>
+                  <a:schemeClr val="tx1"/>
+                </a:solidFill>
+                <a:tailEnd type="triangle"/>
+              </a:ln>
+            </p:spPr>
+            <p:style>
+              <a:lnRef idx="1">
+                <a:schemeClr val="accent1"/>
+              </a:lnRef>
+              <a:fillRef idx="0">
+                <a:schemeClr val="accent1"/>
+              </a:fillRef>
+              <a:effectRef idx="0">
+                <a:schemeClr val="accent1"/>
+              </a:effectRef>
+              <a:fontRef idx="minor">
+                <a:schemeClr val="tx1"/>
+              </a:fontRef>
+            </p:style>
+          </p:cxnSp>
+        </p:grpSp>
+        <p:grpSp>
+          <p:nvGrpSpPr>
+            <p:cNvPr id="37" name="グループ化 36">
+              <a:extLst>
+                <a:ext uri="{FF2B5EF4-FFF2-40B4-BE49-F238E27FC236}">
+                  <a16:creationId xmlns:a16="http://schemas.microsoft.com/office/drawing/2014/main" id="{C0533C53-6646-5F42-A401-E4C0A0D7ABA2}"/>
+                </a:ext>
+              </a:extLst>
+            </p:cNvPr>
+            <p:cNvGrpSpPr/>
+            <p:nvPr/>
+          </p:nvGrpSpPr>
+          <p:grpSpPr>
+            <a:xfrm>
+              <a:off x="4788024" y="5805264"/>
+              <a:ext cx="288032" cy="288032"/>
+              <a:chOff x="2987824" y="836712"/>
+              <a:chExt cx="288032" cy="288032"/>
+            </a:xfrm>
+            <a:solidFill>
+              <a:schemeClr val="accent5">
+                <a:lumMod val="20000"/>
+                <a:lumOff val="80000"/>
+              </a:schemeClr>
+            </a:solidFill>
+          </p:grpSpPr>
+          <p:sp>
+            <p:nvSpPr>
+              <p:cNvPr id="38" name="円/楕円 37">
+                <a:extLst>
+                  <a:ext uri="{FF2B5EF4-FFF2-40B4-BE49-F238E27FC236}">
+                    <a16:creationId xmlns:a16="http://schemas.microsoft.com/office/drawing/2014/main" id="{D71B9B72-8517-3843-A97E-2413DAAF0B5F}"/>
+                  </a:ext>
+                </a:extLst>
+              </p:cNvPr>
+              <p:cNvSpPr/>
+              <p:nvPr/>
+            </p:nvSpPr>
+            <p:spPr>
+              <a:xfrm>
+                <a:off x="2987824" y="836712"/>
+                <a:ext cx="288032" cy="288032"/>
+              </a:xfrm>
+              <a:prstGeom prst="ellipse">
+                <a:avLst/>
+              </a:prstGeom>
+              <a:grpFill/>
+              <a:ln>
+                <a:solidFill>
+                  <a:schemeClr val="tx1"/>
+                </a:solidFill>
+                <a:headEnd type="triangle" w="med" len="med"/>
+                <a:tailEnd type="none" w="med" len="med"/>
+              </a:ln>
+            </p:spPr>
+            <p:style>
+              <a:lnRef idx="2">
+                <a:schemeClr val="accent1">
+                  <a:shade val="50000"/>
+                </a:schemeClr>
+              </a:lnRef>
+              <a:fillRef idx="1">
+                <a:schemeClr val="accent1"/>
+              </a:fillRef>
+              <a:effectRef idx="0">
+                <a:schemeClr val="accent1"/>
+              </a:effectRef>
+              <a:fontRef idx="minor">
+                <a:schemeClr val="lt1"/>
+              </a:fontRef>
+            </p:style>
+            <p:txBody>
+              <a:bodyPr rtlCol="0" anchor="ctr"/>
+              <a:lstStyle/>
+              <a:p>
+                <a:pPr algn="ctr"/>
+                <a:endParaRPr kumimoji="1" lang="ja-JP" altLang="en-US"/>
+              </a:p>
+            </p:txBody>
+          </p:sp>
+          <p:cxnSp>
+            <p:nvCxnSpPr>
+              <p:cNvPr id="39" name="直線矢印コネクタ 38">
+                <a:extLst>
+                  <a:ext uri="{FF2B5EF4-FFF2-40B4-BE49-F238E27FC236}">
+                    <a16:creationId xmlns:a16="http://schemas.microsoft.com/office/drawing/2014/main" id="{AC2EB719-7CD4-8949-A5AF-A4D3EB5F4ECC}"/>
+                  </a:ext>
+                </a:extLst>
+              </p:cNvPr>
+              <p:cNvCxnSpPr>
+                <a:cxnSpLocks/>
+              </p:cNvCxnSpPr>
+              <p:nvPr/>
+            </p:nvCxnSpPr>
+            <p:spPr>
+              <a:xfrm flipV="1">
+                <a:off x="3131840" y="868797"/>
+                <a:ext cx="0" cy="216024"/>
+              </a:xfrm>
+              <a:prstGeom prst="straightConnector1">
+                <a:avLst/>
+              </a:prstGeom>
+              <a:grpFill/>
+              <a:ln w="12700">
+                <a:solidFill>
+                  <a:schemeClr val="tx1"/>
+                </a:solidFill>
+                <a:headEnd type="triangle" w="med" len="med"/>
+                <a:tailEnd type="none" w="med" len="med"/>
+              </a:ln>
+            </p:spPr>
+            <p:style>
+              <a:lnRef idx="1">
+                <a:schemeClr val="accent1"/>
+              </a:lnRef>
+              <a:fillRef idx="0">
+                <a:schemeClr val="accent1"/>
+              </a:fillRef>
+              <a:effectRef idx="0">
+                <a:schemeClr val="accent1"/>
+              </a:effectRef>
+              <a:fontRef idx="minor">
+                <a:schemeClr val="tx1"/>
+              </a:fontRef>
+            </p:style>
+          </p:cxnSp>
+        </p:grpSp>
+        <p:grpSp>
+          <p:nvGrpSpPr>
+            <p:cNvPr id="40" name="グループ化 39">
+              <a:extLst>
+                <a:ext uri="{FF2B5EF4-FFF2-40B4-BE49-F238E27FC236}">
+                  <a16:creationId xmlns:a16="http://schemas.microsoft.com/office/drawing/2014/main" id="{B6C59FAE-A6EA-AF49-ABC2-9AED3E01226D}"/>
+                </a:ext>
+              </a:extLst>
+            </p:cNvPr>
+            <p:cNvGrpSpPr/>
+            <p:nvPr/>
+          </p:nvGrpSpPr>
+          <p:grpSpPr>
+            <a:xfrm>
+              <a:off x="4067944" y="5805264"/>
+              <a:ext cx="288032" cy="288032"/>
+              <a:chOff x="2987824" y="836712"/>
+              <a:chExt cx="288032" cy="288032"/>
+            </a:xfrm>
+            <a:solidFill>
+              <a:schemeClr val="accent5">
+                <a:lumMod val="20000"/>
+                <a:lumOff val="80000"/>
+              </a:schemeClr>
+            </a:solidFill>
+          </p:grpSpPr>
+          <p:sp>
+            <p:nvSpPr>
+              <p:cNvPr id="41" name="円/楕円 40">
+                <a:extLst>
+                  <a:ext uri="{FF2B5EF4-FFF2-40B4-BE49-F238E27FC236}">
+                    <a16:creationId xmlns:a16="http://schemas.microsoft.com/office/drawing/2014/main" id="{FF341595-3000-9342-9FA7-41F33B8267DF}"/>
+                  </a:ext>
+                </a:extLst>
+              </p:cNvPr>
+              <p:cNvSpPr/>
+              <p:nvPr/>
+            </p:nvSpPr>
+            <p:spPr>
+              <a:xfrm>
+                <a:off x="2987824" y="836712"/>
+                <a:ext cx="288032" cy="288032"/>
+              </a:xfrm>
+              <a:prstGeom prst="ellipse">
+                <a:avLst/>
+              </a:prstGeom>
+              <a:grpFill/>
+              <a:ln>
+                <a:solidFill>
+                  <a:schemeClr val="tx1"/>
+                </a:solidFill>
+                <a:headEnd type="triangle" w="med" len="med"/>
+                <a:tailEnd type="none" w="med" len="med"/>
+              </a:ln>
+            </p:spPr>
+            <p:style>
+              <a:lnRef idx="2">
+                <a:schemeClr val="accent1">
+                  <a:shade val="50000"/>
+                </a:schemeClr>
+              </a:lnRef>
+              <a:fillRef idx="1">
+                <a:schemeClr val="accent1"/>
+              </a:fillRef>
+              <a:effectRef idx="0">
+                <a:schemeClr val="accent1"/>
+              </a:effectRef>
+              <a:fontRef idx="minor">
+                <a:schemeClr val="lt1"/>
+              </a:fontRef>
+            </p:style>
+            <p:txBody>
+              <a:bodyPr rtlCol="0" anchor="ctr"/>
+              <a:lstStyle/>
+              <a:p>
+                <a:pPr algn="ctr"/>
+                <a:endParaRPr kumimoji="1" lang="ja-JP" altLang="en-US"/>
+              </a:p>
+            </p:txBody>
+          </p:sp>
+          <p:cxnSp>
+            <p:nvCxnSpPr>
+              <p:cNvPr id="42" name="直線矢印コネクタ 41">
+                <a:extLst>
+                  <a:ext uri="{FF2B5EF4-FFF2-40B4-BE49-F238E27FC236}">
+                    <a16:creationId xmlns:a16="http://schemas.microsoft.com/office/drawing/2014/main" id="{8F68F24A-3545-3A4B-8612-6FF4F0ACC6AF}"/>
+                  </a:ext>
+                </a:extLst>
+              </p:cNvPr>
+              <p:cNvCxnSpPr>
+                <a:cxnSpLocks/>
+              </p:cNvCxnSpPr>
+              <p:nvPr/>
+            </p:nvCxnSpPr>
+            <p:spPr>
+              <a:xfrm flipV="1">
+                <a:off x="3131840" y="868797"/>
+                <a:ext cx="0" cy="216024"/>
+              </a:xfrm>
+              <a:prstGeom prst="straightConnector1">
+                <a:avLst/>
+              </a:prstGeom>
+              <a:grpFill/>
+              <a:ln w="12700">
+                <a:solidFill>
+                  <a:schemeClr val="tx1"/>
+                </a:solidFill>
+                <a:headEnd type="triangle" w="med" len="med"/>
+                <a:tailEnd type="none" w="med" len="med"/>
+              </a:ln>
+            </p:spPr>
+            <p:style>
+              <a:lnRef idx="1">
+                <a:schemeClr val="accent1"/>
+              </a:lnRef>
+              <a:fillRef idx="0">
+                <a:schemeClr val="accent1"/>
+              </a:fillRef>
+              <a:effectRef idx="0">
+                <a:schemeClr val="accent1"/>
+              </a:effectRef>
+              <a:fontRef idx="minor">
+                <a:schemeClr val="tx1"/>
+              </a:fontRef>
+            </p:style>
+          </p:cxnSp>
+        </p:grpSp>
+        <p:grpSp>
+          <p:nvGrpSpPr>
+            <p:cNvPr id="43" name="グループ化 42">
+              <a:extLst>
+                <a:ext uri="{FF2B5EF4-FFF2-40B4-BE49-F238E27FC236}">
+                  <a16:creationId xmlns:a16="http://schemas.microsoft.com/office/drawing/2014/main" id="{9EE3C3E1-ED90-F24F-8FD0-0DF0445F0B13}"/>
+                </a:ext>
+              </a:extLst>
+            </p:cNvPr>
+            <p:cNvGrpSpPr/>
+            <p:nvPr/>
+          </p:nvGrpSpPr>
+          <p:grpSpPr>
+            <a:xfrm>
+              <a:off x="3347864" y="5805264"/>
+              <a:ext cx="288032" cy="288032"/>
+              <a:chOff x="2987824" y="836712"/>
+              <a:chExt cx="288032" cy="288032"/>
+            </a:xfrm>
+            <a:solidFill>
+              <a:schemeClr val="accent2">
+                <a:lumMod val="20000"/>
+                <a:lumOff val="80000"/>
+              </a:schemeClr>
+            </a:solidFill>
+          </p:grpSpPr>
+          <p:sp>
+            <p:nvSpPr>
+              <p:cNvPr id="44" name="円/楕円 43">
+                <a:extLst>
+                  <a:ext uri="{FF2B5EF4-FFF2-40B4-BE49-F238E27FC236}">
+                    <a16:creationId xmlns:a16="http://schemas.microsoft.com/office/drawing/2014/main" id="{0D20BD75-20B6-9241-B1F6-CEDCBECD0FD2}"/>
+                  </a:ext>
+                </a:extLst>
+              </p:cNvPr>
+              <p:cNvSpPr/>
+              <p:nvPr/>
+            </p:nvSpPr>
+            <p:spPr>
+              <a:xfrm>
+                <a:off x="2987824" y="836712"/>
+                <a:ext cx="288032" cy="288032"/>
+              </a:xfrm>
+              <a:prstGeom prst="ellipse">
+                <a:avLst/>
+              </a:prstGeom>
+              <a:grpFill/>
+              <a:ln>
+                <a:solidFill>
+                  <a:schemeClr val="tx1"/>
+                </a:solidFill>
+              </a:ln>
+            </p:spPr>
+            <p:style>
+              <a:lnRef idx="2">
+                <a:schemeClr val="accent1">
+                  <a:shade val="50000"/>
+                </a:schemeClr>
+              </a:lnRef>
+              <a:fillRef idx="1">
+                <a:schemeClr val="accent1"/>
+              </a:fillRef>
+              <a:effectRef idx="0">
+                <a:schemeClr val="accent1"/>
+              </a:effectRef>
+              <a:fontRef idx="minor">
+                <a:schemeClr val="lt1"/>
+              </a:fontRef>
+            </p:style>
+            <p:txBody>
+              <a:bodyPr rtlCol="0" anchor="ctr"/>
+              <a:lstStyle/>
+              <a:p>
+                <a:pPr algn="ctr"/>
+                <a:endParaRPr kumimoji="1" lang="ja-JP" altLang="en-US"/>
+              </a:p>
+            </p:txBody>
+          </p:sp>
+          <p:cxnSp>
+            <p:nvCxnSpPr>
+              <p:cNvPr id="45" name="直線矢印コネクタ 44">
+                <a:extLst>
+                  <a:ext uri="{FF2B5EF4-FFF2-40B4-BE49-F238E27FC236}">
+                    <a16:creationId xmlns:a16="http://schemas.microsoft.com/office/drawing/2014/main" id="{902D963E-30B3-4047-B50C-182C38F7C94A}"/>
+                  </a:ext>
+                </a:extLst>
+              </p:cNvPr>
+              <p:cNvCxnSpPr>
+                <a:cxnSpLocks/>
+              </p:cNvCxnSpPr>
+              <p:nvPr/>
+            </p:nvCxnSpPr>
+            <p:spPr>
+              <a:xfrm flipV="1">
+                <a:off x="3131840" y="868797"/>
+                <a:ext cx="0" cy="216024"/>
+              </a:xfrm>
+              <a:prstGeom prst="straightConnector1">
+                <a:avLst/>
+              </a:prstGeom>
+              <a:grpFill/>
+              <a:ln w="12700">
+                <a:solidFill>
+                  <a:schemeClr val="tx1"/>
+                </a:solidFill>
+                <a:tailEnd type="triangle"/>
+              </a:ln>
+            </p:spPr>
+            <p:style>
+              <a:lnRef idx="1">
+                <a:schemeClr val="accent1"/>
+              </a:lnRef>
+              <a:fillRef idx="0">
+                <a:schemeClr val="accent1"/>
+              </a:fillRef>
+              <a:effectRef idx="0">
+                <a:schemeClr val="accent1"/>
+              </a:effectRef>
+              <a:fontRef idx="minor">
+                <a:schemeClr val="tx1"/>
+              </a:fontRef>
+            </p:style>
+          </p:cxnSp>
+        </p:grpSp>
+      </p:grpSp>
+      <p:grpSp>
+        <p:nvGrpSpPr>
+          <p:cNvPr id="143" name="グループ化 142">
+            <a:extLst>
+              <a:ext uri="{FF2B5EF4-FFF2-40B4-BE49-F238E27FC236}">
+                <a16:creationId xmlns:a16="http://schemas.microsoft.com/office/drawing/2014/main" id="{F52AFECF-1F67-1845-9B95-9D969E8A1D02}"/>
+              </a:ext>
+            </a:extLst>
+          </p:cNvPr>
+          <p:cNvGrpSpPr/>
+          <p:nvPr/>
+        </p:nvGrpSpPr>
+        <p:grpSpPr>
+          <a:xfrm>
+            <a:off x="3707904" y="1196752"/>
+            <a:ext cx="1296144" cy="1296144"/>
+            <a:chOff x="1115616" y="4365104"/>
+            <a:chExt cx="1728192" cy="1728192"/>
+          </a:xfrm>
+        </p:grpSpPr>
+        <p:sp>
+          <p:nvSpPr>
+            <p:cNvPr id="46" name="正方形/長方形 45">
+              <a:extLst>
+                <a:ext uri="{FF2B5EF4-FFF2-40B4-BE49-F238E27FC236}">
+                  <a16:creationId xmlns:a16="http://schemas.microsoft.com/office/drawing/2014/main" id="{51D4E455-9F59-3E4D-9F93-563B6D61BAEC}"/>
+                </a:ext>
+              </a:extLst>
+            </p:cNvPr>
+            <p:cNvSpPr/>
+            <p:nvPr/>
+          </p:nvSpPr>
+          <p:spPr>
+            <a:xfrm>
+              <a:off x="1259632" y="4509120"/>
+              <a:ext cx="720080" cy="720080"/>
+            </a:xfrm>
+            <a:prstGeom prst="rect">
+              <a:avLst/>
+            </a:prstGeom>
+            <a:noFill/>
+            <a:ln>
+              <a:solidFill>
+                <a:schemeClr val="tx1"/>
+              </a:solidFill>
+              <a:headEnd type="none" w="med" len="med"/>
+              <a:tailEnd type="triangle" w="med" len="med"/>
+            </a:ln>
+          </p:spPr>
+          <p:style>
+            <a:lnRef idx="2">
+              <a:schemeClr val="accent1">
+                <a:shade val="50000"/>
+              </a:schemeClr>
+            </a:lnRef>
+            <a:fillRef idx="1">
+              <a:schemeClr val="accent1"/>
+            </a:fillRef>
+            <a:effectRef idx="0">
+              <a:schemeClr val="accent1"/>
+            </a:effectRef>
+            <a:fontRef idx="minor">
+              <a:schemeClr val="lt1"/>
+            </a:fontRef>
+          </p:style>
+          <p:txBody>
+            <a:bodyPr rtlCol="0" anchor="ctr"/>
+            <a:lstStyle/>
+            <a:p>
+              <a:pPr algn="ctr"/>
+              <a:endParaRPr kumimoji="1" lang="ja-JP" altLang="en-US"/>
+            </a:p>
+          </p:txBody>
+        </p:sp>
+        <p:sp>
+          <p:nvSpPr>
+            <p:cNvPr id="47" name="正方形/長方形 46">
+              <a:extLst>
+                <a:ext uri="{FF2B5EF4-FFF2-40B4-BE49-F238E27FC236}">
+                  <a16:creationId xmlns:a16="http://schemas.microsoft.com/office/drawing/2014/main" id="{71883A88-069B-FA4B-86DC-E8EB08F26F55}"/>
+                </a:ext>
+              </a:extLst>
+            </p:cNvPr>
+            <p:cNvSpPr/>
+            <p:nvPr/>
+          </p:nvSpPr>
+          <p:spPr>
+            <a:xfrm>
+              <a:off x="1259632" y="5229200"/>
+              <a:ext cx="720080" cy="720080"/>
+            </a:xfrm>
+            <a:prstGeom prst="rect">
+              <a:avLst/>
+            </a:prstGeom>
+            <a:noFill/>
+            <a:ln>
+              <a:solidFill>
+                <a:schemeClr val="tx1"/>
+              </a:solidFill>
+              <a:headEnd type="none" w="med" len="med"/>
+              <a:tailEnd type="triangle" w="med" len="med"/>
+            </a:ln>
+          </p:spPr>
+          <p:style>
+            <a:lnRef idx="2">
+              <a:schemeClr val="accent1">
+                <a:shade val="50000"/>
+              </a:schemeClr>
+            </a:lnRef>
+            <a:fillRef idx="1">
+              <a:schemeClr val="accent1"/>
+            </a:fillRef>
+            <a:effectRef idx="0">
+              <a:schemeClr val="accent1"/>
+            </a:effectRef>
+            <a:fontRef idx="minor">
+              <a:schemeClr val="lt1"/>
+            </a:fontRef>
+          </p:style>
+          <p:txBody>
+            <a:bodyPr rtlCol="0" anchor="ctr"/>
+            <a:lstStyle/>
+            <a:p>
+              <a:pPr algn="ctr"/>
+              <a:endParaRPr kumimoji="1" lang="ja-JP" altLang="en-US"/>
+            </a:p>
+          </p:txBody>
+        </p:sp>
+        <p:sp>
+          <p:nvSpPr>
+            <p:cNvPr id="48" name="正方形/長方形 47">
+              <a:extLst>
+                <a:ext uri="{FF2B5EF4-FFF2-40B4-BE49-F238E27FC236}">
+                  <a16:creationId xmlns:a16="http://schemas.microsoft.com/office/drawing/2014/main" id="{72B0FDD0-9550-1345-8597-A2AA8E25B10D}"/>
+                </a:ext>
+              </a:extLst>
+            </p:cNvPr>
+            <p:cNvSpPr/>
+            <p:nvPr/>
+          </p:nvSpPr>
+          <p:spPr>
+            <a:xfrm>
+              <a:off x="1979712" y="4509120"/>
+              <a:ext cx="720080" cy="720080"/>
+            </a:xfrm>
+            <a:prstGeom prst="rect">
+              <a:avLst/>
+            </a:prstGeom>
+            <a:noFill/>
+            <a:ln>
+              <a:solidFill>
+                <a:schemeClr val="tx1"/>
+              </a:solidFill>
+              <a:headEnd type="none" w="med" len="med"/>
+              <a:tailEnd type="triangle" w="med" len="med"/>
+            </a:ln>
+          </p:spPr>
+          <p:style>
+            <a:lnRef idx="2">
+              <a:schemeClr val="accent1">
+                <a:shade val="50000"/>
+              </a:schemeClr>
+            </a:lnRef>
+            <a:fillRef idx="1">
+              <a:schemeClr val="accent1"/>
+            </a:fillRef>
+            <a:effectRef idx="0">
+              <a:schemeClr val="accent1"/>
+            </a:effectRef>
+            <a:fontRef idx="minor">
+              <a:schemeClr val="lt1"/>
+            </a:fontRef>
+          </p:style>
+          <p:txBody>
+            <a:bodyPr rtlCol="0" anchor="ctr"/>
+            <a:lstStyle/>
+            <a:p>
+              <a:pPr algn="ctr"/>
+              <a:endParaRPr kumimoji="1" lang="ja-JP" altLang="en-US"/>
+            </a:p>
+          </p:txBody>
+        </p:sp>
+        <p:sp>
+          <p:nvSpPr>
+            <p:cNvPr id="49" name="正方形/長方形 48">
+              <a:extLst>
+                <a:ext uri="{FF2B5EF4-FFF2-40B4-BE49-F238E27FC236}">
+                  <a16:creationId xmlns:a16="http://schemas.microsoft.com/office/drawing/2014/main" id="{E2A62ACB-DD1E-C344-8B20-B473B79DBC4B}"/>
+                </a:ext>
+              </a:extLst>
+            </p:cNvPr>
+            <p:cNvSpPr/>
+            <p:nvPr/>
+          </p:nvSpPr>
+          <p:spPr>
+            <a:xfrm>
+              <a:off x="1979712" y="5229200"/>
+              <a:ext cx="720080" cy="720080"/>
+            </a:xfrm>
+            <a:prstGeom prst="rect">
+              <a:avLst/>
+            </a:prstGeom>
+            <a:noFill/>
+            <a:ln>
+              <a:solidFill>
+                <a:schemeClr val="tx1"/>
+              </a:solidFill>
+              <a:headEnd type="none" w="med" len="med"/>
+              <a:tailEnd type="triangle" w="med" len="med"/>
+            </a:ln>
+          </p:spPr>
+          <p:style>
+            <a:lnRef idx="2">
+              <a:schemeClr val="accent1">
+                <a:shade val="50000"/>
+              </a:schemeClr>
+            </a:lnRef>
+            <a:fillRef idx="1">
+              <a:schemeClr val="accent1"/>
+            </a:fillRef>
+            <a:effectRef idx="0">
+              <a:schemeClr val="accent1"/>
+            </a:effectRef>
+            <a:fontRef idx="minor">
+              <a:schemeClr val="lt1"/>
+            </a:fontRef>
+          </p:style>
+          <p:txBody>
+            <a:bodyPr rtlCol="0" anchor="ctr"/>
+            <a:lstStyle/>
+            <a:p>
+              <a:pPr algn="ctr"/>
+              <a:endParaRPr kumimoji="1" lang="ja-JP" altLang="en-US"/>
+            </a:p>
+          </p:txBody>
+        </p:sp>
+        <p:grpSp>
+          <p:nvGrpSpPr>
+            <p:cNvPr id="50" name="グループ化 49">
+              <a:extLst>
+                <a:ext uri="{FF2B5EF4-FFF2-40B4-BE49-F238E27FC236}">
+                  <a16:creationId xmlns:a16="http://schemas.microsoft.com/office/drawing/2014/main" id="{E56207DB-5553-B24C-AE0A-28761A8EEBBC}"/>
+                </a:ext>
+              </a:extLst>
+            </p:cNvPr>
+            <p:cNvGrpSpPr/>
+            <p:nvPr/>
+          </p:nvGrpSpPr>
+          <p:grpSpPr>
+            <a:xfrm>
+              <a:off x="2555776" y="4365104"/>
+              <a:ext cx="288032" cy="288032"/>
+              <a:chOff x="2987824" y="836712"/>
+              <a:chExt cx="288032" cy="288032"/>
+            </a:xfrm>
+            <a:solidFill>
+              <a:schemeClr val="accent5">
+                <a:lumMod val="20000"/>
+                <a:lumOff val="80000"/>
+              </a:schemeClr>
+            </a:solidFill>
+          </p:grpSpPr>
+          <p:sp>
+            <p:nvSpPr>
+              <p:cNvPr id="51" name="円/楕円 50">
+                <a:extLst>
+                  <a:ext uri="{FF2B5EF4-FFF2-40B4-BE49-F238E27FC236}">
+                    <a16:creationId xmlns:a16="http://schemas.microsoft.com/office/drawing/2014/main" id="{5B86AE04-5D30-4B43-8C10-C9294871CDD8}"/>
+                  </a:ext>
+                </a:extLst>
+              </p:cNvPr>
+              <p:cNvSpPr/>
+              <p:nvPr/>
+            </p:nvSpPr>
+            <p:spPr>
+              <a:xfrm>
+                <a:off x="2987824" y="836712"/>
+                <a:ext cx="288032" cy="288032"/>
+              </a:xfrm>
+              <a:prstGeom prst="ellipse">
+                <a:avLst/>
+              </a:prstGeom>
+              <a:grpFill/>
+              <a:ln>
+                <a:solidFill>
+                  <a:schemeClr val="tx1"/>
+                </a:solidFill>
+                <a:headEnd type="none" w="med" len="med"/>
+                <a:tailEnd type="triangle" w="med" len="med"/>
+              </a:ln>
+            </p:spPr>
+            <p:style>
+              <a:lnRef idx="2">
+                <a:schemeClr val="accent1">
+                  <a:shade val="50000"/>
+                </a:schemeClr>
+              </a:lnRef>
+              <a:fillRef idx="1">
+                <a:schemeClr val="accent1"/>
+              </a:fillRef>
+              <a:effectRef idx="0">
+                <a:schemeClr val="accent1"/>
+              </a:effectRef>
+              <a:fontRef idx="minor">
+                <a:schemeClr val="lt1"/>
+              </a:fontRef>
+            </p:style>
+            <p:txBody>
+              <a:bodyPr rtlCol="0" anchor="ctr"/>
+              <a:lstStyle/>
+              <a:p>
+                <a:pPr algn="ctr"/>
+                <a:endParaRPr kumimoji="1" lang="ja-JP" altLang="en-US"/>
+              </a:p>
+            </p:txBody>
+          </p:sp>
+          <p:cxnSp>
+            <p:nvCxnSpPr>
+              <p:cNvPr id="52" name="直線矢印コネクタ 51">
+                <a:extLst>
+                  <a:ext uri="{FF2B5EF4-FFF2-40B4-BE49-F238E27FC236}">
+                    <a16:creationId xmlns:a16="http://schemas.microsoft.com/office/drawing/2014/main" id="{83E450CD-6A18-4449-9B27-33D453F0FCA1}"/>
+                  </a:ext>
+                </a:extLst>
+              </p:cNvPr>
+              <p:cNvCxnSpPr>
+                <a:cxnSpLocks/>
+              </p:cNvCxnSpPr>
+              <p:nvPr/>
+            </p:nvCxnSpPr>
+            <p:spPr>
+              <a:xfrm flipV="1">
+                <a:off x="3131840" y="868797"/>
+                <a:ext cx="0" cy="216024"/>
+              </a:xfrm>
+              <a:prstGeom prst="straightConnector1">
+                <a:avLst/>
+              </a:prstGeom>
+              <a:grpFill/>
+              <a:ln w="12700">
+                <a:solidFill>
+                  <a:schemeClr val="tx1"/>
+                </a:solidFill>
+                <a:headEnd type="none" w="med" len="med"/>
+                <a:tailEnd type="triangle" w="med" len="med"/>
+              </a:ln>
+            </p:spPr>
+            <p:style>
+              <a:lnRef idx="1">
+                <a:schemeClr val="accent1"/>
+              </a:lnRef>
+              <a:fillRef idx="0">
+                <a:schemeClr val="accent1"/>
+              </a:fillRef>
+              <a:effectRef idx="0">
+                <a:schemeClr val="accent1"/>
+              </a:effectRef>
+              <a:fontRef idx="minor">
+                <a:schemeClr val="tx1"/>
+              </a:fontRef>
+            </p:style>
+          </p:cxnSp>
+        </p:grpSp>
+        <p:grpSp>
+          <p:nvGrpSpPr>
+            <p:cNvPr id="53" name="グループ化 52">
+              <a:extLst>
+                <a:ext uri="{FF2B5EF4-FFF2-40B4-BE49-F238E27FC236}">
+                  <a16:creationId xmlns:a16="http://schemas.microsoft.com/office/drawing/2014/main" id="{64C51B4D-0E01-7C49-B04D-95FFE4776CD3}"/>
+                </a:ext>
+              </a:extLst>
+            </p:cNvPr>
+            <p:cNvGrpSpPr/>
+            <p:nvPr/>
+          </p:nvGrpSpPr>
+          <p:grpSpPr>
+            <a:xfrm>
+              <a:off x="1835696" y="4365104"/>
+              <a:ext cx="288032" cy="288032"/>
+              <a:chOff x="2987824" y="836712"/>
+              <a:chExt cx="288032" cy="288032"/>
+            </a:xfrm>
+            <a:solidFill>
+              <a:schemeClr val="accent2">
+                <a:lumMod val="20000"/>
+                <a:lumOff val="80000"/>
+              </a:schemeClr>
+            </a:solidFill>
+          </p:grpSpPr>
+          <p:sp>
+            <p:nvSpPr>
+              <p:cNvPr id="54" name="円/楕円 53">
+                <a:extLst>
+                  <a:ext uri="{FF2B5EF4-FFF2-40B4-BE49-F238E27FC236}">
+                    <a16:creationId xmlns:a16="http://schemas.microsoft.com/office/drawing/2014/main" id="{89ECD531-AFEE-2C47-A9E8-C6220CCA0BCF}"/>
+                  </a:ext>
+                </a:extLst>
+              </p:cNvPr>
+              <p:cNvSpPr/>
+              <p:nvPr/>
+            </p:nvSpPr>
+            <p:spPr>
+              <a:xfrm>
+                <a:off x="2987824" y="836712"/>
+                <a:ext cx="288032" cy="288032"/>
+              </a:xfrm>
+              <a:prstGeom prst="ellipse">
+                <a:avLst/>
+              </a:prstGeom>
+              <a:grpFill/>
+              <a:ln>
+                <a:solidFill>
+                  <a:schemeClr val="tx1"/>
+                </a:solidFill>
+                <a:headEnd type="none" w="med" len="med"/>
+                <a:tailEnd type="triangle" w="med" len="med"/>
+              </a:ln>
+            </p:spPr>
+            <p:style>
+              <a:lnRef idx="2">
+                <a:schemeClr val="accent1">
+                  <a:shade val="50000"/>
+                </a:schemeClr>
+              </a:lnRef>
+              <a:fillRef idx="1">
+                <a:schemeClr val="accent1"/>
+              </a:fillRef>
+              <a:effectRef idx="0">
+                <a:schemeClr val="accent1"/>
+              </a:effectRef>
+              <a:fontRef idx="minor">
+                <a:schemeClr val="lt1"/>
+              </a:fontRef>
+            </p:style>
+            <p:txBody>
+              <a:bodyPr rtlCol="0" anchor="ctr"/>
+              <a:lstStyle/>
+              <a:p>
+                <a:pPr algn="ctr"/>
+                <a:endParaRPr kumimoji="1" lang="ja-JP" altLang="en-US"/>
+              </a:p>
+            </p:txBody>
+          </p:sp>
+          <p:cxnSp>
+            <p:nvCxnSpPr>
+              <p:cNvPr id="55" name="直線矢印コネクタ 54">
+                <a:extLst>
+                  <a:ext uri="{FF2B5EF4-FFF2-40B4-BE49-F238E27FC236}">
+                    <a16:creationId xmlns:a16="http://schemas.microsoft.com/office/drawing/2014/main" id="{F103D5EC-5BB3-594A-A7F8-9506BCAEF97F}"/>
+                  </a:ext>
+                </a:extLst>
+              </p:cNvPr>
+              <p:cNvCxnSpPr>
+                <a:cxnSpLocks/>
+              </p:cNvCxnSpPr>
+              <p:nvPr/>
+            </p:nvCxnSpPr>
+            <p:spPr>
+              <a:xfrm flipV="1">
+                <a:off x="3131840" y="868797"/>
+                <a:ext cx="0" cy="216024"/>
+              </a:xfrm>
+              <a:prstGeom prst="straightConnector1">
+                <a:avLst/>
+              </a:prstGeom>
+              <a:grpFill/>
+              <a:ln w="12700">
+                <a:solidFill>
+                  <a:schemeClr val="tx1"/>
+                </a:solidFill>
+                <a:headEnd type="none" w="med" len="med"/>
+                <a:tailEnd type="triangle" w="med" len="med"/>
+              </a:ln>
+            </p:spPr>
+            <p:style>
+              <a:lnRef idx="1">
+                <a:schemeClr val="accent1"/>
+              </a:lnRef>
+              <a:fillRef idx="0">
+                <a:schemeClr val="accent1"/>
+              </a:fillRef>
+              <a:effectRef idx="0">
+                <a:schemeClr val="accent1"/>
+              </a:effectRef>
+              <a:fontRef idx="minor">
+                <a:schemeClr val="tx1"/>
+              </a:fontRef>
+            </p:style>
+          </p:cxnSp>
+        </p:grpSp>
+        <p:grpSp>
+          <p:nvGrpSpPr>
+            <p:cNvPr id="56" name="グループ化 55">
+              <a:extLst>
+                <a:ext uri="{FF2B5EF4-FFF2-40B4-BE49-F238E27FC236}">
+                  <a16:creationId xmlns:a16="http://schemas.microsoft.com/office/drawing/2014/main" id="{61E895C6-CE50-1F4F-B97E-C4AD6A0B51EE}"/>
+                </a:ext>
+              </a:extLst>
+            </p:cNvPr>
+            <p:cNvGrpSpPr/>
+            <p:nvPr/>
+          </p:nvGrpSpPr>
+          <p:grpSpPr>
+            <a:xfrm>
+              <a:off x="1115616" y="4365104"/>
+              <a:ext cx="288032" cy="288032"/>
+              <a:chOff x="2987824" y="836712"/>
+              <a:chExt cx="288032" cy="288032"/>
+            </a:xfrm>
+            <a:solidFill>
+              <a:schemeClr val="accent2">
+                <a:lumMod val="20000"/>
+                <a:lumOff val="80000"/>
+              </a:schemeClr>
+            </a:solidFill>
+          </p:grpSpPr>
+          <p:sp>
+            <p:nvSpPr>
+              <p:cNvPr id="57" name="円/楕円 56">
+                <a:extLst>
+                  <a:ext uri="{FF2B5EF4-FFF2-40B4-BE49-F238E27FC236}">
+                    <a16:creationId xmlns:a16="http://schemas.microsoft.com/office/drawing/2014/main" id="{7F753885-C7C8-4148-8D3B-247551493285}"/>
+                  </a:ext>
+                </a:extLst>
+              </p:cNvPr>
+              <p:cNvSpPr/>
+              <p:nvPr/>
+            </p:nvSpPr>
+            <p:spPr>
+              <a:xfrm>
+                <a:off x="2987824" y="836712"/>
+                <a:ext cx="288032" cy="288032"/>
+              </a:xfrm>
+              <a:prstGeom prst="ellipse">
+                <a:avLst/>
+              </a:prstGeom>
+              <a:grpFill/>
+              <a:ln>
+                <a:solidFill>
+                  <a:schemeClr val="tx1"/>
+                </a:solidFill>
+                <a:headEnd type="none" w="med" len="med"/>
+                <a:tailEnd type="triangle" w="med" len="med"/>
+              </a:ln>
+            </p:spPr>
+            <p:style>
+              <a:lnRef idx="2">
+                <a:schemeClr val="accent1">
+                  <a:shade val="50000"/>
+                </a:schemeClr>
+              </a:lnRef>
+              <a:fillRef idx="1">
+                <a:schemeClr val="accent1"/>
+              </a:fillRef>
+              <a:effectRef idx="0">
+                <a:schemeClr val="accent1"/>
+              </a:effectRef>
+              <a:fontRef idx="minor">
+                <a:schemeClr val="lt1"/>
+              </a:fontRef>
+            </p:style>
+            <p:txBody>
+              <a:bodyPr rtlCol="0" anchor="ctr"/>
+              <a:lstStyle/>
+              <a:p>
+                <a:pPr algn="ctr"/>
+                <a:endParaRPr kumimoji="1" lang="ja-JP" altLang="en-US"/>
+              </a:p>
+            </p:txBody>
+          </p:sp>
+          <p:cxnSp>
+            <p:nvCxnSpPr>
+              <p:cNvPr id="58" name="直線矢印コネクタ 57">
+                <a:extLst>
+                  <a:ext uri="{FF2B5EF4-FFF2-40B4-BE49-F238E27FC236}">
+                    <a16:creationId xmlns:a16="http://schemas.microsoft.com/office/drawing/2014/main" id="{8046F8DE-D0A1-C84E-AB69-3A2C4A8FD914}"/>
+                  </a:ext>
+                </a:extLst>
+              </p:cNvPr>
+              <p:cNvCxnSpPr>
+                <a:cxnSpLocks/>
+              </p:cNvCxnSpPr>
+              <p:nvPr/>
+            </p:nvCxnSpPr>
+            <p:spPr>
+              <a:xfrm flipV="1">
+                <a:off x="3131840" y="868797"/>
+                <a:ext cx="0" cy="216024"/>
+              </a:xfrm>
+              <a:prstGeom prst="straightConnector1">
+                <a:avLst/>
+              </a:prstGeom>
+              <a:grpFill/>
+              <a:ln w="12700">
+                <a:solidFill>
+                  <a:schemeClr val="tx1"/>
+                </a:solidFill>
+                <a:headEnd type="none" w="med" len="med"/>
+                <a:tailEnd type="triangle" w="med" len="med"/>
+              </a:ln>
+            </p:spPr>
+            <p:style>
+              <a:lnRef idx="1">
+                <a:schemeClr val="accent1"/>
+              </a:lnRef>
+              <a:fillRef idx="0">
+                <a:schemeClr val="accent1"/>
+              </a:fillRef>
+              <a:effectRef idx="0">
+                <a:schemeClr val="accent1"/>
+              </a:effectRef>
+              <a:fontRef idx="minor">
+                <a:schemeClr val="tx1"/>
+              </a:fontRef>
+            </p:style>
+          </p:cxnSp>
+        </p:grpSp>
+        <p:grpSp>
+          <p:nvGrpSpPr>
+            <p:cNvPr id="59" name="グループ化 58">
+              <a:extLst>
+                <a:ext uri="{FF2B5EF4-FFF2-40B4-BE49-F238E27FC236}">
+                  <a16:creationId xmlns:a16="http://schemas.microsoft.com/office/drawing/2014/main" id="{3B6CAF3E-D6E4-F941-BB47-E519D79DFC20}"/>
+                </a:ext>
+              </a:extLst>
+            </p:cNvPr>
+            <p:cNvGrpSpPr/>
+            <p:nvPr/>
+          </p:nvGrpSpPr>
+          <p:grpSpPr>
+            <a:xfrm>
+              <a:off x="2555776" y="5085184"/>
+              <a:ext cx="288032" cy="288032"/>
+              <a:chOff x="2987824" y="836712"/>
+              <a:chExt cx="288032" cy="288032"/>
+            </a:xfrm>
+            <a:solidFill>
+              <a:schemeClr val="accent5">
+                <a:lumMod val="20000"/>
+                <a:lumOff val="80000"/>
+              </a:schemeClr>
+            </a:solidFill>
+          </p:grpSpPr>
+          <p:sp>
+            <p:nvSpPr>
+              <p:cNvPr id="60" name="円/楕円 59">
+                <a:extLst>
+                  <a:ext uri="{FF2B5EF4-FFF2-40B4-BE49-F238E27FC236}">
+                    <a16:creationId xmlns:a16="http://schemas.microsoft.com/office/drawing/2014/main" id="{2F294AD1-449C-354E-9AF3-7D6440BEA7A2}"/>
+                  </a:ext>
+                </a:extLst>
+              </p:cNvPr>
+              <p:cNvSpPr/>
+              <p:nvPr/>
+            </p:nvSpPr>
+            <p:spPr>
+              <a:xfrm>
+                <a:off x="2987824" y="836712"/>
+                <a:ext cx="288032" cy="288032"/>
+              </a:xfrm>
+              <a:prstGeom prst="ellipse">
+                <a:avLst/>
+              </a:prstGeom>
+              <a:grpFill/>
+              <a:ln>
+                <a:solidFill>
+                  <a:schemeClr val="tx1"/>
+                </a:solidFill>
+                <a:headEnd type="none" w="med" len="med"/>
+                <a:tailEnd type="triangle" w="med" len="med"/>
+              </a:ln>
+            </p:spPr>
+            <p:style>
+              <a:lnRef idx="2">
+                <a:schemeClr val="accent1">
+                  <a:shade val="50000"/>
+                </a:schemeClr>
+              </a:lnRef>
+              <a:fillRef idx="1">
+                <a:schemeClr val="accent1"/>
+              </a:fillRef>
+              <a:effectRef idx="0">
+                <a:schemeClr val="accent1"/>
+              </a:effectRef>
+              <a:fontRef idx="minor">
+                <a:schemeClr val="lt1"/>
+              </a:fontRef>
+            </p:style>
+            <p:txBody>
+              <a:bodyPr rtlCol="0" anchor="ctr"/>
+              <a:lstStyle/>
+              <a:p>
+                <a:pPr algn="ctr"/>
+                <a:endParaRPr kumimoji="1" lang="ja-JP" altLang="en-US"/>
+              </a:p>
+            </p:txBody>
+          </p:sp>
+          <p:cxnSp>
+            <p:nvCxnSpPr>
+              <p:cNvPr id="61" name="直線矢印コネクタ 60">
+                <a:extLst>
+                  <a:ext uri="{FF2B5EF4-FFF2-40B4-BE49-F238E27FC236}">
+                    <a16:creationId xmlns:a16="http://schemas.microsoft.com/office/drawing/2014/main" id="{52A60395-D18A-5947-BD02-9CC9ED9B8130}"/>
+                  </a:ext>
+                </a:extLst>
+              </p:cNvPr>
+              <p:cNvCxnSpPr>
+                <a:cxnSpLocks/>
+              </p:cNvCxnSpPr>
+              <p:nvPr/>
+            </p:nvCxnSpPr>
+            <p:spPr>
+              <a:xfrm flipV="1">
+                <a:off x="3131840" y="868797"/>
+                <a:ext cx="0" cy="216024"/>
+              </a:xfrm>
+              <a:prstGeom prst="straightConnector1">
+                <a:avLst/>
+              </a:prstGeom>
+              <a:grpFill/>
+              <a:ln w="12700">
+                <a:solidFill>
+                  <a:schemeClr val="tx1"/>
+                </a:solidFill>
+                <a:headEnd type="none" w="med" len="med"/>
+                <a:tailEnd type="triangle" w="med" len="med"/>
+              </a:ln>
+            </p:spPr>
+            <p:style>
+              <a:lnRef idx="1">
+                <a:schemeClr val="accent1"/>
+              </a:lnRef>
+              <a:fillRef idx="0">
+                <a:schemeClr val="accent1"/>
+              </a:fillRef>
+              <a:effectRef idx="0">
+                <a:schemeClr val="accent1"/>
+              </a:effectRef>
+              <a:fontRef idx="minor">
+                <a:schemeClr val="tx1"/>
+              </a:fontRef>
+            </p:style>
+          </p:cxnSp>
+        </p:grpSp>
+        <p:grpSp>
+          <p:nvGrpSpPr>
+            <p:cNvPr id="62" name="グループ化 61">
+              <a:extLst>
+                <a:ext uri="{FF2B5EF4-FFF2-40B4-BE49-F238E27FC236}">
+                  <a16:creationId xmlns:a16="http://schemas.microsoft.com/office/drawing/2014/main" id="{499FB64E-D516-D147-9AC2-76242C35AAD2}"/>
+                </a:ext>
+              </a:extLst>
+            </p:cNvPr>
+            <p:cNvGrpSpPr/>
+            <p:nvPr/>
+          </p:nvGrpSpPr>
+          <p:grpSpPr>
+            <a:xfrm>
+              <a:off x="1835696" y="5085184"/>
+              <a:ext cx="288032" cy="288032"/>
+              <a:chOff x="2987824" y="836712"/>
+              <a:chExt cx="288032" cy="288032"/>
+            </a:xfrm>
+            <a:solidFill>
+              <a:schemeClr val="accent2">
+                <a:lumMod val="20000"/>
+                <a:lumOff val="80000"/>
+              </a:schemeClr>
+            </a:solidFill>
+          </p:grpSpPr>
+          <p:sp>
+            <p:nvSpPr>
+              <p:cNvPr id="63" name="円/楕円 62">
+                <a:extLst>
+                  <a:ext uri="{FF2B5EF4-FFF2-40B4-BE49-F238E27FC236}">
+                    <a16:creationId xmlns:a16="http://schemas.microsoft.com/office/drawing/2014/main" id="{81072603-2EAA-CD45-AC97-93BEECD34BFC}"/>
+                  </a:ext>
+                </a:extLst>
+              </p:cNvPr>
+              <p:cNvSpPr/>
+              <p:nvPr/>
+            </p:nvSpPr>
+            <p:spPr>
+              <a:xfrm>
+                <a:off x="2987824" y="836712"/>
+                <a:ext cx="288032" cy="288032"/>
+              </a:xfrm>
+              <a:prstGeom prst="ellipse">
+                <a:avLst/>
+              </a:prstGeom>
+              <a:grpFill/>
+              <a:ln>
+                <a:solidFill>
+                  <a:schemeClr val="tx1"/>
+                </a:solidFill>
+                <a:headEnd type="none" w="med" len="med"/>
+                <a:tailEnd type="triangle" w="med" len="med"/>
+              </a:ln>
+            </p:spPr>
+            <p:style>
+              <a:lnRef idx="2">
+                <a:schemeClr val="accent1">
+                  <a:shade val="50000"/>
+                </a:schemeClr>
+              </a:lnRef>
+              <a:fillRef idx="1">
+                <a:schemeClr val="accent1"/>
+              </a:fillRef>
+              <a:effectRef idx="0">
+                <a:schemeClr val="accent1"/>
+              </a:effectRef>
+              <a:fontRef idx="minor">
+                <a:schemeClr val="lt1"/>
+              </a:fontRef>
+            </p:style>
+            <p:txBody>
+              <a:bodyPr rtlCol="0" anchor="ctr"/>
+              <a:lstStyle/>
+              <a:p>
+                <a:pPr algn="ctr"/>
+                <a:endParaRPr kumimoji="1" lang="ja-JP" altLang="en-US"/>
+              </a:p>
+            </p:txBody>
+          </p:sp>
+          <p:cxnSp>
+            <p:nvCxnSpPr>
+              <p:cNvPr id="64" name="直線矢印コネクタ 63">
+                <a:extLst>
+                  <a:ext uri="{FF2B5EF4-FFF2-40B4-BE49-F238E27FC236}">
+                    <a16:creationId xmlns:a16="http://schemas.microsoft.com/office/drawing/2014/main" id="{1AA147B3-5AB4-D547-B3B5-7B69688D16CA}"/>
+                  </a:ext>
+                </a:extLst>
+              </p:cNvPr>
+              <p:cNvCxnSpPr>
+                <a:cxnSpLocks/>
+              </p:cNvCxnSpPr>
+              <p:nvPr/>
+            </p:nvCxnSpPr>
+            <p:spPr>
+              <a:xfrm flipV="1">
+                <a:off x="3131840" y="868797"/>
+                <a:ext cx="0" cy="216024"/>
+              </a:xfrm>
+              <a:prstGeom prst="straightConnector1">
+                <a:avLst/>
+              </a:prstGeom>
+              <a:grpFill/>
+              <a:ln w="12700">
+                <a:solidFill>
+                  <a:schemeClr val="tx1"/>
+                </a:solidFill>
+                <a:headEnd type="none" w="med" len="med"/>
+                <a:tailEnd type="triangle" w="med" len="med"/>
+              </a:ln>
+            </p:spPr>
+            <p:style>
+              <a:lnRef idx="1">
+                <a:schemeClr val="accent1"/>
+              </a:lnRef>
+              <a:fillRef idx="0">
+                <a:schemeClr val="accent1"/>
+              </a:fillRef>
+              <a:effectRef idx="0">
+                <a:schemeClr val="accent1"/>
+              </a:effectRef>
+              <a:fontRef idx="minor">
+                <a:schemeClr val="tx1"/>
+              </a:fontRef>
+            </p:style>
+          </p:cxnSp>
+        </p:grpSp>
+        <p:grpSp>
+          <p:nvGrpSpPr>
+            <p:cNvPr id="65" name="グループ化 64">
+              <a:extLst>
+                <a:ext uri="{FF2B5EF4-FFF2-40B4-BE49-F238E27FC236}">
+                  <a16:creationId xmlns:a16="http://schemas.microsoft.com/office/drawing/2014/main" id="{18027637-DE62-0D47-9246-89E32572B67D}"/>
+                </a:ext>
+              </a:extLst>
+            </p:cNvPr>
+            <p:cNvGrpSpPr/>
+            <p:nvPr/>
+          </p:nvGrpSpPr>
+          <p:grpSpPr>
+            <a:xfrm>
+              <a:off x="1115616" y="5085184"/>
+              <a:ext cx="288032" cy="288032"/>
+              <a:chOff x="2987824" y="836712"/>
+              <a:chExt cx="288032" cy="288032"/>
+            </a:xfrm>
+            <a:solidFill>
+              <a:schemeClr val="accent2">
+                <a:lumMod val="20000"/>
+                <a:lumOff val="80000"/>
+              </a:schemeClr>
+            </a:solidFill>
+          </p:grpSpPr>
+          <p:sp>
+            <p:nvSpPr>
+              <p:cNvPr id="66" name="円/楕円 65">
+                <a:extLst>
+                  <a:ext uri="{FF2B5EF4-FFF2-40B4-BE49-F238E27FC236}">
+                    <a16:creationId xmlns:a16="http://schemas.microsoft.com/office/drawing/2014/main" id="{8FFCB22E-34FE-DD46-A3AB-F0B56D804C1C}"/>
+                  </a:ext>
+                </a:extLst>
+              </p:cNvPr>
+              <p:cNvSpPr/>
+              <p:nvPr/>
+            </p:nvSpPr>
+            <p:spPr>
+              <a:xfrm>
+                <a:off x="2987824" y="836712"/>
+                <a:ext cx="288032" cy="288032"/>
+              </a:xfrm>
+              <a:prstGeom prst="ellipse">
+                <a:avLst/>
+              </a:prstGeom>
+              <a:grpFill/>
+              <a:ln>
+                <a:solidFill>
+                  <a:schemeClr val="tx1"/>
+                </a:solidFill>
+                <a:headEnd type="none" w="med" len="med"/>
+                <a:tailEnd type="triangle" w="med" len="med"/>
+              </a:ln>
+            </p:spPr>
+            <p:style>
+              <a:lnRef idx="2">
+                <a:schemeClr val="accent1">
+                  <a:shade val="50000"/>
+                </a:schemeClr>
+              </a:lnRef>
+              <a:fillRef idx="1">
+                <a:schemeClr val="accent1"/>
+              </a:fillRef>
+              <a:effectRef idx="0">
+                <a:schemeClr val="accent1"/>
+              </a:effectRef>
+              <a:fontRef idx="minor">
+                <a:schemeClr val="lt1"/>
+              </a:fontRef>
+            </p:style>
+            <p:txBody>
+              <a:bodyPr rtlCol="0" anchor="ctr"/>
+              <a:lstStyle/>
+              <a:p>
+                <a:pPr algn="ctr"/>
+                <a:endParaRPr kumimoji="1" lang="ja-JP" altLang="en-US"/>
+              </a:p>
+            </p:txBody>
+          </p:sp>
+          <p:cxnSp>
+            <p:nvCxnSpPr>
+              <p:cNvPr id="67" name="直線矢印コネクタ 66">
+                <a:extLst>
+                  <a:ext uri="{FF2B5EF4-FFF2-40B4-BE49-F238E27FC236}">
+                    <a16:creationId xmlns:a16="http://schemas.microsoft.com/office/drawing/2014/main" id="{485B99F4-9B8C-6C4B-AEF7-23EEA648F094}"/>
+                  </a:ext>
+                </a:extLst>
+              </p:cNvPr>
+              <p:cNvCxnSpPr>
+                <a:cxnSpLocks/>
+              </p:cNvCxnSpPr>
+              <p:nvPr/>
+            </p:nvCxnSpPr>
+            <p:spPr>
+              <a:xfrm flipV="1">
+                <a:off x="3131840" y="868797"/>
+                <a:ext cx="0" cy="216024"/>
+              </a:xfrm>
+              <a:prstGeom prst="straightConnector1">
+                <a:avLst/>
+              </a:prstGeom>
+              <a:grpFill/>
+              <a:ln w="12700">
+                <a:solidFill>
+                  <a:schemeClr val="tx1"/>
+                </a:solidFill>
+                <a:headEnd type="none" w="med" len="med"/>
+                <a:tailEnd type="triangle" w="med" len="med"/>
+              </a:ln>
+            </p:spPr>
+            <p:style>
+              <a:lnRef idx="1">
+                <a:schemeClr val="accent1"/>
+              </a:lnRef>
+              <a:fillRef idx="0">
+                <a:schemeClr val="accent1"/>
+              </a:fillRef>
+              <a:effectRef idx="0">
+                <a:schemeClr val="accent1"/>
+              </a:effectRef>
+              <a:fontRef idx="minor">
+                <a:schemeClr val="tx1"/>
+              </a:fontRef>
+            </p:style>
+          </p:cxnSp>
+        </p:grpSp>
+        <p:grpSp>
+          <p:nvGrpSpPr>
+            <p:cNvPr id="68" name="グループ化 67">
+              <a:extLst>
+                <a:ext uri="{FF2B5EF4-FFF2-40B4-BE49-F238E27FC236}">
+                  <a16:creationId xmlns:a16="http://schemas.microsoft.com/office/drawing/2014/main" id="{ADE18C44-9A94-0B49-96B5-ACCD4F37B3EA}"/>
+                </a:ext>
+              </a:extLst>
+            </p:cNvPr>
+            <p:cNvGrpSpPr/>
+            <p:nvPr/>
+          </p:nvGrpSpPr>
+          <p:grpSpPr>
+            <a:xfrm>
+              <a:off x="2555776" y="5805264"/>
+              <a:ext cx="288032" cy="288032"/>
+              <a:chOff x="2987824" y="836712"/>
+              <a:chExt cx="288032" cy="288032"/>
+            </a:xfrm>
+            <a:solidFill>
+              <a:schemeClr val="accent5">
+                <a:lumMod val="20000"/>
+                <a:lumOff val="80000"/>
+              </a:schemeClr>
+            </a:solidFill>
+          </p:grpSpPr>
+          <p:sp>
+            <p:nvSpPr>
+              <p:cNvPr id="69" name="円/楕円 68">
+                <a:extLst>
+                  <a:ext uri="{FF2B5EF4-FFF2-40B4-BE49-F238E27FC236}">
+                    <a16:creationId xmlns:a16="http://schemas.microsoft.com/office/drawing/2014/main" id="{FDC52A9A-B90B-AC40-B91F-B72389455F18}"/>
+                  </a:ext>
+                </a:extLst>
+              </p:cNvPr>
+              <p:cNvSpPr/>
+              <p:nvPr/>
+            </p:nvSpPr>
+            <p:spPr>
+              <a:xfrm>
+                <a:off x="2987824" y="836712"/>
+                <a:ext cx="288032" cy="288032"/>
+              </a:xfrm>
+              <a:prstGeom prst="ellipse">
+                <a:avLst/>
+              </a:prstGeom>
+              <a:grpFill/>
+              <a:ln>
+                <a:solidFill>
+                  <a:schemeClr val="tx1"/>
+                </a:solidFill>
+                <a:headEnd type="none" w="med" len="med"/>
+                <a:tailEnd type="triangle" w="med" len="med"/>
+              </a:ln>
+            </p:spPr>
+            <p:style>
+              <a:lnRef idx="2">
+                <a:schemeClr val="accent1">
+                  <a:shade val="50000"/>
+                </a:schemeClr>
+              </a:lnRef>
+              <a:fillRef idx="1">
+                <a:schemeClr val="accent1"/>
+              </a:fillRef>
+              <a:effectRef idx="0">
+                <a:schemeClr val="accent1"/>
+              </a:effectRef>
+              <a:fontRef idx="minor">
+                <a:schemeClr val="lt1"/>
+              </a:fontRef>
+            </p:style>
+            <p:txBody>
+              <a:bodyPr rtlCol="0" anchor="ctr"/>
+              <a:lstStyle/>
+              <a:p>
+                <a:pPr algn="ctr"/>
+                <a:endParaRPr kumimoji="1" lang="ja-JP" altLang="en-US"/>
+              </a:p>
+            </p:txBody>
+          </p:sp>
+          <p:cxnSp>
+            <p:nvCxnSpPr>
+              <p:cNvPr id="70" name="直線矢印コネクタ 69">
+                <a:extLst>
+                  <a:ext uri="{FF2B5EF4-FFF2-40B4-BE49-F238E27FC236}">
+                    <a16:creationId xmlns:a16="http://schemas.microsoft.com/office/drawing/2014/main" id="{810B4650-A45C-7B41-893A-D815049457A8}"/>
+                  </a:ext>
+                </a:extLst>
+              </p:cNvPr>
+              <p:cNvCxnSpPr>
+                <a:cxnSpLocks/>
+              </p:cNvCxnSpPr>
+              <p:nvPr/>
+            </p:nvCxnSpPr>
+            <p:spPr>
+              <a:xfrm flipV="1">
+                <a:off x="3131840" y="868797"/>
+                <a:ext cx="0" cy="216024"/>
+              </a:xfrm>
+              <a:prstGeom prst="straightConnector1">
+                <a:avLst/>
+              </a:prstGeom>
+              <a:grpFill/>
+              <a:ln w="12700">
+                <a:solidFill>
+                  <a:schemeClr val="tx1"/>
+                </a:solidFill>
+                <a:headEnd type="none" w="med" len="med"/>
+                <a:tailEnd type="triangle" w="med" len="med"/>
+              </a:ln>
+            </p:spPr>
+            <p:style>
+              <a:lnRef idx="1">
+                <a:schemeClr val="accent1"/>
+              </a:lnRef>
+              <a:fillRef idx="0">
+                <a:schemeClr val="accent1"/>
+              </a:fillRef>
+              <a:effectRef idx="0">
+                <a:schemeClr val="accent1"/>
+              </a:effectRef>
+              <a:fontRef idx="minor">
+                <a:schemeClr val="tx1"/>
+              </a:fontRef>
+            </p:style>
+          </p:cxnSp>
+        </p:grpSp>
+        <p:grpSp>
+          <p:nvGrpSpPr>
+            <p:cNvPr id="71" name="グループ化 70">
+              <a:extLst>
+                <a:ext uri="{FF2B5EF4-FFF2-40B4-BE49-F238E27FC236}">
+                  <a16:creationId xmlns:a16="http://schemas.microsoft.com/office/drawing/2014/main" id="{DD014EBC-E20E-1D46-A83F-29D4E6F33ADA}"/>
+                </a:ext>
+              </a:extLst>
+            </p:cNvPr>
+            <p:cNvGrpSpPr/>
+            <p:nvPr/>
+          </p:nvGrpSpPr>
+          <p:grpSpPr>
+            <a:xfrm>
+              <a:off x="1835696" y="5805264"/>
+              <a:ext cx="288032" cy="288032"/>
+              <a:chOff x="2987824" y="836712"/>
+              <a:chExt cx="288032" cy="288032"/>
+            </a:xfrm>
+            <a:solidFill>
+              <a:schemeClr val="accent5">
+                <a:lumMod val="20000"/>
+                <a:lumOff val="80000"/>
+              </a:schemeClr>
+            </a:solidFill>
+          </p:grpSpPr>
+          <p:sp>
+            <p:nvSpPr>
+              <p:cNvPr id="72" name="円/楕円 71">
+                <a:extLst>
+                  <a:ext uri="{FF2B5EF4-FFF2-40B4-BE49-F238E27FC236}">
+                    <a16:creationId xmlns:a16="http://schemas.microsoft.com/office/drawing/2014/main" id="{2CC16B39-7F94-E342-BEAA-F641C6CE93C0}"/>
+                  </a:ext>
+                </a:extLst>
+              </p:cNvPr>
+              <p:cNvSpPr/>
+              <p:nvPr/>
+            </p:nvSpPr>
+            <p:spPr>
+              <a:xfrm>
+                <a:off x="2987824" y="836712"/>
+                <a:ext cx="288032" cy="288032"/>
+              </a:xfrm>
+              <a:prstGeom prst="ellipse">
+                <a:avLst/>
+              </a:prstGeom>
+              <a:grpFill/>
+              <a:ln>
+                <a:solidFill>
+                  <a:schemeClr val="tx1"/>
+                </a:solidFill>
+                <a:headEnd type="none" w="med" len="med"/>
+                <a:tailEnd type="triangle" w="med" len="med"/>
+              </a:ln>
+            </p:spPr>
+            <p:style>
+              <a:lnRef idx="2">
+                <a:schemeClr val="accent1">
+                  <a:shade val="50000"/>
+                </a:schemeClr>
+              </a:lnRef>
+              <a:fillRef idx="1">
+                <a:schemeClr val="accent1"/>
+              </a:fillRef>
+              <a:effectRef idx="0">
+                <a:schemeClr val="accent1"/>
+              </a:effectRef>
+              <a:fontRef idx="minor">
+                <a:schemeClr val="lt1"/>
+              </a:fontRef>
+            </p:style>
+            <p:txBody>
+              <a:bodyPr rtlCol="0" anchor="ctr"/>
+              <a:lstStyle/>
+              <a:p>
+                <a:pPr algn="ctr"/>
+                <a:endParaRPr kumimoji="1" lang="ja-JP" altLang="en-US"/>
+              </a:p>
+            </p:txBody>
+          </p:sp>
+          <p:cxnSp>
+            <p:nvCxnSpPr>
+              <p:cNvPr id="73" name="直線矢印コネクタ 72">
+                <a:extLst>
+                  <a:ext uri="{FF2B5EF4-FFF2-40B4-BE49-F238E27FC236}">
+                    <a16:creationId xmlns:a16="http://schemas.microsoft.com/office/drawing/2014/main" id="{621D8BCA-CC1E-2F4C-AD83-3C406DAAD0EB}"/>
+                  </a:ext>
+                </a:extLst>
+              </p:cNvPr>
+              <p:cNvCxnSpPr>
+                <a:cxnSpLocks/>
+              </p:cNvCxnSpPr>
+              <p:nvPr/>
+            </p:nvCxnSpPr>
+            <p:spPr>
+              <a:xfrm flipV="1">
+                <a:off x="3131840" y="868797"/>
+                <a:ext cx="0" cy="216024"/>
+              </a:xfrm>
+              <a:prstGeom prst="straightConnector1">
+                <a:avLst/>
+              </a:prstGeom>
+              <a:grpFill/>
+              <a:ln w="12700">
+                <a:solidFill>
+                  <a:schemeClr val="tx1"/>
+                </a:solidFill>
+                <a:headEnd type="none" w="med" len="med"/>
+                <a:tailEnd type="triangle" w="med" len="med"/>
+              </a:ln>
+            </p:spPr>
+            <p:style>
+              <a:lnRef idx="1">
+                <a:schemeClr val="accent1"/>
+              </a:lnRef>
+              <a:fillRef idx="0">
+                <a:schemeClr val="accent1"/>
+              </a:fillRef>
+              <a:effectRef idx="0">
+                <a:schemeClr val="accent1"/>
+              </a:effectRef>
+              <a:fontRef idx="minor">
+                <a:schemeClr val="tx1"/>
+              </a:fontRef>
+            </p:style>
+          </p:cxnSp>
+        </p:grpSp>
+        <p:grpSp>
+          <p:nvGrpSpPr>
+            <p:cNvPr id="74" name="グループ化 73">
+              <a:extLst>
+                <a:ext uri="{FF2B5EF4-FFF2-40B4-BE49-F238E27FC236}">
+                  <a16:creationId xmlns:a16="http://schemas.microsoft.com/office/drawing/2014/main" id="{6355CF96-3558-EF41-BB50-5B063DDD0E5E}"/>
+                </a:ext>
+              </a:extLst>
+            </p:cNvPr>
+            <p:cNvGrpSpPr/>
+            <p:nvPr/>
+          </p:nvGrpSpPr>
+          <p:grpSpPr>
+            <a:xfrm>
+              <a:off x="1115616" y="5805264"/>
+              <a:ext cx="288032" cy="288032"/>
+              <a:chOff x="2987824" y="836712"/>
+              <a:chExt cx="288032" cy="288032"/>
+            </a:xfrm>
+            <a:solidFill>
+              <a:schemeClr val="accent2">
+                <a:lumMod val="20000"/>
+                <a:lumOff val="80000"/>
+              </a:schemeClr>
+            </a:solidFill>
+          </p:grpSpPr>
+          <p:sp>
+            <p:nvSpPr>
+              <p:cNvPr id="75" name="円/楕円 74">
+                <a:extLst>
+                  <a:ext uri="{FF2B5EF4-FFF2-40B4-BE49-F238E27FC236}">
+                    <a16:creationId xmlns:a16="http://schemas.microsoft.com/office/drawing/2014/main" id="{0DCDD5BD-A55B-F345-85F5-5B5C9CAFA76E}"/>
+                  </a:ext>
+                </a:extLst>
+              </p:cNvPr>
+              <p:cNvSpPr/>
+              <p:nvPr/>
+            </p:nvSpPr>
+            <p:spPr>
+              <a:xfrm>
+                <a:off x="2987824" y="836712"/>
+                <a:ext cx="288032" cy="288032"/>
+              </a:xfrm>
+              <a:prstGeom prst="ellipse">
+                <a:avLst/>
+              </a:prstGeom>
+              <a:grpFill/>
+              <a:ln>
+                <a:solidFill>
+                  <a:schemeClr val="tx1"/>
+                </a:solidFill>
+                <a:headEnd type="none" w="med" len="med"/>
+                <a:tailEnd type="triangle" w="med" len="med"/>
+              </a:ln>
+            </p:spPr>
+            <p:style>
+              <a:lnRef idx="2">
+                <a:schemeClr val="accent1">
+                  <a:shade val="50000"/>
+                </a:schemeClr>
+              </a:lnRef>
+              <a:fillRef idx="1">
+                <a:schemeClr val="accent1"/>
+              </a:fillRef>
+              <a:effectRef idx="0">
+                <a:schemeClr val="accent1"/>
+              </a:effectRef>
+              <a:fontRef idx="minor">
+                <a:schemeClr val="lt1"/>
+              </a:fontRef>
+            </p:style>
+            <p:txBody>
+              <a:bodyPr rtlCol="0" anchor="ctr"/>
+              <a:lstStyle/>
+              <a:p>
+                <a:pPr algn="ctr"/>
+                <a:endParaRPr kumimoji="1" lang="ja-JP" altLang="en-US"/>
+              </a:p>
+            </p:txBody>
+          </p:sp>
+          <p:cxnSp>
+            <p:nvCxnSpPr>
+              <p:cNvPr id="76" name="直線矢印コネクタ 75">
+                <a:extLst>
+                  <a:ext uri="{FF2B5EF4-FFF2-40B4-BE49-F238E27FC236}">
+                    <a16:creationId xmlns:a16="http://schemas.microsoft.com/office/drawing/2014/main" id="{E9A19CF6-D52D-A746-B1F6-728231A30D26}"/>
+                  </a:ext>
+                </a:extLst>
+              </p:cNvPr>
+              <p:cNvCxnSpPr>
+                <a:cxnSpLocks/>
+              </p:cNvCxnSpPr>
+              <p:nvPr/>
+            </p:nvCxnSpPr>
+            <p:spPr>
+              <a:xfrm flipV="1">
+                <a:off x="3131840" y="868797"/>
+                <a:ext cx="0" cy="216024"/>
+              </a:xfrm>
+              <a:prstGeom prst="straightConnector1">
+                <a:avLst/>
+              </a:prstGeom>
+              <a:grpFill/>
+              <a:ln w="12700">
+                <a:solidFill>
+                  <a:schemeClr val="tx1"/>
+                </a:solidFill>
+                <a:headEnd type="none" w="med" len="med"/>
+                <a:tailEnd type="triangle" w="med" len="med"/>
+              </a:ln>
+            </p:spPr>
+            <p:style>
+              <a:lnRef idx="1">
+                <a:schemeClr val="accent1"/>
+              </a:lnRef>
+              <a:fillRef idx="0">
+                <a:schemeClr val="accent1"/>
+              </a:fillRef>
+              <a:effectRef idx="0">
+                <a:schemeClr val="accent1"/>
+              </a:effectRef>
+              <a:fontRef idx="minor">
+                <a:schemeClr val="tx1"/>
+              </a:fontRef>
+            </p:style>
+          </p:cxnSp>
+        </p:grpSp>
+      </p:grpSp>
+      <p:grpSp>
+        <p:nvGrpSpPr>
+          <p:cNvPr id="139" name="グループ化 138">
+            <a:extLst>
+              <a:ext uri="{FF2B5EF4-FFF2-40B4-BE49-F238E27FC236}">
+                <a16:creationId xmlns:a16="http://schemas.microsoft.com/office/drawing/2014/main" id="{2BA67545-8D74-204C-88BF-1B5184F28430}"/>
+              </a:ext>
+            </a:extLst>
+          </p:cNvPr>
+          <p:cNvGrpSpPr/>
+          <p:nvPr/>
+        </p:nvGrpSpPr>
+        <p:grpSpPr>
+          <a:xfrm>
+            <a:off x="5436096" y="2852936"/>
+            <a:ext cx="1296144" cy="1296144"/>
+            <a:chOff x="5580112" y="2348880"/>
+            <a:chExt cx="1728192" cy="1728192"/>
+          </a:xfrm>
+        </p:grpSpPr>
+        <p:sp>
+          <p:nvSpPr>
+            <p:cNvPr id="77" name="正方形/長方形 76">
+              <a:extLst>
+                <a:ext uri="{FF2B5EF4-FFF2-40B4-BE49-F238E27FC236}">
+                  <a16:creationId xmlns:a16="http://schemas.microsoft.com/office/drawing/2014/main" id="{C8773764-1CC9-FA47-9A5F-602E5C0D3804}"/>
+                </a:ext>
+              </a:extLst>
+            </p:cNvPr>
+            <p:cNvSpPr/>
+            <p:nvPr/>
+          </p:nvSpPr>
+          <p:spPr>
+            <a:xfrm>
+              <a:off x="5724128" y="2492896"/>
+              <a:ext cx="720080" cy="720080"/>
+            </a:xfrm>
+            <a:prstGeom prst="rect">
+              <a:avLst/>
+            </a:prstGeom>
+            <a:noFill/>
+            <a:ln>
+              <a:solidFill>
+                <a:schemeClr val="tx1"/>
+              </a:solidFill>
+              <a:headEnd type="triangle" w="med" len="med"/>
+              <a:tailEnd type="none" w="med" len="med"/>
+            </a:ln>
+          </p:spPr>
+          <p:style>
+            <a:lnRef idx="2">
+              <a:schemeClr val="accent1">
+                <a:shade val="50000"/>
+              </a:schemeClr>
+            </a:lnRef>
+            <a:fillRef idx="1">
+              <a:schemeClr val="accent1"/>
+            </a:fillRef>
+            <a:effectRef idx="0">
+              <a:schemeClr val="accent1"/>
+            </a:effectRef>
+            <a:fontRef idx="minor">
+              <a:schemeClr val="lt1"/>
+            </a:fontRef>
+          </p:style>
+          <p:txBody>
+            <a:bodyPr rtlCol="0" anchor="ctr"/>
+            <a:lstStyle/>
+            <a:p>
+              <a:pPr algn="ctr"/>
+              <a:endParaRPr kumimoji="1" lang="ja-JP" altLang="en-US"/>
+            </a:p>
+          </p:txBody>
+        </p:sp>
+        <p:sp>
+          <p:nvSpPr>
+            <p:cNvPr id="78" name="正方形/長方形 77">
+              <a:extLst>
+                <a:ext uri="{FF2B5EF4-FFF2-40B4-BE49-F238E27FC236}">
+                  <a16:creationId xmlns:a16="http://schemas.microsoft.com/office/drawing/2014/main" id="{F7F1FFD4-BDFA-CD44-B1F7-CD7B98BC1763}"/>
+                </a:ext>
+              </a:extLst>
+            </p:cNvPr>
+            <p:cNvSpPr/>
+            <p:nvPr/>
+          </p:nvSpPr>
+          <p:spPr>
+            <a:xfrm>
+              <a:off x="5724128" y="3212976"/>
+              <a:ext cx="720080" cy="720080"/>
+            </a:xfrm>
+            <a:prstGeom prst="rect">
+              <a:avLst/>
+            </a:prstGeom>
+            <a:noFill/>
+            <a:ln>
+              <a:solidFill>
+                <a:schemeClr val="tx1"/>
+              </a:solidFill>
+              <a:headEnd type="triangle" w="med" len="med"/>
+              <a:tailEnd type="none" w="med" len="med"/>
+            </a:ln>
+          </p:spPr>
+          <p:style>
+            <a:lnRef idx="2">
+              <a:schemeClr val="accent1">
+                <a:shade val="50000"/>
+              </a:schemeClr>
+            </a:lnRef>
+            <a:fillRef idx="1">
+              <a:schemeClr val="accent1"/>
+            </a:fillRef>
+            <a:effectRef idx="0">
+              <a:schemeClr val="accent1"/>
+            </a:effectRef>
+            <a:fontRef idx="minor">
+              <a:schemeClr val="lt1"/>
+            </a:fontRef>
+          </p:style>
+          <p:txBody>
+            <a:bodyPr rtlCol="0" anchor="ctr"/>
+            <a:lstStyle/>
+            <a:p>
+              <a:pPr algn="ctr"/>
+              <a:endParaRPr kumimoji="1" lang="ja-JP" altLang="en-US"/>
+            </a:p>
+          </p:txBody>
+        </p:sp>
+        <p:sp>
+          <p:nvSpPr>
+            <p:cNvPr id="79" name="正方形/長方形 78">
+              <a:extLst>
+                <a:ext uri="{FF2B5EF4-FFF2-40B4-BE49-F238E27FC236}">
+                  <a16:creationId xmlns:a16="http://schemas.microsoft.com/office/drawing/2014/main" id="{276D83C4-F0B6-6F45-8F2E-C6F0A00BE3DC}"/>
+                </a:ext>
+              </a:extLst>
+            </p:cNvPr>
+            <p:cNvSpPr/>
+            <p:nvPr/>
+          </p:nvSpPr>
+          <p:spPr>
+            <a:xfrm>
+              <a:off x="6444208" y="2492896"/>
+              <a:ext cx="720080" cy="720080"/>
+            </a:xfrm>
+            <a:prstGeom prst="rect">
+              <a:avLst/>
+            </a:prstGeom>
+            <a:noFill/>
+            <a:ln>
+              <a:solidFill>
+                <a:schemeClr val="tx1"/>
+              </a:solidFill>
+              <a:headEnd type="triangle" w="med" len="med"/>
+              <a:tailEnd type="none" w="med" len="med"/>
+            </a:ln>
+          </p:spPr>
+          <p:style>
+            <a:lnRef idx="2">
+              <a:schemeClr val="accent1">
+                <a:shade val="50000"/>
+              </a:schemeClr>
+            </a:lnRef>
+            <a:fillRef idx="1">
+              <a:schemeClr val="accent1"/>
+            </a:fillRef>
+            <a:effectRef idx="0">
+              <a:schemeClr val="accent1"/>
+            </a:effectRef>
+            <a:fontRef idx="minor">
+              <a:schemeClr val="lt1"/>
+            </a:fontRef>
+          </p:style>
+          <p:txBody>
+            <a:bodyPr rtlCol="0" anchor="ctr"/>
+            <a:lstStyle/>
+            <a:p>
+              <a:pPr algn="ctr"/>
+              <a:endParaRPr kumimoji="1" lang="ja-JP" altLang="en-US"/>
+            </a:p>
+          </p:txBody>
+        </p:sp>
+        <p:sp>
+          <p:nvSpPr>
+            <p:cNvPr id="80" name="正方形/長方形 79">
+              <a:extLst>
+                <a:ext uri="{FF2B5EF4-FFF2-40B4-BE49-F238E27FC236}">
+                  <a16:creationId xmlns:a16="http://schemas.microsoft.com/office/drawing/2014/main" id="{3A1D4EED-B815-AD4D-84E9-ED8833D87DA0}"/>
+                </a:ext>
+              </a:extLst>
+            </p:cNvPr>
+            <p:cNvSpPr/>
+            <p:nvPr/>
+          </p:nvSpPr>
+          <p:spPr>
+            <a:xfrm>
+              <a:off x="6444208" y="3212976"/>
+              <a:ext cx="720080" cy="720080"/>
+            </a:xfrm>
+            <a:prstGeom prst="rect">
+              <a:avLst/>
+            </a:prstGeom>
+            <a:noFill/>
+            <a:ln>
+              <a:solidFill>
+                <a:schemeClr val="tx1"/>
+              </a:solidFill>
+              <a:headEnd type="triangle" w="med" len="med"/>
+              <a:tailEnd type="none" w="med" len="med"/>
+            </a:ln>
+          </p:spPr>
+          <p:style>
+            <a:lnRef idx="2">
+              <a:schemeClr val="accent1">
+                <a:shade val="50000"/>
+              </a:schemeClr>
+            </a:lnRef>
+            <a:fillRef idx="1">
+              <a:schemeClr val="accent1"/>
+            </a:fillRef>
+            <a:effectRef idx="0">
+              <a:schemeClr val="accent1"/>
+            </a:effectRef>
+            <a:fontRef idx="minor">
+              <a:schemeClr val="lt1"/>
+            </a:fontRef>
+          </p:style>
+          <p:txBody>
+            <a:bodyPr rtlCol="0" anchor="ctr"/>
+            <a:lstStyle/>
+            <a:p>
+              <a:pPr algn="ctr"/>
+              <a:endParaRPr kumimoji="1" lang="ja-JP" altLang="en-US"/>
+            </a:p>
+          </p:txBody>
+        </p:sp>
+        <p:grpSp>
+          <p:nvGrpSpPr>
+            <p:cNvPr id="81" name="グループ化 80">
+              <a:extLst>
+                <a:ext uri="{FF2B5EF4-FFF2-40B4-BE49-F238E27FC236}">
+                  <a16:creationId xmlns:a16="http://schemas.microsoft.com/office/drawing/2014/main" id="{F62FA727-450C-2049-B1CD-E3C253057A16}"/>
+                </a:ext>
+              </a:extLst>
+            </p:cNvPr>
+            <p:cNvGrpSpPr/>
+            <p:nvPr/>
+          </p:nvGrpSpPr>
+          <p:grpSpPr>
+            <a:xfrm>
+              <a:off x="7020272" y="2348880"/>
+              <a:ext cx="288032" cy="288032"/>
+              <a:chOff x="2987824" y="836712"/>
+              <a:chExt cx="288032" cy="288032"/>
+            </a:xfrm>
+            <a:solidFill>
+              <a:schemeClr val="accent5">
+                <a:lumMod val="20000"/>
+                <a:lumOff val="80000"/>
+              </a:schemeClr>
+            </a:solidFill>
+          </p:grpSpPr>
+          <p:sp>
+            <p:nvSpPr>
+              <p:cNvPr id="82" name="円/楕円 81">
+                <a:extLst>
+                  <a:ext uri="{FF2B5EF4-FFF2-40B4-BE49-F238E27FC236}">
+                    <a16:creationId xmlns:a16="http://schemas.microsoft.com/office/drawing/2014/main" id="{46C92BAF-7544-0740-A3DA-4E06A62AF96C}"/>
+                  </a:ext>
+                </a:extLst>
+              </p:cNvPr>
+              <p:cNvSpPr/>
+              <p:nvPr/>
+            </p:nvSpPr>
+            <p:spPr>
+              <a:xfrm>
+                <a:off x="2987824" y="836712"/>
+                <a:ext cx="288032" cy="288032"/>
+              </a:xfrm>
+              <a:prstGeom prst="ellipse">
+                <a:avLst/>
+              </a:prstGeom>
+              <a:grpFill/>
+              <a:ln>
+                <a:solidFill>
+                  <a:schemeClr val="tx1"/>
+                </a:solidFill>
+                <a:headEnd type="triangle" w="med" len="med"/>
+                <a:tailEnd type="none" w="med" len="med"/>
+              </a:ln>
+            </p:spPr>
+            <p:style>
+              <a:lnRef idx="2">
+                <a:schemeClr val="accent1">
+                  <a:shade val="50000"/>
+                </a:schemeClr>
+              </a:lnRef>
+              <a:fillRef idx="1">
+                <a:schemeClr val="accent1"/>
+              </a:fillRef>
+              <a:effectRef idx="0">
+                <a:schemeClr val="accent1"/>
+              </a:effectRef>
+              <a:fontRef idx="minor">
+                <a:schemeClr val="lt1"/>
+              </a:fontRef>
+            </p:style>
+            <p:txBody>
+              <a:bodyPr rtlCol="0" anchor="ctr"/>
+              <a:lstStyle/>
+              <a:p>
+                <a:pPr algn="ctr"/>
+                <a:endParaRPr kumimoji="1" lang="ja-JP" altLang="en-US"/>
+              </a:p>
+            </p:txBody>
+          </p:sp>
+          <p:cxnSp>
+            <p:nvCxnSpPr>
+              <p:cNvPr id="83" name="直線矢印コネクタ 82">
+                <a:extLst>
+                  <a:ext uri="{FF2B5EF4-FFF2-40B4-BE49-F238E27FC236}">
+                    <a16:creationId xmlns:a16="http://schemas.microsoft.com/office/drawing/2014/main" id="{20070CEC-F9FB-2E48-A145-35A168020515}"/>
+                  </a:ext>
+                </a:extLst>
+              </p:cNvPr>
+              <p:cNvCxnSpPr>
+                <a:cxnSpLocks/>
+              </p:cNvCxnSpPr>
+              <p:nvPr/>
+            </p:nvCxnSpPr>
+            <p:spPr>
+              <a:xfrm flipV="1">
+                <a:off x="3131840" y="868797"/>
+                <a:ext cx="0" cy="216024"/>
+              </a:xfrm>
+              <a:prstGeom prst="straightConnector1">
+                <a:avLst/>
+              </a:prstGeom>
+              <a:grpFill/>
+              <a:ln w="12700">
+                <a:solidFill>
+                  <a:schemeClr val="tx1"/>
+                </a:solidFill>
+                <a:headEnd type="triangle" w="med" len="med"/>
+                <a:tailEnd type="none" w="med" len="med"/>
+              </a:ln>
+            </p:spPr>
+            <p:style>
+              <a:lnRef idx="1">
+                <a:schemeClr val="accent1"/>
+              </a:lnRef>
+              <a:fillRef idx="0">
+                <a:schemeClr val="accent1"/>
+              </a:fillRef>
+              <a:effectRef idx="0">
+                <a:schemeClr val="accent1"/>
+              </a:effectRef>
+              <a:fontRef idx="minor">
+                <a:schemeClr val="tx1"/>
+              </a:fontRef>
+            </p:style>
+          </p:cxnSp>
+        </p:grpSp>
+        <p:grpSp>
+          <p:nvGrpSpPr>
+            <p:cNvPr id="84" name="グループ化 83">
+              <a:extLst>
+                <a:ext uri="{FF2B5EF4-FFF2-40B4-BE49-F238E27FC236}">
+                  <a16:creationId xmlns:a16="http://schemas.microsoft.com/office/drawing/2014/main" id="{8EBF9793-8BAF-C040-840A-305330356291}"/>
+                </a:ext>
+              </a:extLst>
+            </p:cNvPr>
+            <p:cNvGrpSpPr/>
+            <p:nvPr/>
+          </p:nvGrpSpPr>
+          <p:grpSpPr>
+            <a:xfrm>
+              <a:off x="6300192" y="2348880"/>
+              <a:ext cx="288032" cy="288032"/>
+              <a:chOff x="2987824" y="836712"/>
+              <a:chExt cx="288032" cy="288032"/>
+            </a:xfrm>
+            <a:solidFill>
+              <a:schemeClr val="accent2">
+                <a:lumMod val="20000"/>
+                <a:lumOff val="80000"/>
+              </a:schemeClr>
+            </a:solidFill>
+          </p:grpSpPr>
+          <p:sp>
+            <p:nvSpPr>
+              <p:cNvPr id="85" name="円/楕円 84">
+                <a:extLst>
+                  <a:ext uri="{FF2B5EF4-FFF2-40B4-BE49-F238E27FC236}">
+                    <a16:creationId xmlns:a16="http://schemas.microsoft.com/office/drawing/2014/main" id="{78EB8E71-AA6B-5047-AE75-C0A5274167D1}"/>
+                  </a:ext>
+                </a:extLst>
+              </p:cNvPr>
+              <p:cNvSpPr/>
+              <p:nvPr/>
+            </p:nvSpPr>
+            <p:spPr>
+              <a:xfrm>
+                <a:off x="2987824" y="836712"/>
+                <a:ext cx="288032" cy="288032"/>
+              </a:xfrm>
+              <a:prstGeom prst="ellipse">
+                <a:avLst/>
+              </a:prstGeom>
+              <a:grpFill/>
+              <a:ln>
+                <a:solidFill>
+                  <a:schemeClr val="tx1"/>
+                </a:solidFill>
+                <a:headEnd type="triangle" w="med" len="med"/>
+                <a:tailEnd type="none" w="med" len="med"/>
+              </a:ln>
+            </p:spPr>
+            <p:style>
+              <a:lnRef idx="2">
+                <a:schemeClr val="accent1">
+                  <a:shade val="50000"/>
+                </a:schemeClr>
+              </a:lnRef>
+              <a:fillRef idx="1">
+                <a:schemeClr val="accent1"/>
+              </a:fillRef>
+              <a:effectRef idx="0">
+                <a:schemeClr val="accent1"/>
+              </a:effectRef>
+              <a:fontRef idx="minor">
+                <a:schemeClr val="lt1"/>
+              </a:fontRef>
+            </p:style>
+            <p:txBody>
+              <a:bodyPr rtlCol="0" anchor="ctr"/>
+              <a:lstStyle/>
+              <a:p>
+                <a:pPr algn="ctr"/>
+                <a:endParaRPr kumimoji="1" lang="ja-JP" altLang="en-US"/>
+              </a:p>
+            </p:txBody>
+          </p:sp>
+          <p:cxnSp>
+            <p:nvCxnSpPr>
+              <p:cNvPr id="86" name="直線矢印コネクタ 85">
+                <a:extLst>
+                  <a:ext uri="{FF2B5EF4-FFF2-40B4-BE49-F238E27FC236}">
+                    <a16:creationId xmlns:a16="http://schemas.microsoft.com/office/drawing/2014/main" id="{3C9AC57F-7F16-8B44-8203-8EE8F6BE14C3}"/>
+                  </a:ext>
+                </a:extLst>
+              </p:cNvPr>
+              <p:cNvCxnSpPr>
+                <a:cxnSpLocks/>
+              </p:cNvCxnSpPr>
+              <p:nvPr/>
+            </p:nvCxnSpPr>
+            <p:spPr>
+              <a:xfrm flipV="1">
+                <a:off x="3131840" y="868797"/>
+                <a:ext cx="0" cy="216024"/>
+              </a:xfrm>
+              <a:prstGeom prst="straightConnector1">
+                <a:avLst/>
+              </a:prstGeom>
+              <a:grpFill/>
+              <a:ln w="12700">
+                <a:solidFill>
+                  <a:schemeClr val="tx1"/>
+                </a:solidFill>
+                <a:headEnd type="triangle" w="med" len="med"/>
+                <a:tailEnd type="none" w="med" len="med"/>
+              </a:ln>
+            </p:spPr>
+            <p:style>
+              <a:lnRef idx="1">
+                <a:schemeClr val="accent1"/>
+              </a:lnRef>
+              <a:fillRef idx="0">
+                <a:schemeClr val="accent1"/>
+              </a:fillRef>
+              <a:effectRef idx="0">
+                <a:schemeClr val="accent1"/>
+              </a:effectRef>
+              <a:fontRef idx="minor">
+                <a:schemeClr val="tx1"/>
+              </a:fontRef>
+            </p:style>
+          </p:cxnSp>
+        </p:grpSp>
+        <p:grpSp>
+          <p:nvGrpSpPr>
+            <p:cNvPr id="87" name="グループ化 86">
+              <a:extLst>
+                <a:ext uri="{FF2B5EF4-FFF2-40B4-BE49-F238E27FC236}">
+                  <a16:creationId xmlns:a16="http://schemas.microsoft.com/office/drawing/2014/main" id="{5AEFE3E2-996C-1D40-A2A5-294F2B004ED7}"/>
+                </a:ext>
+              </a:extLst>
+            </p:cNvPr>
+            <p:cNvGrpSpPr/>
+            <p:nvPr/>
+          </p:nvGrpSpPr>
+          <p:grpSpPr>
+            <a:xfrm>
+              <a:off x="5580112" y="2348880"/>
+              <a:ext cx="288032" cy="288032"/>
+              <a:chOff x="2987824" y="836712"/>
+              <a:chExt cx="288032" cy="288032"/>
+            </a:xfrm>
+            <a:solidFill>
+              <a:schemeClr val="accent2">
+                <a:lumMod val="20000"/>
+                <a:lumOff val="80000"/>
+              </a:schemeClr>
+            </a:solidFill>
+          </p:grpSpPr>
+          <p:sp>
+            <p:nvSpPr>
+              <p:cNvPr id="88" name="円/楕円 87">
+                <a:extLst>
+                  <a:ext uri="{FF2B5EF4-FFF2-40B4-BE49-F238E27FC236}">
+                    <a16:creationId xmlns:a16="http://schemas.microsoft.com/office/drawing/2014/main" id="{A82FB872-943B-5F45-8C27-8AD60938968D}"/>
+                  </a:ext>
+                </a:extLst>
+              </p:cNvPr>
+              <p:cNvSpPr/>
+              <p:nvPr/>
+            </p:nvSpPr>
+            <p:spPr>
+              <a:xfrm>
+                <a:off x="2987824" y="836712"/>
+                <a:ext cx="288032" cy="288032"/>
+              </a:xfrm>
+              <a:prstGeom prst="ellipse">
+                <a:avLst/>
+              </a:prstGeom>
+              <a:grpFill/>
+              <a:ln>
+                <a:solidFill>
+                  <a:schemeClr val="tx1"/>
+                </a:solidFill>
+                <a:headEnd type="triangle" w="med" len="med"/>
+                <a:tailEnd type="none" w="med" len="med"/>
+              </a:ln>
+            </p:spPr>
+            <p:style>
+              <a:lnRef idx="2">
+                <a:schemeClr val="accent1">
+                  <a:shade val="50000"/>
+                </a:schemeClr>
+              </a:lnRef>
+              <a:fillRef idx="1">
+                <a:schemeClr val="accent1"/>
+              </a:fillRef>
+              <a:effectRef idx="0">
+                <a:schemeClr val="accent1"/>
+              </a:effectRef>
+              <a:fontRef idx="minor">
+                <a:schemeClr val="lt1"/>
+              </a:fontRef>
+            </p:style>
+            <p:txBody>
+              <a:bodyPr rtlCol="0" anchor="ctr"/>
+              <a:lstStyle/>
+              <a:p>
+                <a:pPr algn="ctr"/>
+                <a:endParaRPr kumimoji="1" lang="ja-JP" altLang="en-US"/>
+              </a:p>
+            </p:txBody>
+          </p:sp>
+          <p:cxnSp>
+            <p:nvCxnSpPr>
+              <p:cNvPr id="89" name="直線矢印コネクタ 88">
+                <a:extLst>
+                  <a:ext uri="{FF2B5EF4-FFF2-40B4-BE49-F238E27FC236}">
+                    <a16:creationId xmlns:a16="http://schemas.microsoft.com/office/drawing/2014/main" id="{B7529C5D-64BA-9347-B517-581F0746E47B}"/>
+                  </a:ext>
+                </a:extLst>
+              </p:cNvPr>
+              <p:cNvCxnSpPr>
+                <a:cxnSpLocks/>
+              </p:cNvCxnSpPr>
+              <p:nvPr/>
+            </p:nvCxnSpPr>
+            <p:spPr>
+              <a:xfrm flipV="1">
+                <a:off x="3131840" y="868797"/>
+                <a:ext cx="0" cy="216024"/>
+              </a:xfrm>
+              <a:prstGeom prst="straightConnector1">
+                <a:avLst/>
+              </a:prstGeom>
+              <a:grpFill/>
+              <a:ln w="12700">
+                <a:solidFill>
+                  <a:schemeClr val="tx1"/>
+                </a:solidFill>
+                <a:headEnd type="triangle" w="med" len="med"/>
+                <a:tailEnd type="none" w="med" len="med"/>
+              </a:ln>
+            </p:spPr>
+            <p:style>
+              <a:lnRef idx="1">
+                <a:schemeClr val="accent1"/>
+              </a:lnRef>
+              <a:fillRef idx="0">
+                <a:schemeClr val="accent1"/>
+              </a:fillRef>
+              <a:effectRef idx="0">
+                <a:schemeClr val="accent1"/>
+              </a:effectRef>
+              <a:fontRef idx="minor">
+                <a:schemeClr val="tx1"/>
+              </a:fontRef>
+            </p:style>
+          </p:cxnSp>
+        </p:grpSp>
+        <p:grpSp>
+          <p:nvGrpSpPr>
+            <p:cNvPr id="90" name="グループ化 89">
+              <a:extLst>
+                <a:ext uri="{FF2B5EF4-FFF2-40B4-BE49-F238E27FC236}">
+                  <a16:creationId xmlns:a16="http://schemas.microsoft.com/office/drawing/2014/main" id="{062A24B6-7F75-F741-8F4C-DF11782FB30F}"/>
+                </a:ext>
+              </a:extLst>
+            </p:cNvPr>
+            <p:cNvGrpSpPr/>
+            <p:nvPr/>
+          </p:nvGrpSpPr>
+          <p:grpSpPr>
+            <a:xfrm>
+              <a:off x="7020272" y="3068960"/>
+              <a:ext cx="288032" cy="288032"/>
+              <a:chOff x="2987824" y="836712"/>
+              <a:chExt cx="288032" cy="288032"/>
+            </a:xfrm>
+            <a:solidFill>
+              <a:schemeClr val="accent5">
+                <a:lumMod val="20000"/>
+                <a:lumOff val="80000"/>
+              </a:schemeClr>
+            </a:solidFill>
+          </p:grpSpPr>
+          <p:sp>
+            <p:nvSpPr>
+              <p:cNvPr id="91" name="円/楕円 90">
+                <a:extLst>
+                  <a:ext uri="{FF2B5EF4-FFF2-40B4-BE49-F238E27FC236}">
+                    <a16:creationId xmlns:a16="http://schemas.microsoft.com/office/drawing/2014/main" id="{B048DA34-035A-6142-ADBF-D69B8A1E88EF}"/>
+                  </a:ext>
+                </a:extLst>
+              </p:cNvPr>
+              <p:cNvSpPr/>
+              <p:nvPr/>
+            </p:nvSpPr>
+            <p:spPr>
+              <a:xfrm>
+                <a:off x="2987824" y="836712"/>
+                <a:ext cx="288032" cy="288032"/>
+              </a:xfrm>
+              <a:prstGeom prst="ellipse">
+                <a:avLst/>
+              </a:prstGeom>
+              <a:grpFill/>
+              <a:ln>
+                <a:solidFill>
+                  <a:schemeClr val="tx1"/>
+                </a:solidFill>
+                <a:headEnd type="triangle" w="med" len="med"/>
+                <a:tailEnd type="none" w="med" len="med"/>
+              </a:ln>
+            </p:spPr>
+            <p:style>
+              <a:lnRef idx="2">
+                <a:schemeClr val="accent1">
+                  <a:shade val="50000"/>
+                </a:schemeClr>
+              </a:lnRef>
+              <a:fillRef idx="1">
+                <a:schemeClr val="accent1"/>
+              </a:fillRef>
+              <a:effectRef idx="0">
+                <a:schemeClr val="accent1"/>
+              </a:effectRef>
+              <a:fontRef idx="minor">
+                <a:schemeClr val="lt1"/>
+              </a:fontRef>
+            </p:style>
+            <p:txBody>
+              <a:bodyPr rtlCol="0" anchor="ctr"/>
+              <a:lstStyle/>
+              <a:p>
+                <a:pPr algn="ctr"/>
+                <a:endParaRPr kumimoji="1" lang="ja-JP" altLang="en-US"/>
+              </a:p>
+            </p:txBody>
+          </p:sp>
+          <p:cxnSp>
+            <p:nvCxnSpPr>
+              <p:cNvPr id="92" name="直線矢印コネクタ 91">
+                <a:extLst>
+                  <a:ext uri="{FF2B5EF4-FFF2-40B4-BE49-F238E27FC236}">
+                    <a16:creationId xmlns:a16="http://schemas.microsoft.com/office/drawing/2014/main" id="{F50594D9-A916-844D-9FA5-DC7477121311}"/>
+                  </a:ext>
+                </a:extLst>
+              </p:cNvPr>
+              <p:cNvCxnSpPr>
+                <a:cxnSpLocks/>
+              </p:cNvCxnSpPr>
+              <p:nvPr/>
+            </p:nvCxnSpPr>
+            <p:spPr>
+              <a:xfrm flipV="1">
+                <a:off x="3131840" y="868797"/>
+                <a:ext cx="0" cy="216024"/>
+              </a:xfrm>
+              <a:prstGeom prst="straightConnector1">
+                <a:avLst/>
+              </a:prstGeom>
+              <a:grpFill/>
+              <a:ln w="12700">
+                <a:solidFill>
+                  <a:schemeClr val="tx1"/>
+                </a:solidFill>
+                <a:headEnd type="triangle" w="med" len="med"/>
+                <a:tailEnd type="none" w="med" len="med"/>
+              </a:ln>
+            </p:spPr>
+            <p:style>
+              <a:lnRef idx="1">
+                <a:schemeClr val="accent1"/>
+              </a:lnRef>
+              <a:fillRef idx="0">
+                <a:schemeClr val="accent1"/>
+              </a:fillRef>
+              <a:effectRef idx="0">
+                <a:schemeClr val="accent1"/>
+              </a:effectRef>
+              <a:fontRef idx="minor">
+                <a:schemeClr val="tx1"/>
+              </a:fontRef>
+            </p:style>
+          </p:cxnSp>
+        </p:grpSp>
+        <p:grpSp>
+          <p:nvGrpSpPr>
+            <p:cNvPr id="93" name="グループ化 92">
+              <a:extLst>
+                <a:ext uri="{FF2B5EF4-FFF2-40B4-BE49-F238E27FC236}">
+                  <a16:creationId xmlns:a16="http://schemas.microsoft.com/office/drawing/2014/main" id="{8B84E197-42F5-3348-B2BE-61A83B6EB33F}"/>
+                </a:ext>
+              </a:extLst>
+            </p:cNvPr>
+            <p:cNvGrpSpPr/>
+            <p:nvPr/>
+          </p:nvGrpSpPr>
+          <p:grpSpPr>
+            <a:xfrm>
+              <a:off x="6300192" y="3068960"/>
+              <a:ext cx="288032" cy="288032"/>
+              <a:chOff x="2987824" y="836712"/>
+              <a:chExt cx="288032" cy="288032"/>
+            </a:xfrm>
+            <a:solidFill>
+              <a:schemeClr val="accent2">
+                <a:lumMod val="20000"/>
+                <a:lumOff val="80000"/>
+              </a:schemeClr>
+            </a:solidFill>
+          </p:grpSpPr>
+          <p:sp>
+            <p:nvSpPr>
+              <p:cNvPr id="94" name="円/楕円 93">
+                <a:extLst>
+                  <a:ext uri="{FF2B5EF4-FFF2-40B4-BE49-F238E27FC236}">
+                    <a16:creationId xmlns:a16="http://schemas.microsoft.com/office/drawing/2014/main" id="{6B52E9E7-DE8F-A043-B7D1-0A928A448522}"/>
+                  </a:ext>
+                </a:extLst>
+              </p:cNvPr>
+              <p:cNvSpPr/>
+              <p:nvPr/>
+            </p:nvSpPr>
+            <p:spPr>
+              <a:xfrm>
+                <a:off x="2987824" y="836712"/>
+                <a:ext cx="288032" cy="288032"/>
+              </a:xfrm>
+              <a:prstGeom prst="ellipse">
+                <a:avLst/>
+              </a:prstGeom>
+              <a:grpFill/>
+              <a:ln>
+                <a:solidFill>
+                  <a:schemeClr val="tx1"/>
+                </a:solidFill>
+                <a:headEnd type="triangle" w="med" len="med"/>
+                <a:tailEnd type="none" w="med" len="med"/>
+              </a:ln>
+            </p:spPr>
+            <p:style>
+              <a:lnRef idx="2">
+                <a:schemeClr val="accent1">
+                  <a:shade val="50000"/>
+                </a:schemeClr>
+              </a:lnRef>
+              <a:fillRef idx="1">
+                <a:schemeClr val="accent1"/>
+              </a:fillRef>
+              <a:effectRef idx="0">
+                <a:schemeClr val="accent1"/>
+              </a:effectRef>
+              <a:fontRef idx="minor">
+                <a:schemeClr val="lt1"/>
+              </a:fontRef>
+            </p:style>
+            <p:txBody>
+              <a:bodyPr rtlCol="0" anchor="ctr"/>
+              <a:lstStyle/>
+              <a:p>
+                <a:pPr algn="ctr"/>
+                <a:endParaRPr kumimoji="1" lang="ja-JP" altLang="en-US"/>
+              </a:p>
+            </p:txBody>
+          </p:sp>
+          <p:cxnSp>
+            <p:nvCxnSpPr>
+              <p:cNvPr id="95" name="直線矢印コネクタ 94">
+                <a:extLst>
+                  <a:ext uri="{FF2B5EF4-FFF2-40B4-BE49-F238E27FC236}">
+                    <a16:creationId xmlns:a16="http://schemas.microsoft.com/office/drawing/2014/main" id="{1F999477-F13E-994B-BD42-E3E93C85D340}"/>
+                  </a:ext>
+                </a:extLst>
+              </p:cNvPr>
+              <p:cNvCxnSpPr>
+                <a:cxnSpLocks/>
+              </p:cNvCxnSpPr>
+              <p:nvPr/>
+            </p:nvCxnSpPr>
+            <p:spPr>
+              <a:xfrm flipV="1">
+                <a:off x="3131840" y="868797"/>
+                <a:ext cx="0" cy="216024"/>
+              </a:xfrm>
+              <a:prstGeom prst="straightConnector1">
+                <a:avLst/>
+              </a:prstGeom>
+              <a:grpFill/>
+              <a:ln w="12700">
+                <a:solidFill>
+                  <a:schemeClr val="tx1"/>
+                </a:solidFill>
+                <a:headEnd type="triangle" w="med" len="med"/>
+                <a:tailEnd type="none" w="med" len="med"/>
+              </a:ln>
+            </p:spPr>
+            <p:style>
+              <a:lnRef idx="1">
+                <a:schemeClr val="accent1"/>
+              </a:lnRef>
+              <a:fillRef idx="0">
+                <a:schemeClr val="accent1"/>
+              </a:fillRef>
+              <a:effectRef idx="0">
+                <a:schemeClr val="accent1"/>
+              </a:effectRef>
+              <a:fontRef idx="minor">
+                <a:schemeClr val="tx1"/>
+              </a:fontRef>
+            </p:style>
+          </p:cxnSp>
+        </p:grpSp>
+        <p:grpSp>
+          <p:nvGrpSpPr>
+            <p:cNvPr id="96" name="グループ化 95">
+              <a:extLst>
+                <a:ext uri="{FF2B5EF4-FFF2-40B4-BE49-F238E27FC236}">
+                  <a16:creationId xmlns:a16="http://schemas.microsoft.com/office/drawing/2014/main" id="{9E191B43-B0A6-144D-930C-FC8D11ED377B}"/>
+                </a:ext>
+              </a:extLst>
+            </p:cNvPr>
+            <p:cNvGrpSpPr/>
+            <p:nvPr/>
+          </p:nvGrpSpPr>
+          <p:grpSpPr>
+            <a:xfrm>
+              <a:off x="5580112" y="3068960"/>
+              <a:ext cx="288032" cy="288032"/>
+              <a:chOff x="2987824" y="836712"/>
+              <a:chExt cx="288032" cy="288032"/>
+            </a:xfrm>
+            <a:solidFill>
+              <a:schemeClr val="accent2">
+                <a:lumMod val="20000"/>
+                <a:lumOff val="80000"/>
+              </a:schemeClr>
+            </a:solidFill>
+          </p:grpSpPr>
+          <p:sp>
+            <p:nvSpPr>
+              <p:cNvPr id="97" name="円/楕円 96">
+                <a:extLst>
+                  <a:ext uri="{FF2B5EF4-FFF2-40B4-BE49-F238E27FC236}">
+                    <a16:creationId xmlns:a16="http://schemas.microsoft.com/office/drawing/2014/main" id="{5C2185EF-2772-234A-AB0D-3B4476D8F9B3}"/>
+                  </a:ext>
+                </a:extLst>
+              </p:cNvPr>
+              <p:cNvSpPr/>
+              <p:nvPr/>
+            </p:nvSpPr>
+            <p:spPr>
+              <a:xfrm>
+                <a:off x="2987824" y="836712"/>
+                <a:ext cx="288032" cy="288032"/>
+              </a:xfrm>
+              <a:prstGeom prst="ellipse">
+                <a:avLst/>
+              </a:prstGeom>
+              <a:grpFill/>
+              <a:ln>
+                <a:solidFill>
+                  <a:schemeClr val="tx1"/>
+                </a:solidFill>
+                <a:headEnd type="triangle" w="med" len="med"/>
+                <a:tailEnd type="none" w="med" len="med"/>
+              </a:ln>
+            </p:spPr>
+            <p:style>
+              <a:lnRef idx="2">
+                <a:schemeClr val="accent1">
+                  <a:shade val="50000"/>
+                </a:schemeClr>
+              </a:lnRef>
+              <a:fillRef idx="1">
+                <a:schemeClr val="accent1"/>
+              </a:fillRef>
+              <a:effectRef idx="0">
+                <a:schemeClr val="accent1"/>
+              </a:effectRef>
+              <a:fontRef idx="minor">
+                <a:schemeClr val="lt1"/>
+              </a:fontRef>
+            </p:style>
+            <p:txBody>
+              <a:bodyPr rtlCol="0" anchor="ctr"/>
+              <a:lstStyle/>
+              <a:p>
+                <a:pPr algn="ctr"/>
+                <a:endParaRPr kumimoji="1" lang="ja-JP" altLang="en-US"/>
+              </a:p>
+            </p:txBody>
+          </p:sp>
+          <p:cxnSp>
+            <p:nvCxnSpPr>
+              <p:cNvPr id="98" name="直線矢印コネクタ 97">
+                <a:extLst>
+                  <a:ext uri="{FF2B5EF4-FFF2-40B4-BE49-F238E27FC236}">
+                    <a16:creationId xmlns:a16="http://schemas.microsoft.com/office/drawing/2014/main" id="{2618F859-224C-8141-BE29-D97B1BD0D9D3}"/>
+                  </a:ext>
+                </a:extLst>
+              </p:cNvPr>
+              <p:cNvCxnSpPr>
+                <a:cxnSpLocks/>
+              </p:cNvCxnSpPr>
+              <p:nvPr/>
+            </p:nvCxnSpPr>
+            <p:spPr>
+              <a:xfrm flipV="1">
+                <a:off x="3131840" y="868797"/>
+                <a:ext cx="0" cy="216024"/>
+              </a:xfrm>
+              <a:prstGeom prst="straightConnector1">
+                <a:avLst/>
+              </a:prstGeom>
+              <a:grpFill/>
+              <a:ln w="12700">
+                <a:solidFill>
+                  <a:schemeClr val="tx1"/>
+                </a:solidFill>
+                <a:headEnd type="triangle" w="med" len="med"/>
+                <a:tailEnd type="none" w="med" len="med"/>
+              </a:ln>
+            </p:spPr>
+            <p:style>
+              <a:lnRef idx="1">
+                <a:schemeClr val="accent1"/>
+              </a:lnRef>
+              <a:fillRef idx="0">
+                <a:schemeClr val="accent1"/>
+              </a:fillRef>
+              <a:effectRef idx="0">
+                <a:schemeClr val="accent1"/>
+              </a:effectRef>
+              <a:fontRef idx="minor">
+                <a:schemeClr val="tx1"/>
+              </a:fontRef>
+            </p:style>
+          </p:cxnSp>
+        </p:grpSp>
+        <p:grpSp>
+          <p:nvGrpSpPr>
+            <p:cNvPr id="99" name="グループ化 98">
+              <a:extLst>
+                <a:ext uri="{FF2B5EF4-FFF2-40B4-BE49-F238E27FC236}">
+                  <a16:creationId xmlns:a16="http://schemas.microsoft.com/office/drawing/2014/main" id="{F1D3B16A-8A52-4E4C-B7F5-5D9279A46C99}"/>
+                </a:ext>
+              </a:extLst>
+            </p:cNvPr>
+            <p:cNvGrpSpPr/>
+            <p:nvPr/>
+          </p:nvGrpSpPr>
+          <p:grpSpPr>
+            <a:xfrm>
+              <a:off x="7020272" y="3789040"/>
+              <a:ext cx="288032" cy="288032"/>
+              <a:chOff x="2987824" y="836712"/>
+              <a:chExt cx="288032" cy="288032"/>
+            </a:xfrm>
+            <a:solidFill>
+              <a:schemeClr val="accent5">
+                <a:lumMod val="20000"/>
+                <a:lumOff val="80000"/>
+              </a:schemeClr>
+            </a:solidFill>
+          </p:grpSpPr>
+          <p:sp>
+            <p:nvSpPr>
+              <p:cNvPr id="100" name="円/楕円 99">
+                <a:extLst>
+                  <a:ext uri="{FF2B5EF4-FFF2-40B4-BE49-F238E27FC236}">
+                    <a16:creationId xmlns:a16="http://schemas.microsoft.com/office/drawing/2014/main" id="{E5BDB5EE-C735-F44C-B842-B8D7028152CC}"/>
+                  </a:ext>
+                </a:extLst>
+              </p:cNvPr>
+              <p:cNvSpPr/>
+              <p:nvPr/>
+            </p:nvSpPr>
+            <p:spPr>
+              <a:xfrm>
+                <a:off x="2987824" y="836712"/>
+                <a:ext cx="288032" cy="288032"/>
+              </a:xfrm>
+              <a:prstGeom prst="ellipse">
+                <a:avLst/>
+              </a:prstGeom>
+              <a:grpFill/>
+              <a:ln>
+                <a:solidFill>
+                  <a:schemeClr val="tx1"/>
+                </a:solidFill>
+                <a:headEnd type="triangle" w="med" len="med"/>
+                <a:tailEnd type="none" w="med" len="med"/>
+              </a:ln>
+            </p:spPr>
+            <p:style>
+              <a:lnRef idx="2">
+                <a:schemeClr val="accent1">
+                  <a:shade val="50000"/>
+                </a:schemeClr>
+              </a:lnRef>
+              <a:fillRef idx="1">
+                <a:schemeClr val="accent1"/>
+              </a:fillRef>
+              <a:effectRef idx="0">
+                <a:schemeClr val="accent1"/>
+              </a:effectRef>
+              <a:fontRef idx="minor">
+                <a:schemeClr val="lt1"/>
+              </a:fontRef>
+            </p:style>
+            <p:txBody>
+              <a:bodyPr rtlCol="0" anchor="ctr"/>
+              <a:lstStyle/>
+              <a:p>
+                <a:pPr algn="ctr"/>
+                <a:endParaRPr kumimoji="1" lang="ja-JP" altLang="en-US"/>
+              </a:p>
+            </p:txBody>
+          </p:sp>
+          <p:cxnSp>
+            <p:nvCxnSpPr>
+              <p:cNvPr id="101" name="直線矢印コネクタ 100">
+                <a:extLst>
+                  <a:ext uri="{FF2B5EF4-FFF2-40B4-BE49-F238E27FC236}">
+                    <a16:creationId xmlns:a16="http://schemas.microsoft.com/office/drawing/2014/main" id="{BFE3E4EA-1535-BC48-97C1-C5DD3B160A32}"/>
+                  </a:ext>
+                </a:extLst>
+              </p:cNvPr>
+              <p:cNvCxnSpPr>
+                <a:cxnSpLocks/>
+              </p:cNvCxnSpPr>
+              <p:nvPr/>
+            </p:nvCxnSpPr>
+            <p:spPr>
+              <a:xfrm flipV="1">
+                <a:off x="3131840" y="868797"/>
+                <a:ext cx="0" cy="216024"/>
+              </a:xfrm>
+              <a:prstGeom prst="straightConnector1">
+                <a:avLst/>
+              </a:prstGeom>
+              <a:grpFill/>
+              <a:ln w="12700">
+                <a:solidFill>
+                  <a:schemeClr val="tx1"/>
+                </a:solidFill>
+                <a:headEnd type="triangle" w="med" len="med"/>
+                <a:tailEnd type="none" w="med" len="med"/>
+              </a:ln>
+            </p:spPr>
+            <p:style>
+              <a:lnRef idx="1">
+                <a:schemeClr val="accent1"/>
+              </a:lnRef>
+              <a:fillRef idx="0">
+                <a:schemeClr val="accent1"/>
+              </a:fillRef>
+              <a:effectRef idx="0">
+                <a:schemeClr val="accent1"/>
+              </a:effectRef>
+              <a:fontRef idx="minor">
+                <a:schemeClr val="tx1"/>
+              </a:fontRef>
+            </p:style>
+          </p:cxnSp>
+        </p:grpSp>
+        <p:grpSp>
+          <p:nvGrpSpPr>
+            <p:cNvPr id="102" name="グループ化 101">
+              <a:extLst>
+                <a:ext uri="{FF2B5EF4-FFF2-40B4-BE49-F238E27FC236}">
+                  <a16:creationId xmlns:a16="http://schemas.microsoft.com/office/drawing/2014/main" id="{CAA9970B-D607-F24E-9F00-53D92C787AC3}"/>
+                </a:ext>
+              </a:extLst>
+            </p:cNvPr>
+            <p:cNvGrpSpPr/>
+            <p:nvPr/>
+          </p:nvGrpSpPr>
+          <p:grpSpPr>
+            <a:xfrm>
+              <a:off x="6300192" y="3789040"/>
+              <a:ext cx="288032" cy="288032"/>
+              <a:chOff x="2987824" y="836712"/>
+              <a:chExt cx="288032" cy="288032"/>
+            </a:xfrm>
+            <a:solidFill>
+              <a:schemeClr val="accent5">
+                <a:lumMod val="20000"/>
+                <a:lumOff val="80000"/>
+              </a:schemeClr>
+            </a:solidFill>
+          </p:grpSpPr>
+          <p:sp>
+            <p:nvSpPr>
+              <p:cNvPr id="103" name="円/楕円 102">
+                <a:extLst>
+                  <a:ext uri="{FF2B5EF4-FFF2-40B4-BE49-F238E27FC236}">
+                    <a16:creationId xmlns:a16="http://schemas.microsoft.com/office/drawing/2014/main" id="{6E094268-F475-A745-ABF8-6ED57C4B81EC}"/>
+                  </a:ext>
+                </a:extLst>
+              </p:cNvPr>
+              <p:cNvSpPr/>
+              <p:nvPr/>
+            </p:nvSpPr>
+            <p:spPr>
+              <a:xfrm>
+                <a:off x="2987824" y="836712"/>
+                <a:ext cx="288032" cy="288032"/>
+              </a:xfrm>
+              <a:prstGeom prst="ellipse">
+                <a:avLst/>
+              </a:prstGeom>
+              <a:grpFill/>
+              <a:ln>
+                <a:solidFill>
+                  <a:schemeClr val="tx1"/>
+                </a:solidFill>
+                <a:headEnd type="triangle" w="med" len="med"/>
+                <a:tailEnd type="none" w="med" len="med"/>
+              </a:ln>
+            </p:spPr>
+            <p:style>
+              <a:lnRef idx="2">
+                <a:schemeClr val="accent1">
+                  <a:shade val="50000"/>
+                </a:schemeClr>
+              </a:lnRef>
+              <a:fillRef idx="1">
+                <a:schemeClr val="accent1"/>
+              </a:fillRef>
+              <a:effectRef idx="0">
+                <a:schemeClr val="accent1"/>
+              </a:effectRef>
+              <a:fontRef idx="minor">
+                <a:schemeClr val="lt1"/>
+              </a:fontRef>
+            </p:style>
+            <p:txBody>
+              <a:bodyPr rtlCol="0" anchor="ctr"/>
+              <a:lstStyle/>
+              <a:p>
+                <a:pPr algn="ctr"/>
+                <a:endParaRPr kumimoji="1" lang="ja-JP" altLang="en-US"/>
+              </a:p>
+            </p:txBody>
+          </p:sp>
+          <p:cxnSp>
+            <p:nvCxnSpPr>
+              <p:cNvPr id="104" name="直線矢印コネクタ 103">
+                <a:extLst>
+                  <a:ext uri="{FF2B5EF4-FFF2-40B4-BE49-F238E27FC236}">
+                    <a16:creationId xmlns:a16="http://schemas.microsoft.com/office/drawing/2014/main" id="{03CDF869-D2E7-7C47-ACF6-D85577CDC795}"/>
+                  </a:ext>
+                </a:extLst>
+              </p:cNvPr>
+              <p:cNvCxnSpPr>
+                <a:cxnSpLocks/>
+              </p:cNvCxnSpPr>
+              <p:nvPr/>
+            </p:nvCxnSpPr>
+            <p:spPr>
+              <a:xfrm flipV="1">
+                <a:off x="3131840" y="868797"/>
+                <a:ext cx="0" cy="216024"/>
+              </a:xfrm>
+              <a:prstGeom prst="straightConnector1">
+                <a:avLst/>
+              </a:prstGeom>
+              <a:grpFill/>
+              <a:ln w="12700">
+                <a:solidFill>
+                  <a:schemeClr val="tx1"/>
+                </a:solidFill>
+                <a:headEnd type="triangle" w="med" len="med"/>
+                <a:tailEnd type="none" w="med" len="med"/>
+              </a:ln>
+            </p:spPr>
+            <p:style>
+              <a:lnRef idx="1">
+                <a:schemeClr val="accent1"/>
+              </a:lnRef>
+              <a:fillRef idx="0">
+                <a:schemeClr val="accent1"/>
+              </a:fillRef>
+              <a:effectRef idx="0">
+                <a:schemeClr val="accent1"/>
+              </a:effectRef>
+              <a:fontRef idx="minor">
+                <a:schemeClr val="tx1"/>
+              </a:fontRef>
+            </p:style>
+          </p:cxnSp>
+        </p:grpSp>
+        <p:grpSp>
+          <p:nvGrpSpPr>
+            <p:cNvPr id="105" name="グループ化 104">
+              <a:extLst>
+                <a:ext uri="{FF2B5EF4-FFF2-40B4-BE49-F238E27FC236}">
+                  <a16:creationId xmlns:a16="http://schemas.microsoft.com/office/drawing/2014/main" id="{A7E49494-C2FD-2F4D-87D6-A3FE5F810E75}"/>
+                </a:ext>
+              </a:extLst>
+            </p:cNvPr>
+            <p:cNvGrpSpPr/>
+            <p:nvPr/>
+          </p:nvGrpSpPr>
+          <p:grpSpPr>
+            <a:xfrm>
+              <a:off x="5580112" y="3789040"/>
+              <a:ext cx="288032" cy="288032"/>
+              <a:chOff x="2987824" y="836712"/>
+              <a:chExt cx="288032" cy="288032"/>
+            </a:xfrm>
+            <a:solidFill>
+              <a:schemeClr val="accent2">
+                <a:lumMod val="20000"/>
+                <a:lumOff val="80000"/>
+              </a:schemeClr>
+            </a:solidFill>
+          </p:grpSpPr>
+          <p:sp>
+            <p:nvSpPr>
+              <p:cNvPr id="106" name="円/楕円 105">
+                <a:extLst>
+                  <a:ext uri="{FF2B5EF4-FFF2-40B4-BE49-F238E27FC236}">
+                    <a16:creationId xmlns:a16="http://schemas.microsoft.com/office/drawing/2014/main" id="{36984A17-615E-B74A-9CDF-B09B9C4CEEBE}"/>
+                  </a:ext>
+                </a:extLst>
+              </p:cNvPr>
+              <p:cNvSpPr/>
+              <p:nvPr/>
+            </p:nvSpPr>
+            <p:spPr>
+              <a:xfrm>
+                <a:off x="2987824" y="836712"/>
+                <a:ext cx="288032" cy="288032"/>
+              </a:xfrm>
+              <a:prstGeom prst="ellipse">
+                <a:avLst/>
+              </a:prstGeom>
+              <a:grpFill/>
+              <a:ln>
+                <a:solidFill>
+                  <a:schemeClr val="tx1"/>
+                </a:solidFill>
+                <a:headEnd type="triangle" w="med" len="med"/>
+                <a:tailEnd type="none" w="med" len="med"/>
+              </a:ln>
+            </p:spPr>
+            <p:style>
+              <a:lnRef idx="2">
+                <a:schemeClr val="accent1">
+                  <a:shade val="50000"/>
+                </a:schemeClr>
+              </a:lnRef>
+              <a:fillRef idx="1">
+                <a:schemeClr val="accent1"/>
+              </a:fillRef>
+              <a:effectRef idx="0">
+                <a:schemeClr val="accent1"/>
+              </a:effectRef>
+              <a:fontRef idx="minor">
+                <a:schemeClr val="lt1"/>
+              </a:fontRef>
+            </p:style>
+            <p:txBody>
+              <a:bodyPr rtlCol="0" anchor="ctr"/>
+              <a:lstStyle/>
+              <a:p>
+                <a:pPr algn="ctr"/>
+                <a:endParaRPr kumimoji="1" lang="ja-JP" altLang="en-US"/>
+              </a:p>
+            </p:txBody>
+          </p:sp>
+          <p:cxnSp>
+            <p:nvCxnSpPr>
+              <p:cNvPr id="107" name="直線矢印コネクタ 106">
+                <a:extLst>
+                  <a:ext uri="{FF2B5EF4-FFF2-40B4-BE49-F238E27FC236}">
+                    <a16:creationId xmlns:a16="http://schemas.microsoft.com/office/drawing/2014/main" id="{669F0CD1-C03E-2448-B35A-D177E007BE70}"/>
+                  </a:ext>
+                </a:extLst>
+              </p:cNvPr>
+              <p:cNvCxnSpPr>
+                <a:cxnSpLocks/>
+              </p:cNvCxnSpPr>
+              <p:nvPr/>
+            </p:nvCxnSpPr>
+            <p:spPr>
+              <a:xfrm flipV="1">
+                <a:off x="3131840" y="868797"/>
+                <a:ext cx="0" cy="216024"/>
+              </a:xfrm>
+              <a:prstGeom prst="straightConnector1">
+                <a:avLst/>
+              </a:prstGeom>
+              <a:grpFill/>
+              <a:ln w="12700">
+                <a:solidFill>
+                  <a:schemeClr val="tx1"/>
+                </a:solidFill>
+                <a:headEnd type="triangle" w="med" len="med"/>
+                <a:tailEnd type="none" w="med" len="med"/>
+              </a:ln>
+            </p:spPr>
+            <p:style>
+              <a:lnRef idx="1">
+                <a:schemeClr val="accent1"/>
+              </a:lnRef>
+              <a:fillRef idx="0">
+                <a:schemeClr val="accent1"/>
+              </a:fillRef>
+              <a:effectRef idx="0">
+                <a:schemeClr val="accent1"/>
+              </a:effectRef>
+              <a:fontRef idx="minor">
+                <a:schemeClr val="tx1"/>
+              </a:fontRef>
+            </p:style>
+          </p:cxnSp>
+        </p:grpSp>
+      </p:grpSp>
+      <p:grpSp>
+        <p:nvGrpSpPr>
+          <p:cNvPr id="140" name="グループ化 139">
+            <a:extLst>
+              <a:ext uri="{FF2B5EF4-FFF2-40B4-BE49-F238E27FC236}">
+                <a16:creationId xmlns:a16="http://schemas.microsoft.com/office/drawing/2014/main" id="{437DDB47-6966-694B-A13D-FCD86ED40BE1}"/>
+              </a:ext>
+            </a:extLst>
+          </p:cNvPr>
+          <p:cNvGrpSpPr/>
+          <p:nvPr/>
+        </p:nvGrpSpPr>
+        <p:grpSpPr>
+          <a:xfrm>
+            <a:off x="3707904" y="2852936"/>
+            <a:ext cx="1296144" cy="1296144"/>
+            <a:chOff x="3347864" y="2348880"/>
+            <a:chExt cx="1728192" cy="1728192"/>
+          </a:xfrm>
+        </p:grpSpPr>
+        <p:sp>
+          <p:nvSpPr>
+            <p:cNvPr id="108" name="正方形/長方形 107">
+              <a:extLst>
+                <a:ext uri="{FF2B5EF4-FFF2-40B4-BE49-F238E27FC236}">
+                  <a16:creationId xmlns:a16="http://schemas.microsoft.com/office/drawing/2014/main" id="{E3F35E92-EBB3-4A4D-B7A2-926EDF528587}"/>
+                </a:ext>
+              </a:extLst>
+            </p:cNvPr>
+            <p:cNvSpPr/>
+            <p:nvPr/>
+          </p:nvSpPr>
+          <p:spPr>
+            <a:xfrm>
+              <a:off x="3491880" y="2492896"/>
+              <a:ext cx="720080" cy="720080"/>
+            </a:xfrm>
+            <a:prstGeom prst="rect">
+              <a:avLst/>
+            </a:prstGeom>
+            <a:noFill/>
+            <a:ln>
+              <a:solidFill>
+                <a:schemeClr val="tx1"/>
+              </a:solidFill>
+            </a:ln>
+          </p:spPr>
+          <p:style>
+            <a:lnRef idx="2">
+              <a:schemeClr val="accent1">
+                <a:shade val="50000"/>
+              </a:schemeClr>
+            </a:lnRef>
+            <a:fillRef idx="1">
+              <a:schemeClr val="accent1"/>
+            </a:fillRef>
+            <a:effectRef idx="0">
+              <a:schemeClr val="accent1"/>
+            </a:effectRef>
+            <a:fontRef idx="minor">
+              <a:schemeClr val="lt1"/>
+            </a:fontRef>
+          </p:style>
+          <p:txBody>
+            <a:bodyPr rtlCol="0" anchor="ctr"/>
+            <a:lstStyle/>
+            <a:p>
+              <a:pPr algn="ctr"/>
+              <a:endParaRPr kumimoji="1" lang="ja-JP" altLang="en-US"/>
+            </a:p>
+          </p:txBody>
+        </p:sp>
+        <p:sp>
+          <p:nvSpPr>
+            <p:cNvPr id="109" name="正方形/長方形 108">
+              <a:extLst>
+                <a:ext uri="{FF2B5EF4-FFF2-40B4-BE49-F238E27FC236}">
+                  <a16:creationId xmlns:a16="http://schemas.microsoft.com/office/drawing/2014/main" id="{B59A662F-85A9-2F49-B737-4D824F5ED575}"/>
+                </a:ext>
+              </a:extLst>
+            </p:cNvPr>
+            <p:cNvSpPr/>
+            <p:nvPr/>
+          </p:nvSpPr>
+          <p:spPr>
+            <a:xfrm>
+              <a:off x="3491880" y="3212976"/>
+              <a:ext cx="720080" cy="720080"/>
+            </a:xfrm>
+            <a:prstGeom prst="rect">
+              <a:avLst/>
+            </a:prstGeom>
+            <a:noFill/>
+            <a:ln>
+              <a:solidFill>
+                <a:schemeClr val="tx1"/>
+              </a:solidFill>
+            </a:ln>
+          </p:spPr>
+          <p:style>
+            <a:lnRef idx="2">
+              <a:schemeClr val="accent1">
+                <a:shade val="50000"/>
+              </a:schemeClr>
+            </a:lnRef>
+            <a:fillRef idx="1">
+              <a:schemeClr val="accent1"/>
+            </a:fillRef>
+            <a:effectRef idx="0">
+              <a:schemeClr val="accent1"/>
+            </a:effectRef>
+            <a:fontRef idx="minor">
+              <a:schemeClr val="lt1"/>
+            </a:fontRef>
+          </p:style>
+          <p:txBody>
+            <a:bodyPr rtlCol="0" anchor="ctr"/>
+            <a:lstStyle/>
+            <a:p>
+              <a:pPr algn="ctr"/>
+              <a:endParaRPr kumimoji="1" lang="ja-JP" altLang="en-US"/>
+            </a:p>
+          </p:txBody>
+        </p:sp>
+        <p:sp>
+          <p:nvSpPr>
+            <p:cNvPr id="110" name="正方形/長方形 109">
+              <a:extLst>
+                <a:ext uri="{FF2B5EF4-FFF2-40B4-BE49-F238E27FC236}">
+                  <a16:creationId xmlns:a16="http://schemas.microsoft.com/office/drawing/2014/main" id="{AEF4108F-49C0-E647-B53B-13A5C97EBD53}"/>
+                </a:ext>
+              </a:extLst>
+            </p:cNvPr>
+            <p:cNvSpPr/>
+            <p:nvPr/>
+          </p:nvSpPr>
+          <p:spPr>
+            <a:xfrm>
+              <a:off x="4211960" y="2492896"/>
+              <a:ext cx="720080" cy="720080"/>
+            </a:xfrm>
+            <a:prstGeom prst="rect">
+              <a:avLst/>
+            </a:prstGeom>
+            <a:noFill/>
+            <a:ln>
+              <a:solidFill>
+                <a:schemeClr val="tx1"/>
+              </a:solidFill>
+            </a:ln>
+          </p:spPr>
+          <p:style>
+            <a:lnRef idx="2">
+              <a:schemeClr val="accent1">
+                <a:shade val="50000"/>
+              </a:schemeClr>
+            </a:lnRef>
+            <a:fillRef idx="1">
+              <a:schemeClr val="accent1"/>
+            </a:fillRef>
+            <a:effectRef idx="0">
+              <a:schemeClr val="accent1"/>
+            </a:effectRef>
+            <a:fontRef idx="minor">
+              <a:schemeClr val="lt1"/>
+            </a:fontRef>
+          </p:style>
+          <p:txBody>
+            <a:bodyPr rtlCol="0" anchor="ctr"/>
+            <a:lstStyle/>
+            <a:p>
+              <a:pPr algn="ctr"/>
+              <a:endParaRPr kumimoji="1" lang="ja-JP" altLang="en-US"/>
+            </a:p>
+          </p:txBody>
+        </p:sp>
+        <p:sp>
+          <p:nvSpPr>
+            <p:cNvPr id="111" name="正方形/長方形 110">
+              <a:extLst>
+                <a:ext uri="{FF2B5EF4-FFF2-40B4-BE49-F238E27FC236}">
+                  <a16:creationId xmlns:a16="http://schemas.microsoft.com/office/drawing/2014/main" id="{19C98A3C-36F8-2F40-A31F-36921679E319}"/>
+                </a:ext>
+              </a:extLst>
+            </p:cNvPr>
+            <p:cNvSpPr/>
+            <p:nvPr/>
+          </p:nvSpPr>
+          <p:spPr>
+            <a:xfrm>
+              <a:off x="4211960" y="3212976"/>
+              <a:ext cx="720080" cy="720080"/>
+            </a:xfrm>
+            <a:prstGeom prst="rect">
+              <a:avLst/>
+            </a:prstGeom>
+            <a:noFill/>
+            <a:ln>
+              <a:solidFill>
+                <a:schemeClr val="tx1"/>
+              </a:solidFill>
+            </a:ln>
+          </p:spPr>
+          <p:style>
+            <a:lnRef idx="2">
+              <a:schemeClr val="accent1">
+                <a:shade val="50000"/>
+              </a:schemeClr>
+            </a:lnRef>
+            <a:fillRef idx="1">
+              <a:schemeClr val="accent1"/>
+            </a:fillRef>
+            <a:effectRef idx="0">
+              <a:schemeClr val="accent1"/>
+            </a:effectRef>
+            <a:fontRef idx="minor">
+              <a:schemeClr val="lt1"/>
+            </a:fontRef>
+          </p:style>
+          <p:txBody>
+            <a:bodyPr rtlCol="0" anchor="ctr"/>
+            <a:lstStyle/>
+            <a:p>
+              <a:pPr algn="ctr"/>
+              <a:endParaRPr kumimoji="1" lang="ja-JP" altLang="en-US"/>
+            </a:p>
+          </p:txBody>
+        </p:sp>
+        <p:grpSp>
+          <p:nvGrpSpPr>
+            <p:cNvPr id="112" name="グループ化 111">
+              <a:extLst>
+                <a:ext uri="{FF2B5EF4-FFF2-40B4-BE49-F238E27FC236}">
+                  <a16:creationId xmlns:a16="http://schemas.microsoft.com/office/drawing/2014/main" id="{334A3001-8443-234D-A1BB-CD4C4E598067}"/>
+                </a:ext>
+              </a:extLst>
+            </p:cNvPr>
+            <p:cNvGrpSpPr/>
+            <p:nvPr/>
+          </p:nvGrpSpPr>
+          <p:grpSpPr>
+            <a:xfrm>
+              <a:off x="4788024" y="2348880"/>
+              <a:ext cx="288032" cy="288032"/>
+              <a:chOff x="2987824" y="836712"/>
+              <a:chExt cx="288032" cy="288032"/>
+            </a:xfrm>
+            <a:solidFill>
+              <a:schemeClr val="accent5">
+                <a:lumMod val="20000"/>
+                <a:lumOff val="80000"/>
+              </a:schemeClr>
+            </a:solidFill>
+          </p:grpSpPr>
+          <p:sp>
+            <p:nvSpPr>
+              <p:cNvPr id="113" name="円/楕円 112">
+                <a:extLst>
+                  <a:ext uri="{FF2B5EF4-FFF2-40B4-BE49-F238E27FC236}">
+                    <a16:creationId xmlns:a16="http://schemas.microsoft.com/office/drawing/2014/main" id="{6A8C25AF-B288-3D4E-856F-B0856982F699}"/>
+                  </a:ext>
+                </a:extLst>
+              </p:cNvPr>
+              <p:cNvSpPr/>
+              <p:nvPr/>
+            </p:nvSpPr>
+            <p:spPr>
+              <a:xfrm>
+                <a:off x="2987824" y="836712"/>
+                <a:ext cx="288032" cy="288032"/>
+              </a:xfrm>
+              <a:prstGeom prst="ellipse">
+                <a:avLst/>
+              </a:prstGeom>
+              <a:grpFill/>
+              <a:ln>
+                <a:solidFill>
+                  <a:schemeClr val="tx1"/>
+                </a:solidFill>
+                <a:headEnd type="none" w="med" len="med"/>
+                <a:tailEnd type="triangle" w="med" len="med"/>
+              </a:ln>
+            </p:spPr>
+            <p:style>
+              <a:lnRef idx="2">
+                <a:schemeClr val="accent1">
+                  <a:shade val="50000"/>
+                </a:schemeClr>
+              </a:lnRef>
+              <a:fillRef idx="1">
+                <a:schemeClr val="accent1"/>
+              </a:fillRef>
+              <a:effectRef idx="0">
+                <a:schemeClr val="accent1"/>
+              </a:effectRef>
+              <a:fontRef idx="minor">
+                <a:schemeClr val="lt1"/>
+              </a:fontRef>
+            </p:style>
+            <p:txBody>
+              <a:bodyPr rtlCol="0" anchor="ctr"/>
+              <a:lstStyle/>
+              <a:p>
+                <a:pPr algn="ctr"/>
+                <a:endParaRPr kumimoji="1" lang="ja-JP" altLang="en-US"/>
+              </a:p>
+            </p:txBody>
+          </p:sp>
+          <p:cxnSp>
+            <p:nvCxnSpPr>
+              <p:cNvPr id="114" name="直線矢印コネクタ 113">
+                <a:extLst>
+                  <a:ext uri="{FF2B5EF4-FFF2-40B4-BE49-F238E27FC236}">
+                    <a16:creationId xmlns:a16="http://schemas.microsoft.com/office/drawing/2014/main" id="{A488CAFD-EA0B-F148-8521-0AACD41776A2}"/>
+                  </a:ext>
+                </a:extLst>
+              </p:cNvPr>
+              <p:cNvCxnSpPr>
+                <a:cxnSpLocks/>
+              </p:cNvCxnSpPr>
+              <p:nvPr/>
+            </p:nvCxnSpPr>
+            <p:spPr>
+              <a:xfrm flipV="1">
+                <a:off x="3131840" y="868797"/>
+                <a:ext cx="0" cy="216024"/>
+              </a:xfrm>
+              <a:prstGeom prst="straightConnector1">
+                <a:avLst/>
+              </a:prstGeom>
+              <a:grpFill/>
+              <a:ln w="12700">
+                <a:solidFill>
+                  <a:schemeClr val="tx1"/>
+                </a:solidFill>
+                <a:headEnd type="none" w="med" len="med"/>
+                <a:tailEnd type="triangle" w="med" len="med"/>
+              </a:ln>
+            </p:spPr>
+            <p:style>
+              <a:lnRef idx="1">
+                <a:schemeClr val="accent1"/>
+              </a:lnRef>
+              <a:fillRef idx="0">
+                <a:schemeClr val="accent1"/>
+              </a:fillRef>
+              <a:effectRef idx="0">
+                <a:schemeClr val="accent1"/>
+              </a:effectRef>
+              <a:fontRef idx="minor">
+                <a:schemeClr val="tx1"/>
+              </a:fontRef>
+            </p:style>
+          </p:cxnSp>
+        </p:grpSp>
+        <p:grpSp>
+          <p:nvGrpSpPr>
+            <p:cNvPr id="115" name="グループ化 114">
+              <a:extLst>
+                <a:ext uri="{FF2B5EF4-FFF2-40B4-BE49-F238E27FC236}">
+                  <a16:creationId xmlns:a16="http://schemas.microsoft.com/office/drawing/2014/main" id="{23CE7689-F349-8046-AA0C-B6CCB6D99776}"/>
+                </a:ext>
+              </a:extLst>
+            </p:cNvPr>
+            <p:cNvGrpSpPr/>
+            <p:nvPr/>
+          </p:nvGrpSpPr>
+          <p:grpSpPr>
+            <a:xfrm>
+              <a:off x="4067944" y="2348880"/>
+              <a:ext cx="288032" cy="288032"/>
+              <a:chOff x="2987824" y="836712"/>
+              <a:chExt cx="288032" cy="288032"/>
+            </a:xfrm>
+            <a:solidFill>
+              <a:schemeClr val="accent2">
+                <a:lumMod val="20000"/>
+                <a:lumOff val="80000"/>
+              </a:schemeClr>
+            </a:solidFill>
+          </p:grpSpPr>
+          <p:sp>
+            <p:nvSpPr>
+              <p:cNvPr id="116" name="円/楕円 115">
+                <a:extLst>
+                  <a:ext uri="{FF2B5EF4-FFF2-40B4-BE49-F238E27FC236}">
+                    <a16:creationId xmlns:a16="http://schemas.microsoft.com/office/drawing/2014/main" id="{BB5B9948-FF4F-7A44-B112-14EB4A55B4F4}"/>
+                  </a:ext>
+                </a:extLst>
+              </p:cNvPr>
+              <p:cNvSpPr/>
+              <p:nvPr/>
+            </p:nvSpPr>
+            <p:spPr>
+              <a:xfrm>
+                <a:off x="2987824" y="836712"/>
+                <a:ext cx="288032" cy="288032"/>
+              </a:xfrm>
+              <a:prstGeom prst="ellipse">
+                <a:avLst/>
+              </a:prstGeom>
+              <a:grpFill/>
+              <a:ln>
+                <a:solidFill>
+                  <a:schemeClr val="tx1"/>
+                </a:solidFill>
+                <a:headEnd type="triangle" w="med" len="med"/>
+                <a:tailEnd type="none" w="med" len="med"/>
+              </a:ln>
+            </p:spPr>
+            <p:style>
+              <a:lnRef idx="2">
+                <a:schemeClr val="accent1">
+                  <a:shade val="50000"/>
+                </a:schemeClr>
+              </a:lnRef>
+              <a:fillRef idx="1">
+                <a:schemeClr val="accent1"/>
+              </a:fillRef>
+              <a:effectRef idx="0">
+                <a:schemeClr val="accent1"/>
+              </a:effectRef>
+              <a:fontRef idx="minor">
+                <a:schemeClr val="lt1"/>
+              </a:fontRef>
+            </p:style>
+            <p:txBody>
+              <a:bodyPr rtlCol="0" anchor="ctr"/>
+              <a:lstStyle/>
+              <a:p>
+                <a:pPr algn="ctr"/>
+                <a:endParaRPr kumimoji="1" lang="ja-JP" altLang="en-US"/>
+              </a:p>
+            </p:txBody>
+          </p:sp>
+          <p:cxnSp>
+            <p:nvCxnSpPr>
+              <p:cNvPr id="117" name="直線矢印コネクタ 116">
+                <a:extLst>
+                  <a:ext uri="{FF2B5EF4-FFF2-40B4-BE49-F238E27FC236}">
+                    <a16:creationId xmlns:a16="http://schemas.microsoft.com/office/drawing/2014/main" id="{7569FA57-0FF7-214F-B232-F06D860A5689}"/>
+                  </a:ext>
+                </a:extLst>
+              </p:cNvPr>
+              <p:cNvCxnSpPr>
+                <a:cxnSpLocks/>
+              </p:cNvCxnSpPr>
+              <p:nvPr/>
+            </p:nvCxnSpPr>
+            <p:spPr>
+              <a:xfrm flipV="1">
+                <a:off x="3131840" y="868797"/>
+                <a:ext cx="0" cy="216024"/>
+              </a:xfrm>
+              <a:prstGeom prst="straightConnector1">
+                <a:avLst/>
+              </a:prstGeom>
+              <a:grpFill/>
+              <a:ln w="12700">
+                <a:solidFill>
+                  <a:schemeClr val="tx1"/>
+                </a:solidFill>
+                <a:headEnd type="triangle" w="med" len="med"/>
+                <a:tailEnd type="none" w="med" len="med"/>
+              </a:ln>
+            </p:spPr>
+            <p:style>
+              <a:lnRef idx="1">
+                <a:schemeClr val="accent1"/>
+              </a:lnRef>
+              <a:fillRef idx="0">
+                <a:schemeClr val="accent1"/>
+              </a:fillRef>
+              <a:effectRef idx="0">
+                <a:schemeClr val="accent1"/>
+              </a:effectRef>
+              <a:fontRef idx="minor">
+                <a:schemeClr val="tx1"/>
+              </a:fontRef>
+            </p:style>
+          </p:cxnSp>
+        </p:grpSp>
+        <p:grpSp>
+          <p:nvGrpSpPr>
+            <p:cNvPr id="118" name="グループ化 117">
+              <a:extLst>
+                <a:ext uri="{FF2B5EF4-FFF2-40B4-BE49-F238E27FC236}">
+                  <a16:creationId xmlns:a16="http://schemas.microsoft.com/office/drawing/2014/main" id="{C376AB05-B0BA-2742-89B9-EA6DD726B5F6}"/>
+                </a:ext>
+              </a:extLst>
+            </p:cNvPr>
+            <p:cNvGrpSpPr/>
+            <p:nvPr/>
+          </p:nvGrpSpPr>
+          <p:grpSpPr>
+            <a:xfrm>
+              <a:off x="3347864" y="2348880"/>
+              <a:ext cx="288032" cy="288032"/>
+              <a:chOff x="2987824" y="836712"/>
+              <a:chExt cx="288032" cy="288032"/>
+            </a:xfrm>
+            <a:solidFill>
+              <a:schemeClr val="accent2">
+                <a:lumMod val="20000"/>
+                <a:lumOff val="80000"/>
+              </a:schemeClr>
+            </a:solidFill>
+          </p:grpSpPr>
+          <p:sp>
+            <p:nvSpPr>
+              <p:cNvPr id="119" name="円/楕円 118">
+                <a:extLst>
+                  <a:ext uri="{FF2B5EF4-FFF2-40B4-BE49-F238E27FC236}">
+                    <a16:creationId xmlns:a16="http://schemas.microsoft.com/office/drawing/2014/main" id="{8BAFBF92-E4DC-B348-8AA1-27021733AE37}"/>
+                  </a:ext>
+                </a:extLst>
+              </p:cNvPr>
+              <p:cNvSpPr/>
+              <p:nvPr/>
+            </p:nvSpPr>
+            <p:spPr>
+              <a:xfrm>
+                <a:off x="2987824" y="836712"/>
+                <a:ext cx="288032" cy="288032"/>
+              </a:xfrm>
+              <a:prstGeom prst="ellipse">
+                <a:avLst/>
+              </a:prstGeom>
+              <a:grpFill/>
+              <a:ln>
+                <a:solidFill>
+                  <a:schemeClr val="tx1"/>
+                </a:solidFill>
+                <a:headEnd type="triangle" w="med" len="med"/>
+                <a:tailEnd type="none" w="med" len="med"/>
+              </a:ln>
+            </p:spPr>
+            <p:style>
+              <a:lnRef idx="2">
+                <a:schemeClr val="accent1">
+                  <a:shade val="50000"/>
+                </a:schemeClr>
+              </a:lnRef>
+              <a:fillRef idx="1">
+                <a:schemeClr val="accent1"/>
+              </a:fillRef>
+              <a:effectRef idx="0">
+                <a:schemeClr val="accent1"/>
+              </a:effectRef>
+              <a:fontRef idx="minor">
+                <a:schemeClr val="lt1"/>
+              </a:fontRef>
+            </p:style>
+            <p:txBody>
+              <a:bodyPr rtlCol="0" anchor="ctr"/>
+              <a:lstStyle/>
+              <a:p>
+                <a:pPr algn="ctr"/>
+                <a:endParaRPr kumimoji="1" lang="ja-JP" altLang="en-US"/>
+              </a:p>
+            </p:txBody>
+          </p:sp>
+          <p:cxnSp>
+            <p:nvCxnSpPr>
+              <p:cNvPr id="120" name="直線矢印コネクタ 119">
+                <a:extLst>
+                  <a:ext uri="{FF2B5EF4-FFF2-40B4-BE49-F238E27FC236}">
+                    <a16:creationId xmlns:a16="http://schemas.microsoft.com/office/drawing/2014/main" id="{449E2302-6901-8D49-96ED-E4617D9FC894}"/>
+                  </a:ext>
+                </a:extLst>
+              </p:cNvPr>
+              <p:cNvCxnSpPr>
+                <a:cxnSpLocks/>
+              </p:cNvCxnSpPr>
+              <p:nvPr/>
+            </p:nvCxnSpPr>
+            <p:spPr>
+              <a:xfrm flipV="1">
+                <a:off x="3131840" y="868797"/>
+                <a:ext cx="0" cy="216024"/>
+              </a:xfrm>
+              <a:prstGeom prst="straightConnector1">
+                <a:avLst/>
+              </a:prstGeom>
+              <a:grpFill/>
+              <a:ln w="12700">
+                <a:solidFill>
+                  <a:schemeClr val="tx1"/>
+                </a:solidFill>
+                <a:headEnd type="triangle" w="med" len="med"/>
+                <a:tailEnd type="none" w="med" len="med"/>
+              </a:ln>
+            </p:spPr>
+            <p:style>
+              <a:lnRef idx="1">
+                <a:schemeClr val="accent1"/>
+              </a:lnRef>
+              <a:fillRef idx="0">
+                <a:schemeClr val="accent1"/>
+              </a:fillRef>
+              <a:effectRef idx="0">
+                <a:schemeClr val="accent1"/>
+              </a:effectRef>
+              <a:fontRef idx="minor">
+                <a:schemeClr val="tx1"/>
+              </a:fontRef>
+            </p:style>
+          </p:cxnSp>
+        </p:grpSp>
+        <p:grpSp>
+          <p:nvGrpSpPr>
+            <p:cNvPr id="121" name="グループ化 120">
+              <a:extLst>
+                <a:ext uri="{FF2B5EF4-FFF2-40B4-BE49-F238E27FC236}">
+                  <a16:creationId xmlns:a16="http://schemas.microsoft.com/office/drawing/2014/main" id="{8CFD6FD2-14AF-554F-9763-38DB9DBECB00}"/>
+                </a:ext>
+              </a:extLst>
+            </p:cNvPr>
+            <p:cNvGrpSpPr/>
+            <p:nvPr/>
+          </p:nvGrpSpPr>
+          <p:grpSpPr>
+            <a:xfrm>
+              <a:off x="4788024" y="3068960"/>
+              <a:ext cx="288032" cy="288032"/>
+              <a:chOff x="2987824" y="836712"/>
+              <a:chExt cx="288032" cy="288032"/>
+            </a:xfrm>
+            <a:solidFill>
+              <a:schemeClr val="accent5">
+                <a:lumMod val="20000"/>
+                <a:lumOff val="80000"/>
+              </a:schemeClr>
+            </a:solidFill>
+          </p:grpSpPr>
+          <p:sp>
+            <p:nvSpPr>
+              <p:cNvPr id="122" name="円/楕円 121">
+                <a:extLst>
+                  <a:ext uri="{FF2B5EF4-FFF2-40B4-BE49-F238E27FC236}">
+                    <a16:creationId xmlns:a16="http://schemas.microsoft.com/office/drawing/2014/main" id="{514421FB-B277-2941-9F15-EFFE5C4A0FCF}"/>
+                  </a:ext>
+                </a:extLst>
+              </p:cNvPr>
+              <p:cNvSpPr/>
+              <p:nvPr/>
+            </p:nvSpPr>
+            <p:spPr>
+              <a:xfrm>
+                <a:off x="2987824" y="836712"/>
+                <a:ext cx="288032" cy="288032"/>
+              </a:xfrm>
+              <a:prstGeom prst="ellipse">
+                <a:avLst/>
+              </a:prstGeom>
+              <a:grpFill/>
+              <a:ln>
+                <a:solidFill>
+                  <a:schemeClr val="tx1"/>
+                </a:solidFill>
+                <a:headEnd type="none" w="med" len="med"/>
+                <a:tailEnd type="triangle" w="med" len="med"/>
+              </a:ln>
+            </p:spPr>
+            <p:style>
+              <a:lnRef idx="2">
+                <a:schemeClr val="accent1">
+                  <a:shade val="50000"/>
+                </a:schemeClr>
+              </a:lnRef>
+              <a:fillRef idx="1">
+                <a:schemeClr val="accent1"/>
+              </a:fillRef>
+              <a:effectRef idx="0">
+                <a:schemeClr val="accent1"/>
+              </a:effectRef>
+              <a:fontRef idx="minor">
+                <a:schemeClr val="lt1"/>
+              </a:fontRef>
+            </p:style>
+            <p:txBody>
+              <a:bodyPr rtlCol="0" anchor="ctr"/>
+              <a:lstStyle/>
+              <a:p>
+                <a:pPr algn="ctr"/>
+                <a:endParaRPr kumimoji="1" lang="ja-JP" altLang="en-US"/>
+              </a:p>
+            </p:txBody>
+          </p:sp>
+          <p:cxnSp>
+            <p:nvCxnSpPr>
+              <p:cNvPr id="123" name="直線矢印コネクタ 122">
+                <a:extLst>
+                  <a:ext uri="{FF2B5EF4-FFF2-40B4-BE49-F238E27FC236}">
+                    <a16:creationId xmlns:a16="http://schemas.microsoft.com/office/drawing/2014/main" id="{471269F1-5C60-0641-8CE0-2ECD652752D6}"/>
+                  </a:ext>
+                </a:extLst>
+              </p:cNvPr>
+              <p:cNvCxnSpPr>
+                <a:cxnSpLocks/>
+              </p:cNvCxnSpPr>
+              <p:nvPr/>
+            </p:nvCxnSpPr>
+            <p:spPr>
+              <a:xfrm flipV="1">
+                <a:off x="3131840" y="868797"/>
+                <a:ext cx="0" cy="216024"/>
+              </a:xfrm>
+              <a:prstGeom prst="straightConnector1">
+                <a:avLst/>
+              </a:prstGeom>
+              <a:grpFill/>
+              <a:ln w="12700">
+                <a:solidFill>
+                  <a:schemeClr val="tx1"/>
+                </a:solidFill>
+                <a:headEnd type="none" w="med" len="med"/>
+                <a:tailEnd type="triangle" w="med" len="med"/>
+              </a:ln>
+            </p:spPr>
+            <p:style>
+              <a:lnRef idx="1">
+                <a:schemeClr val="accent1"/>
+              </a:lnRef>
+              <a:fillRef idx="0">
+                <a:schemeClr val="accent1"/>
+              </a:fillRef>
+              <a:effectRef idx="0">
+                <a:schemeClr val="accent1"/>
+              </a:effectRef>
+              <a:fontRef idx="minor">
+                <a:schemeClr val="tx1"/>
+              </a:fontRef>
+            </p:style>
+          </p:cxnSp>
+        </p:grpSp>
+        <p:grpSp>
+          <p:nvGrpSpPr>
+            <p:cNvPr id="124" name="グループ化 123">
+              <a:extLst>
+                <a:ext uri="{FF2B5EF4-FFF2-40B4-BE49-F238E27FC236}">
+                  <a16:creationId xmlns:a16="http://schemas.microsoft.com/office/drawing/2014/main" id="{2EC74662-2E64-8E44-BDB5-6A1D1A7EBECB}"/>
+                </a:ext>
+              </a:extLst>
+            </p:cNvPr>
+            <p:cNvGrpSpPr/>
+            <p:nvPr/>
+          </p:nvGrpSpPr>
+          <p:grpSpPr>
+            <a:xfrm>
+              <a:off x="4067944" y="3068960"/>
+              <a:ext cx="288032" cy="288032"/>
+              <a:chOff x="2987824" y="836712"/>
+              <a:chExt cx="288032" cy="288032"/>
+            </a:xfrm>
+            <a:solidFill>
+              <a:schemeClr val="accent2">
+                <a:lumMod val="20000"/>
+                <a:lumOff val="80000"/>
+              </a:schemeClr>
+            </a:solidFill>
+          </p:grpSpPr>
+          <p:sp>
+            <p:nvSpPr>
+              <p:cNvPr id="125" name="円/楕円 124">
+                <a:extLst>
+                  <a:ext uri="{FF2B5EF4-FFF2-40B4-BE49-F238E27FC236}">
+                    <a16:creationId xmlns:a16="http://schemas.microsoft.com/office/drawing/2014/main" id="{D363D930-2A7F-8143-A400-F192F6E88E80}"/>
+                  </a:ext>
+                </a:extLst>
+              </p:cNvPr>
+              <p:cNvSpPr/>
+              <p:nvPr/>
+            </p:nvSpPr>
+            <p:spPr>
+              <a:xfrm>
+                <a:off x="2987824" y="836712"/>
+                <a:ext cx="288032" cy="288032"/>
+              </a:xfrm>
+              <a:prstGeom prst="ellipse">
+                <a:avLst/>
+              </a:prstGeom>
+              <a:grpFill/>
+              <a:ln>
+                <a:solidFill>
+                  <a:schemeClr val="tx1"/>
+                </a:solidFill>
+                <a:headEnd type="triangle" w="med" len="med"/>
+                <a:tailEnd type="none" w="med" len="med"/>
+              </a:ln>
+            </p:spPr>
+            <p:style>
+              <a:lnRef idx="2">
+                <a:schemeClr val="accent1">
+                  <a:shade val="50000"/>
+                </a:schemeClr>
+              </a:lnRef>
+              <a:fillRef idx="1">
+                <a:schemeClr val="accent1"/>
+              </a:fillRef>
+              <a:effectRef idx="0">
+                <a:schemeClr val="accent1"/>
+              </a:effectRef>
+              <a:fontRef idx="minor">
+                <a:schemeClr val="lt1"/>
+              </a:fontRef>
+            </p:style>
+            <p:txBody>
+              <a:bodyPr rtlCol="0" anchor="ctr"/>
+              <a:lstStyle/>
+              <a:p>
+                <a:pPr algn="ctr"/>
+                <a:endParaRPr kumimoji="1" lang="ja-JP" altLang="en-US"/>
+              </a:p>
+            </p:txBody>
+          </p:sp>
+          <p:cxnSp>
+            <p:nvCxnSpPr>
+              <p:cNvPr id="126" name="直線矢印コネクタ 125">
+                <a:extLst>
+                  <a:ext uri="{FF2B5EF4-FFF2-40B4-BE49-F238E27FC236}">
+                    <a16:creationId xmlns:a16="http://schemas.microsoft.com/office/drawing/2014/main" id="{D3B02629-782D-8145-90FF-03B966BC46E0}"/>
+                  </a:ext>
+                </a:extLst>
+              </p:cNvPr>
+              <p:cNvCxnSpPr>
+                <a:cxnSpLocks/>
+              </p:cNvCxnSpPr>
+              <p:nvPr/>
+            </p:nvCxnSpPr>
+            <p:spPr>
+              <a:xfrm flipV="1">
+                <a:off x="3131840" y="868797"/>
+                <a:ext cx="0" cy="216024"/>
+              </a:xfrm>
+              <a:prstGeom prst="straightConnector1">
+                <a:avLst/>
+              </a:prstGeom>
+              <a:grpFill/>
+              <a:ln w="12700">
+                <a:solidFill>
+                  <a:schemeClr val="tx1"/>
+                </a:solidFill>
+                <a:headEnd type="triangle" w="med" len="med"/>
+                <a:tailEnd type="none" w="med" len="med"/>
+              </a:ln>
+            </p:spPr>
+            <p:style>
+              <a:lnRef idx="1">
+                <a:schemeClr val="accent1"/>
+              </a:lnRef>
+              <a:fillRef idx="0">
+                <a:schemeClr val="accent1"/>
+              </a:fillRef>
+              <a:effectRef idx="0">
+                <a:schemeClr val="accent1"/>
+              </a:effectRef>
+              <a:fontRef idx="minor">
+                <a:schemeClr val="tx1"/>
+              </a:fontRef>
+            </p:style>
+          </p:cxnSp>
+        </p:grpSp>
+        <p:grpSp>
+          <p:nvGrpSpPr>
+            <p:cNvPr id="127" name="グループ化 126">
+              <a:extLst>
+                <a:ext uri="{FF2B5EF4-FFF2-40B4-BE49-F238E27FC236}">
+                  <a16:creationId xmlns:a16="http://schemas.microsoft.com/office/drawing/2014/main" id="{46522BFD-483A-6B45-8CE0-E68D3A3EC1C6}"/>
+                </a:ext>
+              </a:extLst>
+            </p:cNvPr>
+            <p:cNvGrpSpPr/>
+            <p:nvPr/>
+          </p:nvGrpSpPr>
+          <p:grpSpPr>
+            <a:xfrm>
+              <a:off x="3347864" y="3068960"/>
+              <a:ext cx="288032" cy="288032"/>
+              <a:chOff x="2987824" y="836712"/>
+              <a:chExt cx="288032" cy="288032"/>
+            </a:xfrm>
+            <a:solidFill>
+              <a:schemeClr val="accent2">
+                <a:lumMod val="20000"/>
+                <a:lumOff val="80000"/>
+              </a:schemeClr>
+            </a:solidFill>
+          </p:grpSpPr>
+          <p:sp>
+            <p:nvSpPr>
+              <p:cNvPr id="128" name="円/楕円 127">
+                <a:extLst>
+                  <a:ext uri="{FF2B5EF4-FFF2-40B4-BE49-F238E27FC236}">
+                    <a16:creationId xmlns:a16="http://schemas.microsoft.com/office/drawing/2014/main" id="{A9DC1985-7CA3-C145-A548-761A6C5AFB2A}"/>
+                  </a:ext>
+                </a:extLst>
+              </p:cNvPr>
+              <p:cNvSpPr/>
+              <p:nvPr/>
+            </p:nvSpPr>
+            <p:spPr>
+              <a:xfrm>
+                <a:off x="2987824" y="836712"/>
+                <a:ext cx="288032" cy="288032"/>
+              </a:xfrm>
+              <a:prstGeom prst="ellipse">
+                <a:avLst/>
+              </a:prstGeom>
+              <a:grpFill/>
+              <a:ln>
+                <a:solidFill>
+                  <a:schemeClr val="tx1"/>
+                </a:solidFill>
+                <a:headEnd type="triangle" w="med" len="med"/>
+                <a:tailEnd type="none" w="med" len="med"/>
+              </a:ln>
+            </p:spPr>
+            <p:style>
+              <a:lnRef idx="2">
+                <a:schemeClr val="accent1">
+                  <a:shade val="50000"/>
+                </a:schemeClr>
+              </a:lnRef>
+              <a:fillRef idx="1">
+                <a:schemeClr val="accent1"/>
+              </a:fillRef>
+              <a:effectRef idx="0">
+                <a:schemeClr val="accent1"/>
+              </a:effectRef>
+              <a:fontRef idx="minor">
+                <a:schemeClr val="lt1"/>
+              </a:fontRef>
+            </p:style>
+            <p:txBody>
+              <a:bodyPr rtlCol="0" anchor="ctr"/>
+              <a:lstStyle/>
+              <a:p>
+                <a:pPr algn="ctr"/>
+                <a:endParaRPr kumimoji="1" lang="ja-JP" altLang="en-US"/>
+              </a:p>
+            </p:txBody>
+          </p:sp>
+          <p:cxnSp>
+            <p:nvCxnSpPr>
+              <p:cNvPr id="129" name="直線矢印コネクタ 128">
+                <a:extLst>
+                  <a:ext uri="{FF2B5EF4-FFF2-40B4-BE49-F238E27FC236}">
+                    <a16:creationId xmlns:a16="http://schemas.microsoft.com/office/drawing/2014/main" id="{26D93C4C-9C16-C842-AD53-187D2E47B73D}"/>
+                  </a:ext>
+                </a:extLst>
+              </p:cNvPr>
+              <p:cNvCxnSpPr>
+                <a:cxnSpLocks/>
+              </p:cNvCxnSpPr>
+              <p:nvPr/>
+            </p:nvCxnSpPr>
+            <p:spPr>
+              <a:xfrm flipV="1">
+                <a:off x="3131840" y="868797"/>
+                <a:ext cx="0" cy="216024"/>
+              </a:xfrm>
+              <a:prstGeom prst="straightConnector1">
+                <a:avLst/>
+              </a:prstGeom>
+              <a:grpFill/>
+              <a:ln w="12700">
+                <a:solidFill>
+                  <a:schemeClr val="tx1"/>
+                </a:solidFill>
+                <a:headEnd type="triangle" w="med" len="med"/>
+                <a:tailEnd type="none" w="med" len="med"/>
+              </a:ln>
+            </p:spPr>
+            <p:style>
+              <a:lnRef idx="1">
+                <a:schemeClr val="accent1"/>
+              </a:lnRef>
+              <a:fillRef idx="0">
+                <a:schemeClr val="accent1"/>
+              </a:fillRef>
+              <a:effectRef idx="0">
+                <a:schemeClr val="accent1"/>
+              </a:effectRef>
+              <a:fontRef idx="minor">
+                <a:schemeClr val="tx1"/>
+              </a:fontRef>
+            </p:style>
+          </p:cxnSp>
+        </p:grpSp>
+        <p:grpSp>
+          <p:nvGrpSpPr>
+            <p:cNvPr id="130" name="グループ化 129">
+              <a:extLst>
+                <a:ext uri="{FF2B5EF4-FFF2-40B4-BE49-F238E27FC236}">
+                  <a16:creationId xmlns:a16="http://schemas.microsoft.com/office/drawing/2014/main" id="{383613B7-2469-174A-91E8-4299C85334A4}"/>
+                </a:ext>
+              </a:extLst>
+            </p:cNvPr>
+            <p:cNvGrpSpPr/>
+            <p:nvPr/>
+          </p:nvGrpSpPr>
+          <p:grpSpPr>
+            <a:xfrm>
+              <a:off x="4788024" y="3789040"/>
+              <a:ext cx="288032" cy="288032"/>
+              <a:chOff x="2987824" y="836712"/>
+              <a:chExt cx="288032" cy="288032"/>
+            </a:xfrm>
+            <a:solidFill>
+              <a:schemeClr val="accent5">
+                <a:lumMod val="20000"/>
+                <a:lumOff val="80000"/>
+              </a:schemeClr>
+            </a:solidFill>
+          </p:grpSpPr>
+          <p:sp>
+            <p:nvSpPr>
+              <p:cNvPr id="131" name="円/楕円 130">
+                <a:extLst>
+                  <a:ext uri="{FF2B5EF4-FFF2-40B4-BE49-F238E27FC236}">
+                    <a16:creationId xmlns:a16="http://schemas.microsoft.com/office/drawing/2014/main" id="{F82E2E67-1BAA-E641-BFBB-6FF0C79863B6}"/>
+                  </a:ext>
+                </a:extLst>
+              </p:cNvPr>
+              <p:cNvSpPr/>
+              <p:nvPr/>
+            </p:nvSpPr>
+            <p:spPr>
+              <a:xfrm>
+                <a:off x="2987824" y="836712"/>
+                <a:ext cx="288032" cy="288032"/>
+              </a:xfrm>
+              <a:prstGeom prst="ellipse">
+                <a:avLst/>
+              </a:prstGeom>
+              <a:grpFill/>
+              <a:ln>
+                <a:solidFill>
+                  <a:schemeClr val="tx1"/>
+                </a:solidFill>
+                <a:headEnd type="none" w="med" len="med"/>
+                <a:tailEnd type="triangle" w="med" len="med"/>
+              </a:ln>
+            </p:spPr>
+            <p:style>
+              <a:lnRef idx="2">
+                <a:schemeClr val="accent1">
+                  <a:shade val="50000"/>
+                </a:schemeClr>
+              </a:lnRef>
+              <a:fillRef idx="1">
+                <a:schemeClr val="accent1"/>
+              </a:fillRef>
+              <a:effectRef idx="0">
+                <a:schemeClr val="accent1"/>
+              </a:effectRef>
+              <a:fontRef idx="minor">
+                <a:schemeClr val="lt1"/>
+              </a:fontRef>
+            </p:style>
+            <p:txBody>
+              <a:bodyPr rtlCol="0" anchor="ctr"/>
+              <a:lstStyle/>
+              <a:p>
+                <a:pPr algn="ctr"/>
+                <a:endParaRPr kumimoji="1" lang="ja-JP" altLang="en-US"/>
+              </a:p>
+            </p:txBody>
+          </p:sp>
+          <p:cxnSp>
+            <p:nvCxnSpPr>
+              <p:cNvPr id="132" name="直線矢印コネクタ 131">
+                <a:extLst>
+                  <a:ext uri="{FF2B5EF4-FFF2-40B4-BE49-F238E27FC236}">
+                    <a16:creationId xmlns:a16="http://schemas.microsoft.com/office/drawing/2014/main" id="{67E40D45-3165-4644-B24D-5BF60FB213D1}"/>
+                  </a:ext>
+                </a:extLst>
+              </p:cNvPr>
+              <p:cNvCxnSpPr>
+                <a:cxnSpLocks/>
+              </p:cNvCxnSpPr>
+              <p:nvPr/>
+            </p:nvCxnSpPr>
+            <p:spPr>
+              <a:xfrm flipV="1">
+                <a:off x="3131840" y="868797"/>
+                <a:ext cx="0" cy="216024"/>
+              </a:xfrm>
+              <a:prstGeom prst="straightConnector1">
+                <a:avLst/>
+              </a:prstGeom>
+              <a:grpFill/>
+              <a:ln w="12700">
+                <a:solidFill>
+                  <a:schemeClr val="tx1"/>
+                </a:solidFill>
+                <a:headEnd type="none" w="med" len="med"/>
+                <a:tailEnd type="triangle" w="med" len="med"/>
+              </a:ln>
+            </p:spPr>
+            <p:style>
+              <a:lnRef idx="1">
+                <a:schemeClr val="accent1"/>
+              </a:lnRef>
+              <a:fillRef idx="0">
+                <a:schemeClr val="accent1"/>
+              </a:fillRef>
+              <a:effectRef idx="0">
+                <a:schemeClr val="accent1"/>
+              </a:effectRef>
+              <a:fontRef idx="minor">
+                <a:schemeClr val="tx1"/>
+              </a:fontRef>
+            </p:style>
+          </p:cxnSp>
+        </p:grpSp>
+        <p:grpSp>
+          <p:nvGrpSpPr>
+            <p:cNvPr id="133" name="グループ化 132">
+              <a:extLst>
+                <a:ext uri="{FF2B5EF4-FFF2-40B4-BE49-F238E27FC236}">
+                  <a16:creationId xmlns:a16="http://schemas.microsoft.com/office/drawing/2014/main" id="{E2A1BC2D-24C9-334E-88FC-79DBB591E3B4}"/>
+                </a:ext>
+              </a:extLst>
+            </p:cNvPr>
+            <p:cNvGrpSpPr/>
+            <p:nvPr/>
+          </p:nvGrpSpPr>
+          <p:grpSpPr>
+            <a:xfrm>
+              <a:off x="4067944" y="3789040"/>
+              <a:ext cx="288032" cy="288032"/>
+              <a:chOff x="2987824" y="836712"/>
+              <a:chExt cx="288032" cy="288032"/>
+            </a:xfrm>
+            <a:solidFill>
+              <a:schemeClr val="accent5">
+                <a:lumMod val="20000"/>
+                <a:lumOff val="80000"/>
+              </a:schemeClr>
+            </a:solidFill>
+          </p:grpSpPr>
+          <p:sp>
+            <p:nvSpPr>
+              <p:cNvPr id="134" name="円/楕円 133">
+                <a:extLst>
+                  <a:ext uri="{FF2B5EF4-FFF2-40B4-BE49-F238E27FC236}">
+                    <a16:creationId xmlns:a16="http://schemas.microsoft.com/office/drawing/2014/main" id="{99B42E43-E9DB-534C-982F-3DF2832D3E9B}"/>
+                  </a:ext>
+                </a:extLst>
+              </p:cNvPr>
+              <p:cNvSpPr/>
+              <p:nvPr/>
+            </p:nvSpPr>
+            <p:spPr>
+              <a:xfrm>
+                <a:off x="2987824" y="836712"/>
+                <a:ext cx="288032" cy="288032"/>
+              </a:xfrm>
+              <a:prstGeom prst="ellipse">
+                <a:avLst/>
+              </a:prstGeom>
+              <a:grpFill/>
+              <a:ln>
+                <a:solidFill>
+                  <a:schemeClr val="tx1"/>
+                </a:solidFill>
+                <a:headEnd type="none" w="med" len="med"/>
+                <a:tailEnd type="triangle" w="med" len="med"/>
+              </a:ln>
+            </p:spPr>
+            <p:style>
+              <a:lnRef idx="2">
+                <a:schemeClr val="accent1">
+                  <a:shade val="50000"/>
+                </a:schemeClr>
+              </a:lnRef>
+              <a:fillRef idx="1">
+                <a:schemeClr val="accent1"/>
+              </a:fillRef>
+              <a:effectRef idx="0">
+                <a:schemeClr val="accent1"/>
+              </a:effectRef>
+              <a:fontRef idx="minor">
+                <a:schemeClr val="lt1"/>
+              </a:fontRef>
+            </p:style>
+            <p:txBody>
+              <a:bodyPr rtlCol="0" anchor="ctr"/>
+              <a:lstStyle/>
+              <a:p>
+                <a:pPr algn="ctr"/>
+                <a:endParaRPr kumimoji="1" lang="ja-JP" altLang="en-US"/>
+              </a:p>
+            </p:txBody>
+          </p:sp>
+          <p:cxnSp>
+            <p:nvCxnSpPr>
+              <p:cNvPr id="135" name="直線矢印コネクタ 134">
+                <a:extLst>
+                  <a:ext uri="{FF2B5EF4-FFF2-40B4-BE49-F238E27FC236}">
+                    <a16:creationId xmlns:a16="http://schemas.microsoft.com/office/drawing/2014/main" id="{B49EED26-19FA-5A4F-824E-05CD1EF8D528}"/>
+                  </a:ext>
+                </a:extLst>
+              </p:cNvPr>
+              <p:cNvCxnSpPr>
+                <a:cxnSpLocks/>
+              </p:cNvCxnSpPr>
+              <p:nvPr/>
+            </p:nvCxnSpPr>
+            <p:spPr>
+              <a:xfrm flipV="1">
+                <a:off x="3131840" y="868797"/>
+                <a:ext cx="0" cy="216024"/>
+              </a:xfrm>
+              <a:prstGeom prst="straightConnector1">
+                <a:avLst/>
+              </a:prstGeom>
+              <a:grpFill/>
+              <a:ln w="12700">
+                <a:solidFill>
+                  <a:schemeClr val="tx1"/>
+                </a:solidFill>
+                <a:headEnd type="none" w="med" len="med"/>
+                <a:tailEnd type="triangle" w="med" len="med"/>
+              </a:ln>
+            </p:spPr>
+            <p:style>
+              <a:lnRef idx="1">
+                <a:schemeClr val="accent1"/>
+              </a:lnRef>
+              <a:fillRef idx="0">
+                <a:schemeClr val="accent1"/>
+              </a:fillRef>
+              <a:effectRef idx="0">
+                <a:schemeClr val="accent1"/>
+              </a:effectRef>
+              <a:fontRef idx="minor">
+                <a:schemeClr val="tx1"/>
+              </a:fontRef>
+            </p:style>
+          </p:cxnSp>
+        </p:grpSp>
+        <p:grpSp>
+          <p:nvGrpSpPr>
+            <p:cNvPr id="136" name="グループ化 135">
+              <a:extLst>
+                <a:ext uri="{FF2B5EF4-FFF2-40B4-BE49-F238E27FC236}">
+                  <a16:creationId xmlns:a16="http://schemas.microsoft.com/office/drawing/2014/main" id="{D6F4FFE6-8AE9-5F4F-82A7-DB1524BDCD46}"/>
+                </a:ext>
+              </a:extLst>
+            </p:cNvPr>
+            <p:cNvGrpSpPr/>
+            <p:nvPr/>
+          </p:nvGrpSpPr>
+          <p:grpSpPr>
+            <a:xfrm>
+              <a:off x="3347864" y="3789040"/>
+              <a:ext cx="288032" cy="288032"/>
+              <a:chOff x="2987824" y="836712"/>
+              <a:chExt cx="288032" cy="288032"/>
+            </a:xfrm>
+            <a:solidFill>
+              <a:schemeClr val="accent2">
+                <a:lumMod val="20000"/>
+                <a:lumOff val="80000"/>
+              </a:schemeClr>
+            </a:solidFill>
+          </p:grpSpPr>
+          <p:sp>
+            <p:nvSpPr>
+              <p:cNvPr id="137" name="円/楕円 136">
+                <a:extLst>
+                  <a:ext uri="{FF2B5EF4-FFF2-40B4-BE49-F238E27FC236}">
+                    <a16:creationId xmlns:a16="http://schemas.microsoft.com/office/drawing/2014/main" id="{4F79E3CC-ECD1-B64F-AAA2-733CE659C453}"/>
+                  </a:ext>
+                </a:extLst>
+              </p:cNvPr>
+              <p:cNvSpPr/>
+              <p:nvPr/>
+            </p:nvSpPr>
+            <p:spPr>
+              <a:xfrm>
+                <a:off x="2987824" y="836712"/>
+                <a:ext cx="288032" cy="288032"/>
+              </a:xfrm>
+              <a:prstGeom prst="ellipse">
+                <a:avLst/>
+              </a:prstGeom>
+              <a:grpFill/>
+              <a:ln>
+                <a:solidFill>
+                  <a:schemeClr val="tx1"/>
+                </a:solidFill>
+                <a:headEnd type="triangle" w="med" len="med"/>
+                <a:tailEnd type="none" w="med" len="med"/>
+              </a:ln>
+            </p:spPr>
+            <p:style>
+              <a:lnRef idx="2">
+                <a:schemeClr val="accent1">
+                  <a:shade val="50000"/>
+                </a:schemeClr>
+              </a:lnRef>
+              <a:fillRef idx="1">
+                <a:schemeClr val="accent1"/>
+              </a:fillRef>
+              <a:effectRef idx="0">
+                <a:schemeClr val="accent1"/>
+              </a:effectRef>
+              <a:fontRef idx="minor">
+                <a:schemeClr val="lt1"/>
+              </a:fontRef>
+            </p:style>
+            <p:txBody>
+              <a:bodyPr rtlCol="0" anchor="ctr"/>
+              <a:lstStyle/>
+              <a:p>
+                <a:pPr algn="ctr"/>
+                <a:endParaRPr kumimoji="1" lang="ja-JP" altLang="en-US"/>
+              </a:p>
+            </p:txBody>
+          </p:sp>
+          <p:cxnSp>
+            <p:nvCxnSpPr>
+              <p:cNvPr id="138" name="直線矢印コネクタ 137">
+                <a:extLst>
+                  <a:ext uri="{FF2B5EF4-FFF2-40B4-BE49-F238E27FC236}">
+                    <a16:creationId xmlns:a16="http://schemas.microsoft.com/office/drawing/2014/main" id="{854325FC-96D1-C340-91E6-EE7A7201F106}"/>
+                  </a:ext>
+                </a:extLst>
+              </p:cNvPr>
+              <p:cNvCxnSpPr>
+                <a:cxnSpLocks/>
+              </p:cNvCxnSpPr>
+              <p:nvPr/>
+            </p:nvCxnSpPr>
+            <p:spPr>
+              <a:xfrm flipV="1">
+                <a:off x="3131840" y="868797"/>
+                <a:ext cx="0" cy="216024"/>
+              </a:xfrm>
+              <a:prstGeom prst="straightConnector1">
+                <a:avLst/>
+              </a:prstGeom>
+              <a:grpFill/>
+              <a:ln w="12700">
+                <a:solidFill>
+                  <a:schemeClr val="tx1"/>
+                </a:solidFill>
+                <a:headEnd type="triangle" w="med" len="med"/>
+                <a:tailEnd type="none" w="med" len="med"/>
+              </a:ln>
+            </p:spPr>
+            <p:style>
+              <a:lnRef idx="1">
+                <a:schemeClr val="accent1"/>
+              </a:lnRef>
+              <a:fillRef idx="0">
+                <a:schemeClr val="accent1"/>
+              </a:fillRef>
+              <a:effectRef idx="0">
+                <a:schemeClr val="accent1"/>
+              </a:effectRef>
+              <a:fontRef idx="minor">
+                <a:schemeClr val="tx1"/>
+              </a:fontRef>
+            </p:style>
+          </p:cxnSp>
+        </p:grpSp>
+      </p:grpSp>
+      <p:sp>
+        <p:nvSpPr>
+          <p:cNvPr id="144" name="右矢印 143">
+            <a:extLst>
+              <a:ext uri="{FF2B5EF4-FFF2-40B4-BE49-F238E27FC236}">
+                <a16:creationId xmlns:a16="http://schemas.microsoft.com/office/drawing/2014/main" id="{F9C96B45-83C7-4D49-A687-B96BC9F64FB3}"/>
+              </a:ext>
+            </a:extLst>
+          </p:cNvPr>
+          <p:cNvSpPr/>
+          <p:nvPr/>
+        </p:nvSpPr>
+        <p:spPr>
+          <a:xfrm>
+            <a:off x="2483768" y="2492896"/>
+            <a:ext cx="432048" cy="363474"/>
+          </a:xfrm>
+          <a:prstGeom prst="rightArrow">
+            <a:avLst/>
+          </a:prstGeom>
+          <a:solidFill>
+            <a:srgbClr val="FF0000"/>
+          </a:solidFill>
+          <a:ln>
+            <a:solidFill>
+              <a:schemeClr val="tx1"/>
+            </a:solidFill>
+          </a:ln>
+        </p:spPr>
+        <p:style>
+          <a:lnRef idx="2">
+            <a:schemeClr val="accent1">
+              <a:shade val="50000"/>
+            </a:schemeClr>
+          </a:lnRef>
+          <a:fillRef idx="1">
+            <a:schemeClr val="accent1"/>
+          </a:fillRef>
+          <a:effectRef idx="0">
+            <a:schemeClr val="accent1"/>
+          </a:effectRef>
+          <a:fontRef idx="minor">
+            <a:schemeClr val="lt1"/>
+          </a:fontRef>
+        </p:style>
+        <p:txBody>
+          <a:bodyPr rtlCol="0" anchor="ctr"/>
+          <a:lstStyle/>
+          <a:p>
+            <a:pPr algn="ctr"/>
+            <a:endParaRPr kumimoji="1" lang="ja-JP" altLang="en-US"/>
+          </a:p>
+        </p:txBody>
+      </p:sp>
+      <p:sp>
+        <p:nvSpPr>
+          <p:cNvPr id="145" name="角丸四角形 144">
+            <a:extLst>
+              <a:ext uri="{FF2B5EF4-FFF2-40B4-BE49-F238E27FC236}">
+                <a16:creationId xmlns:a16="http://schemas.microsoft.com/office/drawing/2014/main" id="{28FB9DE3-5845-EA4E-AC9C-E7F8F74FFBE6}"/>
+              </a:ext>
+            </a:extLst>
+          </p:cNvPr>
+          <p:cNvSpPr/>
+          <p:nvPr/>
+        </p:nvSpPr>
+        <p:spPr>
+          <a:xfrm>
+            <a:off x="3347864" y="1052736"/>
+            <a:ext cx="3744416" cy="3312368"/>
+          </a:xfrm>
+          <a:prstGeom prst="roundRect">
+            <a:avLst/>
+          </a:prstGeom>
+          <a:noFill/>
+          <a:ln>
+            <a:solidFill>
+              <a:schemeClr val="tx1"/>
+            </a:solidFill>
+            <a:prstDash val="dash"/>
+          </a:ln>
+        </p:spPr>
+        <p:style>
+          <a:lnRef idx="2">
+            <a:schemeClr val="accent1">
+              <a:shade val="50000"/>
+            </a:schemeClr>
+          </a:lnRef>
+          <a:fillRef idx="1">
+            <a:schemeClr val="accent1"/>
+          </a:fillRef>
+          <a:effectRef idx="0">
+            <a:schemeClr val="accent1"/>
+          </a:effectRef>
+          <a:fontRef idx="minor">
+            <a:schemeClr val="lt1"/>
+          </a:fontRef>
+        </p:style>
+        <p:txBody>
+          <a:bodyPr rtlCol="0" anchor="ctr"/>
+          <a:lstStyle/>
+          <a:p>
+            <a:pPr algn="ctr"/>
+            <a:endParaRPr kumimoji="1" lang="ja-JP" altLang="en-US"/>
+          </a:p>
+        </p:txBody>
+      </p:sp>
+    </p:spTree>
+    <p:extLst>
+      <p:ext uri="{BB962C8B-B14F-4D97-AF65-F5344CB8AC3E}">
+        <p14:creationId xmlns:p14="http://schemas.microsoft.com/office/powerpoint/2010/main" val="1319419474"/>
+      </p:ext>
+    </p:extLst>
+  </p:cSld>
+  <p:clrMapOvr>
+    <a:masterClrMapping/>
+  </p:clrMapOvr>
+</p:sld>
+</file>
+
 <file path=ppt/theme/theme1.xml><?xml version="1.0" encoding="utf-8"?>
 <a:theme xmlns:a="http://schemas.openxmlformats.org/drawingml/2006/main" name="Office テーマ">
   <a:themeElements>
